--- a/slides/seminar_20170705_japanese.pptx
+++ b/slides/seminar_20170705_japanese.pptx
@@ -5,14 +5,14 @@
     <p:sldMasterId id="2147483658" r:id="rId2"/>
   </p:sldMasterIdLst>
   <p:notesMasterIdLst>
-    <p:notesMasterId r:id="rId27"/>
+    <p:notesMasterId r:id="rId29"/>
   </p:notesMasterIdLst>
   <p:sldIdLst>
     <p:sldId id="256" r:id="rId3"/>
     <p:sldId id="262" r:id="rId4"/>
     <p:sldId id="264" r:id="rId5"/>
-    <p:sldId id="266" r:id="rId6"/>
-    <p:sldId id="267" r:id="rId7"/>
+    <p:sldId id="288" r:id="rId6"/>
+    <p:sldId id="289" r:id="rId7"/>
     <p:sldId id="268" r:id="rId8"/>
     <p:sldId id="269" r:id="rId9"/>
     <p:sldId id="270" r:id="rId10"/>
@@ -32,6 +32,8 @@
     <p:sldId id="284" r:id="rId24"/>
     <p:sldId id="286" r:id="rId25"/>
     <p:sldId id="285" r:id="rId26"/>
+    <p:sldId id="290" r:id="rId27"/>
+    <p:sldId id="291" r:id="rId28"/>
   </p:sldIdLst>
   <p:sldSz cx="9144000" cy="6858000" type="screen4x3"/>
   <p:notesSz cx="6858000" cy="9144000"/>
@@ -632,7 +634,31 @@
           <a:bodyPr/>
           <a:lstStyle/>
           <a:p>
-            <a:endParaRPr kumimoji="1" lang="ja-JP" altLang="en-US"/>
+            <a:r>
+              <a:rPr kumimoji="1" lang="ja-JP" altLang="en-US" dirty="0"/>
+              <a:t>卒業研究の課題として，動作を最初と最後の環境の変化と仮定している点が挙げられます．</a:t>
+            </a:r>
+            <a:endParaRPr kumimoji="1" lang="en-US" altLang="ja-JP" dirty="0"/>
+          </a:p>
+          <a:p>
+            <a:r>
+              <a:rPr kumimoji="1" lang="ja-JP" altLang="en-US" dirty="0"/>
+              <a:t>実際の多様な動作を学習するには，これでは十分ではないと考えられます．</a:t>
+            </a:r>
+            <a:endParaRPr kumimoji="1" lang="en-US" altLang="ja-JP" dirty="0"/>
+          </a:p>
+          <a:p>
+            <a:r>
+              <a:rPr lang="ja-JP" altLang="en-US" dirty="0"/>
+              <a:t>例えば～</a:t>
+            </a:r>
+            <a:endParaRPr lang="en-US" altLang="ja-JP" dirty="0"/>
+          </a:p>
+          <a:p>
+            <a:endParaRPr kumimoji="1" lang="en-US" altLang="ja-JP" dirty="0"/>
+          </a:p>
+          <a:p>
+            <a:endParaRPr kumimoji="1" lang="ja-JP" altLang="en-US" dirty="0"/>
           </a:p>
         </p:txBody>
       </p:sp>
@@ -654,7 +680,7 @@
             <a:fld id="{1D76769E-C829-4283-B80E-CB90D995C291}" type="slidenum">
               <a:rPr lang="en-US" altLang="ja-JP" smtClean="0"/>
               <a:pPr/>
-              <a:t>10</a:t>
+              <a:t>25</a:t>
             </a:fld>
             <a:endParaRPr kumimoji="1" lang="ja-JP" altLang="en-US"/>
           </a:p>
@@ -663,7 +689,7 @@
     </p:spTree>
     <p:extLst>
       <p:ext uri="{BB962C8B-B14F-4D97-AF65-F5344CB8AC3E}">
-        <p14:creationId xmlns:p14="http://schemas.microsoft.com/office/powerpoint/2010/main" val="3728853549"/>
+        <p14:creationId xmlns:p14="http://schemas.microsoft.com/office/powerpoint/2010/main" val="3910243638"/>
       </p:ext>
     </p:extLst>
   </p:cSld>
@@ -717,7 +743,20 @@
           <a:bodyPr/>
           <a:lstStyle/>
           <a:p>
-            <a:endParaRPr kumimoji="1" lang="ja-JP" altLang="en-US"/>
+            <a:r>
+              <a:rPr kumimoji="1" lang="ja-JP" altLang="en-US" dirty="0"/>
+              <a:t>これを解決するためには，教示動作の中から重要な「途中状態」を抽出し，これを用いて状態変化のシーケンスとして動作を学習する方法が考えられます．</a:t>
+            </a:r>
+            <a:endParaRPr kumimoji="1" lang="en-US" altLang="ja-JP" dirty="0"/>
+          </a:p>
+          <a:p>
+            <a:endParaRPr lang="en-US" altLang="ja-JP" dirty="0"/>
+          </a:p>
+          <a:p>
+            <a:r>
+              <a:rPr kumimoji="1" lang="ja-JP" altLang="en-US" dirty="0"/>
+              <a:t>しかし，そのためには～</a:t>
+            </a:r>
           </a:p>
         </p:txBody>
       </p:sp>
@@ -739,7 +778,7 @@
             <a:fld id="{1D76769E-C829-4283-B80E-CB90D995C291}" type="slidenum">
               <a:rPr lang="en-US" altLang="ja-JP" smtClean="0"/>
               <a:pPr/>
-              <a:t>19</a:t>
+              <a:t>26</a:t>
             </a:fld>
             <a:endParaRPr kumimoji="1" lang="ja-JP" altLang="en-US"/>
           </a:p>
@@ -748,7 +787,7 @@
     </p:spTree>
     <p:extLst>
       <p:ext uri="{BB962C8B-B14F-4D97-AF65-F5344CB8AC3E}">
-        <p14:creationId xmlns:p14="http://schemas.microsoft.com/office/powerpoint/2010/main" val="2033159961"/>
+        <p14:creationId xmlns:p14="http://schemas.microsoft.com/office/powerpoint/2010/main" val="1299813649"/>
       </p:ext>
     </p:extLst>
   </p:cSld>
@@ -1015,27 +1054,23 @@
           <a:lstStyle/>
           <a:p>
             <a:r>
-              <a:rPr kumimoji="1" lang="ja-JP" altLang="en-US" dirty="0"/>
-              <a:t>卒業研究の課題として，動作を最初と最後の環境の変化と仮定している点が挙げられます．</a:t>
-            </a:r>
+              <a:rPr lang="ja-JP" altLang="en-US" dirty="0"/>
+              <a:t>経由するべき重要な途中状態とは動作の意味的な境界であると考えられるため，途中状態を抽出するために動作情報を符号化してプリミティブ列に変換することが有効であると考えられます．</a:t>
+            </a:r>
+            <a:endParaRPr lang="en-US" altLang="ja-JP" dirty="0"/>
+          </a:p>
+          <a:p>
             <a:endParaRPr kumimoji="1" lang="en-US" altLang="ja-JP" dirty="0"/>
           </a:p>
           <a:p>
             <a:r>
-              <a:rPr kumimoji="1" lang="ja-JP" altLang="en-US" dirty="0"/>
-              <a:t>実際の多様な動作を学習するには，これでは十分ではないと考えられます．</a:t>
-            </a:r>
-            <a:endParaRPr kumimoji="1" lang="en-US" altLang="ja-JP" dirty="0"/>
-          </a:p>
-          <a:p>
-            <a:r>
               <a:rPr lang="ja-JP" altLang="en-US" dirty="0"/>
-              <a:t>例えば～</a:t>
+              <a:t>連続的な動作を符号化する手法として，隠れマルコフモデルが存在しますが，隠れマルコフモデルを動作情報の符号化に適用する場合，いくつか困難があります．</a:t>
             </a:r>
             <a:endParaRPr lang="en-US" altLang="ja-JP" dirty="0"/>
           </a:p>
           <a:p>
-            <a:endParaRPr kumimoji="1" lang="en-US" altLang="ja-JP" dirty="0"/>
+            <a:endParaRPr kumimoji="1" lang="en-US" altLang="ja-JP"/>
           </a:p>
           <a:p>
             <a:endParaRPr kumimoji="1" lang="ja-JP" altLang="en-US" dirty="0"/>
@@ -1060,7 +1095,7 @@
             <a:fld id="{1D76769E-C829-4283-B80E-CB90D995C291}" type="slidenum">
               <a:rPr lang="en-US" altLang="ja-JP" smtClean="0"/>
               <a:pPr/>
-              <a:t>4</a:t>
+              <a:t>6</a:t>
             </a:fld>
             <a:endParaRPr kumimoji="1" lang="ja-JP" altLang="en-US"/>
           </a:p>
@@ -1069,7 +1104,7 @@
     </p:spTree>
     <p:extLst>
       <p:ext uri="{BB962C8B-B14F-4D97-AF65-F5344CB8AC3E}">
-        <p14:creationId xmlns:p14="http://schemas.microsoft.com/office/powerpoint/2010/main" val="566369583"/>
+        <p14:creationId xmlns:p14="http://schemas.microsoft.com/office/powerpoint/2010/main" val="248470448"/>
       </p:ext>
     </p:extLst>
   </p:cSld>
@@ -1123,20 +1158,7 @@
           <a:bodyPr/>
           <a:lstStyle/>
           <a:p>
-            <a:r>
-              <a:rPr kumimoji="1" lang="ja-JP" altLang="en-US" dirty="0"/>
-              <a:t>これを解決するためには，教示動作の中から重要な「途中状態」を抽出し，これを用いて状態変化のシーケンスとして動作を学習する方法が考えられます．</a:t>
-            </a:r>
-            <a:endParaRPr kumimoji="1" lang="en-US" altLang="ja-JP" dirty="0"/>
-          </a:p>
-          <a:p>
-            <a:endParaRPr lang="en-US" altLang="ja-JP" dirty="0"/>
-          </a:p>
-          <a:p>
-            <a:r>
-              <a:rPr kumimoji="1" lang="ja-JP" altLang="en-US" dirty="0"/>
-              <a:t>しかし，そのためには～</a:t>
-            </a:r>
+            <a:endParaRPr kumimoji="1" lang="ja-JP" altLang="en-US"/>
           </a:p>
         </p:txBody>
       </p:sp>
@@ -1158,7 +1180,7 @@
             <a:fld id="{1D76769E-C829-4283-B80E-CB90D995C291}" type="slidenum">
               <a:rPr lang="en-US" altLang="ja-JP" smtClean="0"/>
               <a:pPr/>
-              <a:t>5</a:t>
+              <a:t>7</a:t>
             </a:fld>
             <a:endParaRPr kumimoji="1" lang="ja-JP" altLang="en-US"/>
           </a:p>
@@ -1167,7 +1189,7 @@
     </p:spTree>
     <p:extLst>
       <p:ext uri="{BB962C8B-B14F-4D97-AF65-F5344CB8AC3E}">
-        <p14:creationId xmlns:p14="http://schemas.microsoft.com/office/powerpoint/2010/main" val="3821768335"/>
+        <p14:creationId xmlns:p14="http://schemas.microsoft.com/office/powerpoint/2010/main" val="588809868"/>
       </p:ext>
     </p:extLst>
   </p:cSld>
@@ -1221,27 +1243,7 @@
           <a:bodyPr/>
           <a:lstStyle/>
           <a:p>
-            <a:r>
-              <a:rPr lang="ja-JP" altLang="en-US" dirty="0"/>
-              <a:t>経由するべき重要な途中状態とは動作の意味的な境界であると考えられるため，途中状態を抽出するために動作情報を符号化してプリミティブ列に変換することが有効であると考えられます．</a:t>
-            </a:r>
-            <a:endParaRPr lang="en-US" altLang="ja-JP" dirty="0"/>
-          </a:p>
-          <a:p>
-            <a:endParaRPr kumimoji="1" lang="en-US" altLang="ja-JP" dirty="0"/>
-          </a:p>
-          <a:p>
-            <a:r>
-              <a:rPr lang="ja-JP" altLang="en-US" dirty="0"/>
-              <a:t>連続的な動作を符号化する手法として，隠れマルコフモデルが存在しますが，隠れマルコフモデルを動作情報の符号化に適用する場合，いくつか困難があります．</a:t>
-            </a:r>
-            <a:endParaRPr lang="en-US" altLang="ja-JP" dirty="0"/>
-          </a:p>
-          <a:p>
-            <a:endParaRPr kumimoji="1" lang="en-US" altLang="ja-JP"/>
-          </a:p>
-          <a:p>
-            <a:endParaRPr kumimoji="1" lang="ja-JP" altLang="en-US" dirty="0"/>
+            <a:endParaRPr kumimoji="1" lang="ja-JP" altLang="en-US"/>
           </a:p>
         </p:txBody>
       </p:sp>
@@ -1263,7 +1265,7 @@
             <a:fld id="{1D76769E-C829-4283-B80E-CB90D995C291}" type="slidenum">
               <a:rPr lang="en-US" altLang="ja-JP" smtClean="0"/>
               <a:pPr/>
-              <a:t>6</a:t>
+              <a:t>8</a:t>
             </a:fld>
             <a:endParaRPr kumimoji="1" lang="ja-JP" altLang="en-US"/>
           </a:p>
@@ -1272,7 +1274,7 @@
     </p:spTree>
     <p:extLst>
       <p:ext uri="{BB962C8B-B14F-4D97-AF65-F5344CB8AC3E}">
-        <p14:creationId xmlns:p14="http://schemas.microsoft.com/office/powerpoint/2010/main" val="248470448"/>
+        <p14:creationId xmlns:p14="http://schemas.microsoft.com/office/powerpoint/2010/main" val="3516506804"/>
       </p:ext>
     </p:extLst>
   </p:cSld>
@@ -1348,7 +1350,7 @@
             <a:fld id="{1D76769E-C829-4283-B80E-CB90D995C291}" type="slidenum">
               <a:rPr lang="en-US" altLang="ja-JP" smtClean="0"/>
               <a:pPr/>
-              <a:t>7</a:t>
+              <a:t>9</a:t>
             </a:fld>
             <a:endParaRPr kumimoji="1" lang="ja-JP" altLang="en-US"/>
           </a:p>
@@ -1357,7 +1359,7 @@
     </p:spTree>
     <p:extLst>
       <p:ext uri="{BB962C8B-B14F-4D97-AF65-F5344CB8AC3E}">
-        <p14:creationId xmlns:p14="http://schemas.microsoft.com/office/powerpoint/2010/main" val="588809868"/>
+        <p14:creationId xmlns:p14="http://schemas.microsoft.com/office/powerpoint/2010/main" val="2627282021"/>
       </p:ext>
     </p:extLst>
   </p:cSld>
@@ -1433,7 +1435,7 @@
             <a:fld id="{1D76769E-C829-4283-B80E-CB90D995C291}" type="slidenum">
               <a:rPr lang="en-US" altLang="ja-JP" smtClean="0"/>
               <a:pPr/>
-              <a:t>8</a:t>
+              <a:t>10</a:t>
             </a:fld>
             <a:endParaRPr kumimoji="1" lang="ja-JP" altLang="en-US"/>
           </a:p>
@@ -1442,7 +1444,7 @@
     </p:spTree>
     <p:extLst>
       <p:ext uri="{BB962C8B-B14F-4D97-AF65-F5344CB8AC3E}">
-        <p14:creationId xmlns:p14="http://schemas.microsoft.com/office/powerpoint/2010/main" val="3516506804"/>
+        <p14:creationId xmlns:p14="http://schemas.microsoft.com/office/powerpoint/2010/main" val="3728853549"/>
       </p:ext>
     </p:extLst>
   </p:cSld>
@@ -1518,7 +1520,7 @@
             <a:fld id="{1D76769E-C829-4283-B80E-CB90D995C291}" type="slidenum">
               <a:rPr lang="en-US" altLang="ja-JP" smtClean="0"/>
               <a:pPr/>
-              <a:t>9</a:t>
+              <a:t>19</a:t>
             </a:fld>
             <a:endParaRPr kumimoji="1" lang="ja-JP" altLang="en-US"/>
           </a:p>
@@ -1527,7 +1529,7 @@
     </p:spTree>
     <p:extLst>
       <p:ext uri="{BB962C8B-B14F-4D97-AF65-F5344CB8AC3E}">
-        <p14:creationId xmlns:p14="http://schemas.microsoft.com/office/powerpoint/2010/main" val="2627282021"/>
+        <p14:creationId xmlns:p14="http://schemas.microsoft.com/office/powerpoint/2010/main" val="2033159961"/>
       </p:ext>
     </p:extLst>
   </p:cSld>
@@ -6285,26 +6287,14 @@
           <a:p>
             <a:r>
               <a:rPr kumimoji="1" lang="en-US" altLang="ja-JP" dirty="0"/>
-              <a:t>HMM </a:t>
-            </a:r>
-            <a:r>
-              <a:rPr kumimoji="1" lang="ja-JP" altLang="en-US" dirty="0"/>
-              <a:t>と </a:t>
-            </a:r>
-            <a:r>
-              <a:rPr kumimoji="1" lang="en-US" altLang="ja-JP" dirty="0"/>
-              <a:t>HPYLM </a:t>
-            </a:r>
-            <a:r>
-              <a:rPr kumimoji="1" lang="ja-JP" altLang="en-US" dirty="0"/>
-              <a:t>を用いた</a:t>
+              <a:t>Motion Parsing </a:t>
             </a:r>
             <a:br>
               <a:rPr kumimoji="1" lang="en-US" altLang="ja-JP" dirty="0"/>
             </a:br>
             <a:r>
-              <a:rPr kumimoji="1" lang="ja-JP" altLang="en-US" dirty="0"/>
-              <a:t>動作の形態素解析</a:t>
+              <a:rPr kumimoji="1" lang="en-US" altLang="ja-JP" dirty="0"/>
+              <a:t>with HMM and HPYLM</a:t>
             </a:r>
             <a:endParaRPr kumimoji="1" lang="ja-JP" dirty="0"/>
           </a:p>
@@ -6380,68 +6370,35 @@
           </a:p>
           <a:p>
             <a:r>
-              <a:rPr lang="ja-JP" altLang="en-US" dirty="0"/>
-              <a:t>通常の </a:t>
-            </a:r>
-            <a:r>
               <a:rPr lang="en-US" altLang="ja-JP" dirty="0"/>
-              <a:t>HMM </a:t>
-            </a:r>
-            <a:r>
-              <a:rPr lang="ja-JP" altLang="en-US" dirty="0"/>
-              <a:t>を用いた符号化</a:t>
-            </a:r>
-            <a:endParaRPr lang="en-US" altLang="ja-JP" dirty="0"/>
+              <a:t>Encoding motion with normal HMM</a:t>
+            </a:r>
           </a:p>
           <a:p>
             <a:pPr lvl="1"/>
             <a:r>
-              <a:rPr lang="ja-JP" altLang="en-US" dirty="0"/>
-              <a:t>状態数による影響の考察</a:t>
-            </a:r>
-            <a:endParaRPr lang="en-US" altLang="ja-JP" dirty="0"/>
-          </a:p>
-          <a:p>
-            <a:r>
               <a:rPr lang="en-US" altLang="ja-JP" dirty="0"/>
-              <a:t>HPYLM </a:t>
-            </a:r>
-            <a:r>
-              <a:rPr lang="ja-JP" altLang="en-US" dirty="0"/>
-              <a:t>を用いた形態素解析</a:t>
-            </a:r>
-            <a:endParaRPr lang="en-US" altLang="ja-JP" dirty="0"/>
+              <a:t>Consideration of influence by the number of states</a:t>
+            </a:r>
+          </a:p>
+          <a:p>
+            <a:r>
+              <a:rPr lang="en-US" altLang="ja-JP" dirty="0"/>
+              <a:t>Parsing sentences with HPYLM</a:t>
+            </a:r>
           </a:p>
           <a:p>
             <a:pPr lvl="1"/>
             <a:r>
               <a:rPr lang="en-US" altLang="ja-JP" dirty="0"/>
-              <a:t>NPYLM </a:t>
-            </a:r>
-            <a:r>
-              <a:rPr lang="ja-JP" altLang="en-US" dirty="0"/>
-              <a:t>の必要性の考察</a:t>
-            </a:r>
-            <a:endParaRPr lang="en-US" altLang="ja-JP" dirty="0"/>
+              <a:t>Consideration of necessity of NPYLM</a:t>
+            </a:r>
           </a:p>
           <a:p>
             <a:r>
               <a:rPr lang="en-US" altLang="ja-JP" dirty="0"/>
-              <a:t>HMM </a:t>
-            </a:r>
-            <a:r>
-              <a:rPr lang="ja-JP" altLang="en-US" dirty="0"/>
-              <a:t>→ </a:t>
-            </a:r>
-            <a:r>
-              <a:rPr lang="en-US" altLang="ja-JP" dirty="0"/>
-              <a:t>HPYLM </a:t>
-            </a:r>
-            <a:r>
-              <a:rPr lang="ja-JP" altLang="en-US" dirty="0"/>
-              <a:t>の連結</a:t>
-            </a:r>
-            <a:endParaRPr lang="en-US" altLang="ja-JP" dirty="0"/>
+              <a:t>Parsing motion with combination HMM and HPYLM</a:t>
+            </a:r>
           </a:p>
           <a:p>
             <a:pPr marL="109728" indent="0">
@@ -6557,25 +6514,25 @@
           <a:p>
             <a:pPr lvl="1"/>
             <a:r>
-              <a:rPr kumimoji="1" lang="ja-JP" altLang="en-US" dirty="0"/>
-              <a:t>マルコフモデルの教師なし学習版</a:t>
+              <a:rPr lang="en-US" altLang="ja-JP" dirty="0"/>
+              <a:t>Markov model with unsupervised learning</a:t>
             </a:r>
             <a:endParaRPr kumimoji="1" lang="en-US" altLang="ja-JP" dirty="0"/>
           </a:p>
           <a:p>
             <a:pPr lvl="1"/>
             <a:r>
-              <a:rPr lang="ja-JP" altLang="en-US" dirty="0"/>
-              <a:t>時系列データの識別，符号化が可能</a:t>
-            </a:r>
-            <a:endParaRPr lang="en-US" altLang="ja-JP" dirty="0"/>
+              <a:rPr lang="en-US" altLang="ja-JP" dirty="0"/>
+              <a:t>It can recognize or/and encode the time sequential data.</a:t>
+            </a:r>
           </a:p>
           <a:p>
             <a:pPr lvl="1"/>
             <a:r>
-              <a:rPr kumimoji="1" lang="ja-JP" altLang="en-US" dirty="0"/>
-              <a:t>音声認識でよく用いられる</a:t>
-            </a:r>
+              <a:rPr lang="en-US" altLang="ja-JP" dirty="0"/>
+              <a:t>It is frequently used for speech recognition.</a:t>
+            </a:r>
+            <a:endParaRPr kumimoji="1" lang="ja-JP" altLang="en-US" dirty="0"/>
           </a:p>
         </p:txBody>
       </p:sp>
@@ -6702,37 +6659,20 @@
           <a:p>
             <a:r>
               <a:rPr lang="en-US" altLang="ja-JP" dirty="0"/>
-              <a:t>HMM </a:t>
-            </a:r>
-            <a:r>
-              <a:rPr lang="ja-JP" altLang="en-US" dirty="0"/>
-              <a:t>による符号化のテストとして，簡単な時系列データをもとに学習，推定を行った</a:t>
-            </a:r>
-            <a:endParaRPr lang="en-US" altLang="ja-JP" dirty="0"/>
-          </a:p>
-          <a:p>
-            <a:r>
-              <a:rPr lang="ja-JP" altLang="en-US" dirty="0"/>
-              <a:t>状態数ごとの結果の違いを比較した</a:t>
-            </a:r>
-            <a:endParaRPr lang="en-US" altLang="ja-JP" dirty="0"/>
-          </a:p>
-          <a:p>
-            <a:r>
-              <a:rPr lang="ja-JP" altLang="en-US" dirty="0"/>
-              <a:t>入力に使用したデータは以下の</a:t>
-            </a:r>
+              <a:t>Experiment about Learning of  HMM and estimation based on simple time series data</a:t>
+            </a:r>
+          </a:p>
+          <a:p>
             <a:r>
               <a:rPr lang="en-US" altLang="ja-JP" dirty="0"/>
-              <a:t>2</a:t>
-            </a:r>
-            <a:r>
-              <a:rPr lang="ja-JP" altLang="en-US" dirty="0"/>
-              <a:t>次元データ</a:t>
-            </a:r>
-          </a:p>
-          <a:p>
-            <a:endParaRPr kumimoji="1" lang="ja-JP" altLang="en-US" dirty="0"/>
+              <a:t>I verified the influence of the number of states.</a:t>
+            </a:r>
+          </a:p>
+          <a:p>
+            <a:r>
+              <a:rPr lang="en-US" altLang="ja-JP" dirty="0"/>
+              <a:t>I used two kinds of two dimensional trajectories for learning.</a:t>
+            </a:r>
           </a:p>
         </p:txBody>
       </p:sp>
@@ -8669,7 +8609,7 @@
 </file>
 
 <file path=ppt/slides/slide14.xml><?xml version="1.0" encoding="utf-8"?>
-<p:sld xmlns:a="http://schemas.openxmlformats.org/drawingml/2006/main" xmlns:r="http://schemas.openxmlformats.org/officeDocument/2006/relationships" xmlns:p="http://schemas.openxmlformats.org/presentationml/2006/main">
+<p:sld xmlns:a="http://schemas.openxmlformats.org/drawingml/2006/main" xmlns:r="http://schemas.openxmlformats.org/officeDocument/2006/relationships" xmlns:p="http://schemas.openxmlformats.org/presentationml/2006/main" showMasterSp="0">
   <p:cSld>
     <p:spTree>
       <p:nvGrpSpPr>
@@ -8714,57 +8654,54 @@
           <a:p>
             <a:pPr lvl="1"/>
             <a:r>
+              <a:rPr kumimoji="1" lang="en-US" altLang="ja-JP" dirty="0"/>
+              <a:t>Hierarchical </a:t>
+            </a:r>
+            <a:r>
               <a:rPr kumimoji="1" lang="en-US" altLang="ja-JP" dirty="0" err="1"/>
               <a:t>Ngram</a:t>
             </a:r>
             <a:r>
               <a:rPr kumimoji="1" lang="en-US" altLang="ja-JP" dirty="0"/>
-              <a:t> </a:t>
-            </a:r>
-            <a:r>
-              <a:rPr kumimoji="1" lang="ja-JP" altLang="en-US" dirty="0"/>
-              <a:t>を階層構造にしたもの</a:t>
-            </a:r>
-            <a:endParaRPr kumimoji="1" lang="en-US" altLang="ja-JP" dirty="0"/>
+              <a:t> model with Pitman-</a:t>
+            </a:r>
+            <a:r>
+              <a:rPr kumimoji="1" lang="en-US" altLang="ja-JP" dirty="0" err="1"/>
+              <a:t>Yor</a:t>
+            </a:r>
+            <a:r>
+              <a:rPr kumimoji="1" lang="en-US" altLang="ja-JP" dirty="0"/>
+              <a:t> Process</a:t>
+            </a:r>
           </a:p>
           <a:p>
             <a:pPr lvl="1"/>
             <a:r>
-              <a:rPr lang="ja-JP" altLang="en-US" dirty="0"/>
-              <a:t>ディリクレ過程を導入して未知語に対応</a:t>
-            </a:r>
-            <a:endParaRPr lang="en-US" altLang="ja-JP" dirty="0"/>
+              <a:rPr lang="en-US" altLang="ja-JP" dirty="0"/>
+              <a:t>Thanks of introducing the </a:t>
+            </a:r>
+            <a:r>
+              <a:rPr lang="en-US" altLang="ja-JP" dirty="0" err="1"/>
+              <a:t>Dirichlet</a:t>
+            </a:r>
+            <a:r>
+              <a:rPr lang="en-US" altLang="ja-JP" dirty="0"/>
+              <a:t> process, it  can deal with unknown words.</a:t>
+            </a:r>
           </a:p>
           <a:p>
             <a:pPr lvl="1"/>
             <a:r>
-              <a:rPr lang="ja-JP" altLang="en-US" dirty="0"/>
-              <a:t>基底測度となる「単語の事前分布」は本来未知</a:t>
-            </a:r>
-            <a:endParaRPr lang="en-US" altLang="ja-JP" dirty="0"/>
+              <a:rPr lang="en-US" altLang="ja-JP" dirty="0"/>
+              <a:t>Base measure(the prior distribution of words) is unknown.</a:t>
+            </a:r>
           </a:p>
           <a:p>
             <a:pPr lvl="2"/>
             <a:r>
-              <a:rPr kumimoji="1" lang="ja-JP" altLang="en-US" dirty="0"/>
-              <a:t>「単語の事前分布」をさらに </a:t>
-            </a:r>
-            <a:r>
-              <a:rPr kumimoji="1" lang="en-US" altLang="ja-JP" dirty="0"/>
-              <a:t>HPYLM </a:t>
-            </a:r>
-            <a:r>
-              <a:rPr kumimoji="1" lang="ja-JP" altLang="en-US" dirty="0"/>
-              <a:t>で表現したのが </a:t>
-            </a:r>
-            <a:r>
-              <a:rPr kumimoji="1" lang="en-US" altLang="ja-JP" dirty="0"/>
-              <a:t>NPYLM</a:t>
-            </a:r>
-          </a:p>
-          <a:p>
-            <a:pPr lvl="2"/>
-            <a:endParaRPr lang="en-US" altLang="ja-JP" dirty="0"/>
+              <a:rPr lang="en-US" altLang="ja-JP" dirty="0"/>
+              <a:t>NPYLM deals with another HPYLM as base measure.</a:t>
+            </a:r>
           </a:p>
           <a:p>
             <a:endParaRPr kumimoji="1" lang="en-US" altLang="ja-JP" dirty="0"/>
@@ -8803,12 +8740,48 @@
           </a:p>
         </p:txBody>
       </p:sp>
-      <p:sp>
-        <p:nvSpPr>
-          <p:cNvPr id="4" name="テキスト ボックス 3">
+      <p:pic>
+        <p:nvPicPr>
+          <p:cNvPr id="6" name="図 5">
             <a:extLst>
               <a:ext uri="{FF2B5EF4-FFF2-40B4-BE49-F238E27FC236}">
-                <a16:creationId xmlns:a16="http://schemas.microsoft.com/office/drawing/2014/main" id="{3B08BC48-4469-418E-A0B2-A8FA11DDBE8C}"/>
+                <a16:creationId xmlns:a16="http://schemas.microsoft.com/office/drawing/2014/main" id="{D28826E9-1070-42FA-B790-425F02AE3E8F}"/>
+              </a:ext>
+            </a:extLst>
+          </p:cNvPr>
+          <p:cNvPicPr>
+            <a:picLocks noChangeAspect="1"/>
+          </p:cNvPicPr>
+          <p:nvPr/>
+        </p:nvPicPr>
+        <p:blipFill>
+          <a:blip r:embed="rId2" cstate="print">
+            <a:extLst>
+              <a:ext uri="{28A0092B-C50C-407E-A947-70E740481C1C}">
+                <a14:useLocalDpi xmlns:a14="http://schemas.microsoft.com/office/drawing/2010/main" val="0"/>
+              </a:ext>
+            </a:extLst>
+          </a:blip>
+          <a:stretch>
+            <a:fillRect/>
+          </a:stretch>
+        </p:blipFill>
+        <p:spPr>
+          <a:xfrm>
+            <a:off x="0" y="3555415"/>
+            <a:ext cx="9144000" cy="2609889"/>
+          </a:xfrm>
+          <a:prstGeom prst="rect">
+            <a:avLst/>
+          </a:prstGeom>
+        </p:spPr>
+      </p:pic>
+      <p:sp>
+        <p:nvSpPr>
+          <p:cNvPr id="7" name="テキスト ボックス 6">
+            <a:extLst>
+              <a:ext uri="{FF2B5EF4-FFF2-40B4-BE49-F238E27FC236}">
+                <a16:creationId xmlns:a16="http://schemas.microsoft.com/office/drawing/2014/main" id="{601428B4-780A-4E81-9D8D-729D0E9CD2AE}"/>
               </a:ext>
             </a:extLst>
           </p:cNvPr>
@@ -8817,8 +8790,8 @@
         </p:nvSpPr>
         <p:spPr>
           <a:xfrm>
-            <a:off x="2627784" y="3587532"/>
-            <a:ext cx="5688632" cy="1569660"/>
+            <a:off x="7164288" y="6228020"/>
+            <a:ext cx="1296144" cy="369332"/>
           </a:xfrm>
           <a:prstGeom prst="rect">
             <a:avLst/>
@@ -8832,15 +8805,16 @@
           <a:lstStyle/>
           <a:p>
             <a:r>
-              <a:rPr kumimoji="1" lang="ja-JP" altLang="en-US" sz="4800" dirty="0"/>
-              <a:t>持橋論文の</a:t>
-            </a:r>
-            <a:endParaRPr kumimoji="1" lang="en-US" altLang="ja-JP" sz="4800" dirty="0"/>
-          </a:p>
-          <a:p>
-            <a:r>
-              <a:rPr kumimoji="1" lang="ja-JP" altLang="en-US" sz="4800" dirty="0"/>
-              <a:t>画像添付</a:t>
+              <a:rPr kumimoji="1" lang="ja-JP" altLang="en-US" dirty="0"/>
+              <a:t>持橋</a:t>
+            </a:r>
+            <a:r>
+              <a:rPr kumimoji="1" lang="en-US" altLang="ja-JP" dirty="0"/>
+              <a:t>[3]</a:t>
+            </a:r>
+            <a:r>
+              <a:rPr kumimoji="1" lang="ja-JP" altLang="en-US" dirty="0"/>
+              <a:t> </a:t>
             </a:r>
           </a:p>
         </p:txBody>
@@ -8897,44 +8871,30 @@
           <a:lstStyle/>
           <a:p>
             <a:r>
-              <a:rPr kumimoji="1" lang="ja-JP" altLang="en-US" dirty="0"/>
-              <a:t>簡単のため，単語の事前分布は単語長に応じた</a:t>
-            </a:r>
-            <a:br>
-              <a:rPr kumimoji="1" lang="en-US" altLang="ja-JP" dirty="0"/>
-            </a:br>
-            <a:r>
-              <a:rPr kumimoji="1" lang="ja-JP" altLang="en-US" dirty="0"/>
-              <a:t>ガウス分布に仮定</a:t>
-            </a:r>
-            <a:endParaRPr kumimoji="1" lang="en-US" altLang="ja-JP" dirty="0"/>
-          </a:p>
-          <a:p>
-            <a:r>
-              <a:rPr lang="ja-JP" altLang="en-US" dirty="0"/>
-              <a:t>以下の文字列（</a:t>
-            </a:r>
-            <a:r>
               <a:rPr lang="en-US" altLang="ja-JP" dirty="0"/>
-              <a:t>5</a:t>
-            </a:r>
-            <a:r>
-              <a:rPr lang="ja-JP" altLang="en-US" dirty="0"/>
-              <a:t>単語を異なる順序で連結したもの）</a:t>
-            </a:r>
-            <a:br>
+              <a:t>(For simplicity of coding, ) I used the Gauss distribution as base measure.</a:t>
+            </a:r>
+          </a:p>
+          <a:p>
+            <a:r>
               <a:rPr lang="en-US" altLang="ja-JP" dirty="0"/>
-            </a:br>
-            <a:r>
-              <a:rPr lang="ja-JP" altLang="en-US" dirty="0"/>
-              <a:t>を入力として学習</a:t>
-            </a:r>
+              <a:t>I entered the following five strings for learning.</a:t>
+            </a:r>
+          </a:p>
+          <a:p>
+            <a:pPr lvl="1"/>
+            <a:r>
+              <a:rPr lang="en-US" altLang="ja-JP" dirty="0"/>
+              <a:t>(It is just concatenation of five words)</a:t>
+            </a:r>
+          </a:p>
+          <a:p>
             <a:endParaRPr lang="en-US" altLang="ja-JP" dirty="0"/>
           </a:p>
           <a:p>
-            <a:endParaRPr lang="en-US" altLang="ja-JP" dirty="0"/>
-          </a:p>
-          <a:p>
+            <a:pPr marL="109728" indent="0">
+              <a:buNone/>
+            </a:pPr>
             <a:r>
               <a:rPr lang="en-US" altLang="ja-JP" dirty="0" err="1"/>
               <a:t>applegrapeorangebananapeach</a:t>
@@ -8942,6 +8902,9 @@
             <a:endParaRPr lang="en-US" altLang="ja-JP" dirty="0"/>
           </a:p>
           <a:p>
+            <a:pPr marL="109728" indent="0">
+              <a:buNone/>
+            </a:pPr>
             <a:r>
               <a:rPr lang="en-US" altLang="ja-JP" dirty="0" err="1"/>
               <a:t>peachorangebananaapplegrape</a:t>
@@ -8949,6 +8912,9 @@
             <a:endParaRPr lang="en-US" altLang="ja-JP" dirty="0"/>
           </a:p>
           <a:p>
+            <a:pPr marL="109728" indent="0">
+              <a:buNone/>
+            </a:pPr>
             <a:r>
               <a:rPr lang="en-US" altLang="ja-JP" dirty="0" err="1"/>
               <a:t>grapebananaorangeapplepeach</a:t>
@@ -8956,6 +8922,9 @@
             <a:endParaRPr lang="en-US" altLang="ja-JP" dirty="0"/>
           </a:p>
           <a:p>
+            <a:pPr marL="109728" indent="0">
+              <a:buNone/>
+            </a:pPr>
             <a:r>
               <a:rPr lang="en-US" altLang="ja-JP" dirty="0" err="1"/>
               <a:t>bananaappleorangepeachgrape</a:t>
@@ -8963,6 +8932,9 @@
             <a:endParaRPr lang="en-US" altLang="ja-JP" dirty="0"/>
           </a:p>
           <a:p>
+            <a:pPr marL="109728" indent="0">
+              <a:buNone/>
+            </a:pPr>
             <a:r>
               <a:rPr lang="en-US" altLang="ja-JP" dirty="0" err="1"/>
               <a:t>orangepeachbananaapplegrape</a:t>
@@ -9627,89 +9599,75 @@
           <a:lstStyle/>
           <a:p>
             <a:r>
+              <a:rPr lang="en-US" altLang="ja-JP" dirty="0"/>
+              <a:t>In the case of a normal HMM, the number of states must be manually set</a:t>
+            </a:r>
+            <a:r>
               <a:rPr lang="ja-JP" altLang="en-US" dirty="0"/>
-              <a:t>通常の </a:t>
+              <a:t>　</a:t>
             </a:r>
             <a:r>
               <a:rPr lang="en-US" altLang="ja-JP" dirty="0"/>
-              <a:t>HMM </a:t>
+              <a:t>according to the number of kinds of input data.</a:t>
+            </a:r>
+          </a:p>
+          <a:p>
+            <a:r>
+              <a:rPr lang="en-US" altLang="ja-JP" dirty="0"/>
+              <a:t>For parsing of less complicated strings, the nested structure of NPYLM is not essential.</a:t>
+            </a:r>
+          </a:p>
+          <a:p>
+            <a:r>
+              <a:rPr lang="en-US" altLang="ja-JP" dirty="0"/>
+              <a:t>Future works</a:t>
+            </a:r>
+          </a:p>
+          <a:p>
+            <a:pPr lvl="1"/>
+            <a:r>
+              <a:rPr lang="en-US" altLang="ja-JP" dirty="0"/>
+              <a:t>Introduction of HDP-HMM</a:t>
+            </a:r>
+          </a:p>
+          <a:p>
+            <a:pPr lvl="1"/>
+            <a:r>
+              <a:rPr lang="en-US" altLang="ja-JP" dirty="0"/>
+              <a:t>Consider about dealing with parsing results</a:t>
+            </a:r>
+            <a:endParaRPr lang="ja-JP" altLang="en-US" dirty="0"/>
+          </a:p>
+          <a:p>
+            <a:pPr lvl="2"/>
+            <a:r>
+              <a:rPr lang="en-US" altLang="ja-JP" dirty="0"/>
+              <a:t>prediction of the idioms</a:t>
+            </a:r>
+          </a:p>
+          <a:p>
+            <a:pPr lvl="2"/>
+            <a:r>
+              <a:rPr lang="en-US" altLang="ja-JP" dirty="0"/>
+              <a:t>removing</a:t>
             </a:r>
             <a:r>
               <a:rPr lang="ja-JP" altLang="en-US" dirty="0"/>
-              <a:t>の場合，代入する動作データの数に応じた状態数を手動で設定しなければならない</a:t>
+              <a:t> </a:t>
+            </a:r>
+            <a:r>
+              <a:rPr lang="en-US" altLang="ja-JP" dirty="0" err="1"/>
+              <a:t>noizes</a:t>
             </a:r>
             <a:endParaRPr lang="en-US" altLang="ja-JP" dirty="0"/>
           </a:p>
           <a:p>
-            <a:r>
-              <a:rPr lang="ja-JP" altLang="en-US" dirty="0"/>
-              <a:t>あまり複雑でない文字列の形態素解析なら，</a:t>
-            </a:r>
+            <a:pPr lvl="1"/>
             <a:r>
               <a:rPr lang="en-US" altLang="ja-JP" dirty="0"/>
-              <a:t>NPYLM </a:t>
-            </a:r>
-            <a:r>
-              <a:rPr lang="ja-JP" altLang="en-US" dirty="0"/>
-              <a:t>の入れ子構造は必須ではない</a:t>
-            </a:r>
-            <a:endParaRPr lang="en-US" altLang="ja-JP" dirty="0"/>
-          </a:p>
-          <a:p>
-            <a:r>
-              <a:rPr lang="ja-JP" altLang="en-US" dirty="0"/>
-              <a:t>今後の展望</a:t>
-            </a:r>
-          </a:p>
-          <a:p>
-            <a:r>
-              <a:rPr lang="ja-JP" altLang="en-US" dirty="0"/>
-              <a:t>・</a:t>
-            </a:r>
-            <a:r>
-              <a:rPr lang="en-US" altLang="ja-JP" dirty="0"/>
-              <a:t>HDP-HMM </a:t>
-            </a:r>
-            <a:r>
-              <a:rPr lang="ja-JP" altLang="en-US" dirty="0"/>
-              <a:t>の導入</a:t>
-            </a:r>
-          </a:p>
-          <a:p>
-            <a:r>
-              <a:rPr lang="ja-JP" altLang="en-US" dirty="0"/>
-              <a:t>・形態素解析の結果を用いた途中状態の推定</a:t>
-            </a:r>
-          </a:p>
-          <a:p>
-            <a:r>
-              <a:rPr lang="ja-JP" altLang="en-US" dirty="0"/>
-              <a:t>     ・「熟語」の推定</a:t>
-            </a:r>
-          </a:p>
-          <a:p>
-            <a:r>
-              <a:rPr lang="ja-JP" altLang="en-US" dirty="0"/>
-              <a:t>     ・ノイズの除去</a:t>
-            </a:r>
-          </a:p>
-          <a:p>
-            <a:r>
-              <a:rPr lang="ja-JP" altLang="en-US" dirty="0"/>
-              <a:t>・実測データでの応用</a:t>
-            </a:r>
-          </a:p>
-          <a:p>
-            <a:r>
-              <a:rPr lang="ja-JP" altLang="en-US" dirty="0"/>
-              <a:t>     ・高次元データでの実験</a:t>
-            </a:r>
-          </a:p>
-          <a:p>
+              <a:t>Application using real (high-dimensional) data</a:t>
+            </a:r>
             <a:endParaRPr lang="ja-JP" altLang="en-US" dirty="0"/>
-          </a:p>
-          <a:p>
-            <a:endParaRPr kumimoji="1" lang="ja-JP" altLang="en-US" dirty="0"/>
           </a:p>
         </p:txBody>
       </p:sp>
@@ -9737,12 +9695,12 @@
           <a:lstStyle/>
           <a:p>
             <a:r>
-              <a:rPr kumimoji="1" lang="ja-JP" altLang="en-US" dirty="0"/>
-              <a:t>まとめ</a:t>
-            </a:r>
-            <a:r>
-              <a:rPr lang="ja-JP" altLang="en-US" dirty="0"/>
-              <a:t>と今後の展望</a:t>
+              <a:rPr lang="en-US" altLang="ja-JP" dirty="0"/>
+              <a:t>S</a:t>
+            </a:r>
+            <a:r>
+              <a:rPr kumimoji="1" lang="en-US" altLang="ja-JP" dirty="0"/>
+              <a:t>ummary and future works</a:t>
             </a:r>
             <a:endParaRPr kumimoji="1" lang="ja-JP" altLang="en-US" dirty="0"/>
           </a:p>
@@ -10428,8 +10386,8 @@
           <a:chExt cx="0" cy="0"/>
         </a:xfrm>
       </p:grpSpPr>
-      <mc:AlternateContent xmlns:mc="http://schemas.openxmlformats.org/markup-compatibility/2006">
-        <mc:Choice xmlns:a14="http://schemas.microsoft.com/office/drawing/2010/main" Requires="a14">
+      <mc:AlternateContent xmlns:mc="http://schemas.openxmlformats.org/markup-compatibility/2006" xmlns:a14="http://schemas.microsoft.com/office/drawing/2010/main">
+        <mc:Choice Requires="a14">
           <p:sp>
             <p:nvSpPr>
               <p:cNvPr id="2" name="コンテンツ プレースホルダー 1">
@@ -10718,7 +10676,7 @@
             </p:txBody>
           </p:sp>
         </mc:Choice>
-        <mc:Fallback>
+        <mc:Fallback xmlns="">
           <p:sp>
             <p:nvSpPr>
               <p:cNvPr id="2" name="コンテンツ プレースホルダー 1">
@@ -10970,8 +10928,8 @@
           <a:chExt cx="0" cy="0"/>
         </a:xfrm>
       </p:grpSpPr>
-      <mc:AlternateContent xmlns:mc="http://schemas.openxmlformats.org/markup-compatibility/2006">
-        <mc:Choice xmlns:a14="http://schemas.microsoft.com/office/drawing/2010/main" Requires="a14">
+      <mc:AlternateContent xmlns:mc="http://schemas.openxmlformats.org/markup-compatibility/2006" xmlns:a14="http://schemas.microsoft.com/office/drawing/2010/main">
+        <mc:Choice Requires="a14">
           <p:sp>
             <p:nvSpPr>
               <p:cNvPr id="2" name="コンテンツ プレースホルダー 1">
@@ -11165,13 +11123,7 @@
                       <a:rPr lang="en-US" altLang="ja-JP" i="1">
                         <a:latin typeface="Cambria Math" panose="02040503050406030204" pitchFamily="18" charset="0"/>
                       </a:rPr>
-                      <m:t> </m:t>
-                    </m:r>
-                    <m:r>
-                      <a:rPr lang="en-US" altLang="ja-JP" b="0" i="1" smtClean="0">
-                        <a:latin typeface="Cambria Math" panose="02040503050406030204" pitchFamily="18" charset="0"/>
-                      </a:rPr>
-                      <m:t>, </m:t>
+                      <m:t> , </m:t>
                     </m:r>
                     <m:r>
                       <a:rPr lang="en-US" altLang="ja-JP" i="1">
@@ -11807,7 +11759,7 @@
             </p:txBody>
           </p:sp>
         </mc:Choice>
-        <mc:Fallback>
+        <mc:Fallback xmlns="">
           <p:sp>
             <p:nvSpPr>
               <p:cNvPr id="2" name="コンテンツ プレースホルダー 1">
@@ -11912,8 +11864,8 @@
           <a:chExt cx="0" cy="0"/>
         </a:xfrm>
       </p:grpSpPr>
-      <mc:AlternateContent xmlns:mc="http://schemas.openxmlformats.org/markup-compatibility/2006">
-        <mc:Choice xmlns:a14="http://schemas.microsoft.com/office/drawing/2010/main" Requires="a14">
+      <mc:AlternateContent xmlns:mc="http://schemas.openxmlformats.org/markup-compatibility/2006" xmlns:a14="http://schemas.microsoft.com/office/drawing/2010/main">
+        <mc:Choice Requires="a14">
           <p:sp>
             <p:nvSpPr>
               <p:cNvPr id="2" name="コンテンツ プレースホルダー 1">
@@ -12363,7 +12315,7 @@
             </p:txBody>
           </p:sp>
         </mc:Choice>
-        <mc:Fallback>
+        <mc:Fallback xmlns="">
           <p:sp>
             <p:nvSpPr>
               <p:cNvPr id="2" name="コンテンツ プレースホルダー 1">
@@ -12522,6 +12474,1795 @@
     <p:extLst>
       <p:ext uri="{BB962C8B-B14F-4D97-AF65-F5344CB8AC3E}">
         <p14:creationId xmlns:p14="http://schemas.microsoft.com/office/powerpoint/2010/main" val="1749887397"/>
+      </p:ext>
+    </p:extLst>
+  </p:cSld>
+  <p:clrMapOvr>
+    <a:masterClrMapping/>
+  </p:clrMapOvr>
+</p:sld>
+</file>
+
+<file path=ppt/slides/slide25.xml><?xml version="1.0" encoding="utf-8"?>
+<p:sld xmlns:a="http://schemas.openxmlformats.org/drawingml/2006/main" xmlns:r="http://schemas.openxmlformats.org/officeDocument/2006/relationships" xmlns:p="http://schemas.openxmlformats.org/presentationml/2006/main">
+  <p:cSld>
+    <p:spTree>
+      <p:nvGrpSpPr>
+        <p:cNvPr id="1" name=""/>
+        <p:cNvGrpSpPr/>
+        <p:nvPr/>
+      </p:nvGrpSpPr>
+      <p:grpSpPr>
+        <a:xfrm>
+          <a:off x="0" y="0"/>
+          <a:ext cx="0" cy="0"/>
+          <a:chOff x="0" y="0"/>
+          <a:chExt cx="0" cy="0"/>
+        </a:xfrm>
+      </p:grpSpPr>
+      <p:pic>
+        <p:nvPicPr>
+          <p:cNvPr id="21" name="Picture 3" descr="C:\Users\tetsuya\AppData\Local\Microsoft\Windows\INetCache\IE\9PQUV042\sgi01a201409121600[1].jpg"/>
+          <p:cNvPicPr>
+            <a:picLocks noChangeAspect="1" noChangeArrowheads="1"/>
+          </p:cNvPicPr>
+          <p:nvPr/>
+        </p:nvPicPr>
+        <p:blipFill>
+          <a:blip r:embed="rId3" cstate="print">
+            <a:extLst>
+              <a:ext uri="{28A0092B-C50C-407E-A947-70E740481C1C}">
+                <a14:useLocalDpi xmlns:a14="http://schemas.microsoft.com/office/drawing/2010/main" val="0"/>
+              </a:ext>
+            </a:extLst>
+          </a:blip>
+          <a:srcRect/>
+          <a:stretch>
+            <a:fillRect/>
+          </a:stretch>
+        </p:blipFill>
+        <p:spPr bwMode="auto">
+          <a:xfrm>
+            <a:off x="7092280" y="4517630"/>
+            <a:ext cx="936104" cy="936104"/>
+          </a:xfrm>
+          <a:prstGeom prst="rect">
+            <a:avLst/>
+          </a:prstGeom>
+          <a:noFill/>
+          <a:extLst>
+            <a:ext uri="{909E8E84-426E-40DD-AFC4-6F175D3DCCD1}">
+              <a14:hiddenFill xmlns:a14="http://schemas.microsoft.com/office/drawing/2010/main">
+                <a:solidFill>
+                  <a:srgbClr val="FFFFFF"/>
+                </a:solidFill>
+              </a14:hiddenFill>
+            </a:ext>
+          </a:extLst>
+        </p:spPr>
+      </p:pic>
+      <p:pic>
+        <p:nvPicPr>
+          <p:cNvPr id="20" name="Picture 3" descr="C:\Users\tetsuya\AppData\Local\Microsoft\Windows\INetCache\IE\9PQUV042\sgi01a201409121600[1].jpg"/>
+          <p:cNvPicPr>
+            <a:picLocks noChangeAspect="1" noChangeArrowheads="1"/>
+          </p:cNvPicPr>
+          <p:nvPr/>
+        </p:nvPicPr>
+        <p:blipFill>
+          <a:blip r:embed="rId3" cstate="print">
+            <a:extLst>
+              <a:ext uri="{28A0092B-C50C-407E-A947-70E740481C1C}">
+                <a14:useLocalDpi xmlns:a14="http://schemas.microsoft.com/office/drawing/2010/main" val="0"/>
+              </a:ext>
+            </a:extLst>
+          </a:blip>
+          <a:srcRect/>
+          <a:stretch>
+            <a:fillRect/>
+          </a:stretch>
+        </p:blipFill>
+        <p:spPr bwMode="auto">
+          <a:xfrm>
+            <a:off x="5106787" y="4509435"/>
+            <a:ext cx="936104" cy="936104"/>
+          </a:xfrm>
+          <a:prstGeom prst="rect">
+            <a:avLst/>
+          </a:prstGeom>
+          <a:noFill/>
+          <a:extLst>
+            <a:ext uri="{909E8E84-426E-40DD-AFC4-6F175D3DCCD1}">
+              <a14:hiddenFill xmlns:a14="http://schemas.microsoft.com/office/drawing/2010/main">
+                <a:solidFill>
+                  <a:srgbClr val="FFFFFF"/>
+                </a:solidFill>
+              </a14:hiddenFill>
+            </a:ext>
+          </a:extLst>
+        </p:spPr>
+      </p:pic>
+      <p:sp>
+        <p:nvSpPr>
+          <p:cNvPr id="2" name="コンテンツ プレースホルダー 1"/>
+          <p:cNvSpPr>
+            <a:spLocks noGrp="1"/>
+          </p:cNvSpPr>
+          <p:nvPr>
+            <p:ph idx="1"/>
+          </p:nvPr>
+        </p:nvSpPr>
+        <p:spPr>
+          <a:xfrm>
+            <a:off x="158824" y="1196752"/>
+            <a:ext cx="8854208" cy="5210559"/>
+          </a:xfrm>
+        </p:spPr>
+        <p:txBody>
+          <a:bodyPr/>
+          <a:lstStyle/>
+          <a:p>
+            <a:r>
+              <a:rPr lang="en-US" altLang="ja-JP" dirty="0"/>
+              <a:t>Previous method learn only the relationship between initial states and goal states.</a:t>
+            </a:r>
+          </a:p>
+          <a:p>
+            <a:r>
+              <a:rPr lang="en-US" altLang="ja-JP" dirty="0"/>
+              <a:t>So, it</a:t>
+            </a:r>
+            <a:r>
+              <a:rPr lang="ja-JP" altLang="en-US" dirty="0"/>
+              <a:t> </a:t>
+            </a:r>
+            <a:r>
+              <a:rPr lang="en-US" altLang="ja-JP" dirty="0"/>
+              <a:t>could</a:t>
+            </a:r>
+            <a:r>
+              <a:rPr lang="ja-JP" altLang="en-US" dirty="0"/>
+              <a:t> </a:t>
+            </a:r>
+            <a:r>
+              <a:rPr lang="en-US" altLang="ja-JP" dirty="0"/>
+              <a:t>not</a:t>
+            </a:r>
+            <a:r>
+              <a:rPr lang="ja-JP" altLang="en-US" dirty="0"/>
+              <a:t> </a:t>
+            </a:r>
+            <a:r>
+              <a:rPr lang="en-US" altLang="ja-JP" dirty="0"/>
+              <a:t>take</a:t>
+            </a:r>
+            <a:r>
+              <a:rPr lang="ja-JP" altLang="en-US" dirty="0"/>
+              <a:t> </a:t>
+            </a:r>
+            <a:r>
+              <a:rPr lang="en-US" altLang="ja-JP" dirty="0"/>
+              <a:t>account</a:t>
+            </a:r>
+            <a:r>
+              <a:rPr lang="ja-JP" altLang="en-US" dirty="0"/>
+              <a:t> </a:t>
+            </a:r>
+            <a:r>
+              <a:rPr lang="en-US" altLang="ja-JP" dirty="0"/>
+              <a:t>for</a:t>
+            </a:r>
+            <a:r>
+              <a:rPr lang="ja-JP" altLang="en-US" dirty="0"/>
+              <a:t> </a:t>
+            </a:r>
+            <a:r>
+              <a:rPr lang="en-US" altLang="ja-JP" dirty="0"/>
+              <a:t>intermediate states.</a:t>
+            </a:r>
+          </a:p>
+          <a:p>
+            <a:endParaRPr lang="en-US" altLang="ja-JP" dirty="0"/>
+          </a:p>
+        </p:txBody>
+      </p:sp>
+      <p:sp>
+        <p:nvSpPr>
+          <p:cNvPr id="3" name="タイトル 2"/>
+          <p:cNvSpPr>
+            <a:spLocks noGrp="1"/>
+          </p:cNvSpPr>
+          <p:nvPr>
+            <p:ph type="title"/>
+          </p:nvPr>
+        </p:nvSpPr>
+        <p:spPr/>
+        <p:txBody>
+          <a:bodyPr/>
+          <a:lstStyle/>
+          <a:p>
+            <a:r>
+              <a:rPr kumimoji="1" lang="en-US" altLang="ja-JP" dirty="0"/>
+              <a:t>Problem</a:t>
+            </a:r>
+            <a:r>
+              <a:rPr lang="en-US" altLang="ja-JP" dirty="0"/>
+              <a:t> of previous work</a:t>
+            </a:r>
+            <a:endParaRPr kumimoji="1" lang="ja-JP" altLang="en-US" dirty="0"/>
+          </a:p>
+        </p:txBody>
+      </p:sp>
+      <p:pic>
+        <p:nvPicPr>
+          <p:cNvPr id="6" name="Picture 3" descr="C:\Users\tetsuya\AppData\Local\Microsoft\Windows\INetCache\IE\9PQUV042\sgi01a201409121600[1].jpg"/>
+          <p:cNvPicPr>
+            <a:picLocks noChangeAspect="1" noChangeArrowheads="1"/>
+          </p:cNvPicPr>
+          <p:nvPr/>
+        </p:nvPicPr>
+        <p:blipFill>
+          <a:blip r:embed="rId3" cstate="print">
+            <a:extLst>
+              <a:ext uri="{28A0092B-C50C-407E-A947-70E740481C1C}">
+                <a14:useLocalDpi xmlns:a14="http://schemas.microsoft.com/office/drawing/2010/main" val="0"/>
+              </a:ext>
+            </a:extLst>
+          </a:blip>
+          <a:srcRect/>
+          <a:stretch>
+            <a:fillRect/>
+          </a:stretch>
+        </p:blipFill>
+        <p:spPr bwMode="auto">
+          <a:xfrm>
+            <a:off x="539552" y="5589240"/>
+            <a:ext cx="936104" cy="936104"/>
+          </a:xfrm>
+          <a:prstGeom prst="rect">
+            <a:avLst/>
+          </a:prstGeom>
+          <a:noFill/>
+          <a:extLst>
+            <a:ext uri="{909E8E84-426E-40DD-AFC4-6F175D3DCCD1}">
+              <a14:hiddenFill xmlns:a14="http://schemas.microsoft.com/office/drawing/2010/main">
+                <a:solidFill>
+                  <a:srgbClr val="FFFFFF"/>
+                </a:solidFill>
+              </a14:hiddenFill>
+            </a:ext>
+          </a:extLst>
+        </p:spPr>
+      </p:pic>
+      <p:pic>
+        <p:nvPicPr>
+          <p:cNvPr id="7" name="Picture 5" descr="C:\Users\tetsuya\AppData\Local\Microsoft\Windows\INetCache\IE\2BC5JMJI\sgi01a201310150600[1].jpg"/>
+          <p:cNvPicPr>
+            <a:picLocks noChangeAspect="1" noChangeArrowheads="1"/>
+          </p:cNvPicPr>
+          <p:nvPr/>
+        </p:nvPicPr>
+        <p:blipFill>
+          <a:blip r:embed="rId4" cstate="print">
+            <a:extLst>
+              <a:ext uri="{28A0092B-C50C-407E-A947-70E740481C1C}">
+                <a14:useLocalDpi xmlns:a14="http://schemas.microsoft.com/office/drawing/2010/main" val="0"/>
+              </a:ext>
+            </a:extLst>
+          </a:blip>
+          <a:srcRect/>
+          <a:stretch>
+            <a:fillRect/>
+          </a:stretch>
+        </p:blipFill>
+        <p:spPr bwMode="auto">
+          <a:xfrm>
+            <a:off x="787882" y="4297607"/>
+            <a:ext cx="463488" cy="463488"/>
+          </a:xfrm>
+          <a:prstGeom prst="rect">
+            <a:avLst/>
+          </a:prstGeom>
+          <a:noFill/>
+          <a:extLst>
+            <a:ext uri="{909E8E84-426E-40DD-AFC4-6F175D3DCCD1}">
+              <a14:hiddenFill xmlns:a14="http://schemas.microsoft.com/office/drawing/2010/main">
+                <a:solidFill>
+                  <a:srgbClr val="FFFFFF"/>
+                </a:solidFill>
+              </a14:hiddenFill>
+            </a:ext>
+          </a:extLst>
+        </p:spPr>
+      </p:pic>
+      <p:pic>
+        <p:nvPicPr>
+          <p:cNvPr id="8" name="Picture 6" descr="C:\Users\tetsuya\AppData\Local\Microsoft\Windows\INetCache\IE\9LV0U1RZ\arrow-curved-blue[1].png"/>
+          <p:cNvPicPr>
+            <a:picLocks noChangeAspect="1" noChangeArrowheads="1"/>
+          </p:cNvPicPr>
+          <p:nvPr/>
+        </p:nvPicPr>
+        <p:blipFill>
+          <a:blip r:embed="rId5" cstate="print">
+            <a:extLst>
+              <a:ext uri="{28A0092B-C50C-407E-A947-70E740481C1C}">
+                <a14:useLocalDpi xmlns:a14="http://schemas.microsoft.com/office/drawing/2010/main" val="0"/>
+              </a:ext>
+            </a:extLst>
+          </a:blip>
+          <a:srcRect/>
+          <a:stretch>
+            <a:fillRect/>
+          </a:stretch>
+        </p:blipFill>
+        <p:spPr bwMode="auto">
+          <a:xfrm rot="10800000" flipH="1">
+            <a:off x="1403648" y="4780508"/>
+            <a:ext cx="1098792" cy="552143"/>
+          </a:xfrm>
+          <a:prstGeom prst="rect">
+            <a:avLst/>
+          </a:prstGeom>
+          <a:noFill/>
+          <a:extLst>
+            <a:ext uri="{909E8E84-426E-40DD-AFC4-6F175D3DCCD1}">
+              <a14:hiddenFill xmlns:a14="http://schemas.microsoft.com/office/drawing/2010/main">
+                <a:solidFill>
+                  <a:srgbClr val="FFFFFF"/>
+                </a:solidFill>
+              </a14:hiddenFill>
+            </a:ext>
+          </a:extLst>
+        </p:spPr>
+      </p:pic>
+      <p:pic>
+        <p:nvPicPr>
+          <p:cNvPr id="11" name="Picture 5" descr="C:\Users\tetsuya\AppData\Local\Microsoft\Windows\INetCache\IE\2BC5JMJI\sgi01a201310150600[1].jpg"/>
+          <p:cNvPicPr>
+            <a:picLocks noChangeAspect="1" noChangeArrowheads="1"/>
+          </p:cNvPicPr>
+          <p:nvPr/>
+        </p:nvPicPr>
+        <p:blipFill>
+          <a:blip r:embed="rId6" cstate="print">
+            <a:extLst>
+              <a:ext uri="{28A0092B-C50C-407E-A947-70E740481C1C}">
+                <a14:useLocalDpi xmlns:a14="http://schemas.microsoft.com/office/drawing/2010/main" val="0"/>
+              </a:ext>
+            </a:extLst>
+          </a:blip>
+          <a:srcRect/>
+          <a:stretch>
+            <a:fillRect/>
+          </a:stretch>
+        </p:blipFill>
+        <p:spPr bwMode="auto">
+          <a:xfrm>
+            <a:off x="2771800" y="4317020"/>
+            <a:ext cx="463488" cy="463488"/>
+          </a:xfrm>
+          <a:prstGeom prst="rect">
+            <a:avLst/>
+          </a:prstGeom>
+          <a:noFill/>
+          <a:extLst>
+            <a:ext uri="{909E8E84-426E-40DD-AFC4-6F175D3DCCD1}">
+              <a14:hiddenFill xmlns:a14="http://schemas.microsoft.com/office/drawing/2010/main">
+                <a:solidFill>
+                  <a:srgbClr val="FFFFFF"/>
+                </a:solidFill>
+              </a14:hiddenFill>
+            </a:ext>
+          </a:extLst>
+        </p:spPr>
+      </p:pic>
+      <p:sp>
+        <p:nvSpPr>
+          <p:cNvPr id="12" name="正方形/長方形 11"/>
+          <p:cNvSpPr/>
+          <p:nvPr/>
+        </p:nvSpPr>
+        <p:spPr>
+          <a:xfrm>
+            <a:off x="467544" y="4182745"/>
+            <a:ext cx="936104" cy="669771"/>
+          </a:xfrm>
+          <a:prstGeom prst="rect">
+            <a:avLst/>
+          </a:prstGeom>
+          <a:solidFill>
+            <a:schemeClr val="bg1">
+              <a:alpha val="75000"/>
+            </a:schemeClr>
+          </a:solidFill>
+          <a:ln>
+            <a:noFill/>
+          </a:ln>
+        </p:spPr>
+        <p:style>
+          <a:lnRef idx="2">
+            <a:schemeClr val="accent1">
+              <a:shade val="50000"/>
+            </a:schemeClr>
+          </a:lnRef>
+          <a:fillRef idx="1">
+            <a:schemeClr val="accent1"/>
+          </a:fillRef>
+          <a:effectRef idx="0">
+            <a:schemeClr val="accent1"/>
+          </a:effectRef>
+          <a:fontRef idx="minor">
+            <a:schemeClr val="lt1"/>
+          </a:fontRef>
+        </p:style>
+        <p:txBody>
+          <a:bodyPr rtlCol="0" anchor="ctr"/>
+          <a:lstStyle/>
+          <a:p>
+            <a:pPr algn="ctr"/>
+            <a:endParaRPr kumimoji="1" lang="ja-JP" altLang="en-US" dirty="0"/>
+          </a:p>
+        </p:txBody>
+      </p:sp>
+      <p:pic>
+        <p:nvPicPr>
+          <p:cNvPr id="13" name="Picture 6" descr="C:\Users\tetsuya\AppData\Local\Microsoft\Windows\INetCache\IE\9LV0U1RZ\arrow-curved-blue[1].png"/>
+          <p:cNvPicPr>
+            <a:picLocks noChangeAspect="1" noChangeArrowheads="1"/>
+          </p:cNvPicPr>
+          <p:nvPr/>
+        </p:nvPicPr>
+        <p:blipFill>
+          <a:blip r:embed="rId5" cstate="print">
+            <a:extLst>
+              <a:ext uri="{28A0092B-C50C-407E-A947-70E740481C1C}">
+                <a14:useLocalDpi xmlns:a14="http://schemas.microsoft.com/office/drawing/2010/main" val="0"/>
+              </a:ext>
+            </a:extLst>
+          </a:blip>
+          <a:srcRect/>
+          <a:stretch>
+            <a:fillRect/>
+          </a:stretch>
+        </p:blipFill>
+        <p:spPr bwMode="auto">
+          <a:xfrm rot="10800000" flipH="1" flipV="1">
+            <a:off x="1403649" y="3844404"/>
+            <a:ext cx="1098792" cy="567742"/>
+          </a:xfrm>
+          <a:prstGeom prst="rect">
+            <a:avLst/>
+          </a:prstGeom>
+          <a:noFill/>
+          <a:extLst>
+            <a:ext uri="{909E8E84-426E-40DD-AFC4-6F175D3DCCD1}">
+              <a14:hiddenFill xmlns:a14="http://schemas.microsoft.com/office/drawing/2010/main">
+                <a:solidFill>
+                  <a:srgbClr val="FFFFFF"/>
+                </a:solidFill>
+              </a14:hiddenFill>
+            </a:ext>
+          </a:extLst>
+        </p:spPr>
+      </p:pic>
+      <p:sp>
+        <p:nvSpPr>
+          <p:cNvPr id="14" name="矢印: 右 13"/>
+          <p:cNvSpPr/>
+          <p:nvPr/>
+        </p:nvSpPr>
+        <p:spPr>
+          <a:xfrm>
+            <a:off x="3923928" y="4351922"/>
+            <a:ext cx="576064" cy="504056"/>
+          </a:xfrm>
+          <a:prstGeom prst="rightArrow">
+            <a:avLst/>
+          </a:prstGeom>
+        </p:spPr>
+        <p:style>
+          <a:lnRef idx="2">
+            <a:schemeClr val="accent1">
+              <a:shade val="50000"/>
+            </a:schemeClr>
+          </a:lnRef>
+          <a:fillRef idx="1">
+            <a:schemeClr val="accent1"/>
+          </a:fillRef>
+          <a:effectRef idx="0">
+            <a:schemeClr val="accent1"/>
+          </a:effectRef>
+          <a:fontRef idx="minor">
+            <a:schemeClr val="lt1"/>
+          </a:fontRef>
+        </p:style>
+        <p:txBody>
+          <a:bodyPr rtlCol="0" anchor="ctr"/>
+          <a:lstStyle/>
+          <a:p>
+            <a:pPr algn="ctr"/>
+            <a:endParaRPr kumimoji="1" lang="ja-JP" altLang="en-US" dirty="0"/>
+          </a:p>
+        </p:txBody>
+      </p:sp>
+      <p:pic>
+        <p:nvPicPr>
+          <p:cNvPr id="15" name="Picture 5" descr="C:\Users\tetsuya\AppData\Local\Microsoft\Windows\INetCache\IE\2BC5JMJI\sgi01a201310150600[1].jpg"/>
+          <p:cNvPicPr>
+            <a:picLocks noChangeAspect="1" noChangeArrowheads="1"/>
+          </p:cNvPicPr>
+          <p:nvPr/>
+        </p:nvPicPr>
+        <p:blipFill>
+          <a:blip r:embed="rId4" cstate="print">
+            <a:extLst>
+              <a:ext uri="{28A0092B-C50C-407E-A947-70E740481C1C}">
+                <a14:useLocalDpi xmlns:a14="http://schemas.microsoft.com/office/drawing/2010/main" val="0"/>
+              </a:ext>
+            </a:extLst>
+          </a:blip>
+          <a:srcRect/>
+          <a:stretch>
+            <a:fillRect/>
+          </a:stretch>
+        </p:blipFill>
+        <p:spPr bwMode="auto">
+          <a:xfrm>
+            <a:off x="4892338" y="4297607"/>
+            <a:ext cx="463488" cy="463488"/>
+          </a:xfrm>
+          <a:prstGeom prst="rect">
+            <a:avLst/>
+          </a:prstGeom>
+          <a:noFill/>
+          <a:extLst>
+            <a:ext uri="{909E8E84-426E-40DD-AFC4-6F175D3DCCD1}">
+              <a14:hiddenFill xmlns:a14="http://schemas.microsoft.com/office/drawing/2010/main">
+                <a:solidFill>
+                  <a:srgbClr val="FFFFFF"/>
+                </a:solidFill>
+              </a14:hiddenFill>
+            </a:ext>
+          </a:extLst>
+        </p:spPr>
+      </p:pic>
+      <p:pic>
+        <p:nvPicPr>
+          <p:cNvPr id="17" name="Picture 5" descr="C:\Users\tetsuya\AppData\Local\Microsoft\Windows\INetCache\IE\2BC5JMJI\sgi01a201310150600[1].jpg"/>
+          <p:cNvPicPr>
+            <a:picLocks noChangeAspect="1" noChangeArrowheads="1"/>
+          </p:cNvPicPr>
+          <p:nvPr/>
+        </p:nvPicPr>
+        <p:blipFill>
+          <a:blip r:embed="rId6" cstate="print">
+            <a:extLst>
+              <a:ext uri="{28A0092B-C50C-407E-A947-70E740481C1C}">
+                <a14:useLocalDpi xmlns:a14="http://schemas.microsoft.com/office/drawing/2010/main" val="0"/>
+              </a:ext>
+            </a:extLst>
+          </a:blip>
+          <a:srcRect/>
+          <a:stretch>
+            <a:fillRect/>
+          </a:stretch>
+        </p:blipFill>
+        <p:spPr bwMode="auto">
+          <a:xfrm>
+            <a:off x="6876256" y="4317020"/>
+            <a:ext cx="463488" cy="463488"/>
+          </a:xfrm>
+          <a:prstGeom prst="rect">
+            <a:avLst/>
+          </a:prstGeom>
+          <a:noFill/>
+          <a:extLst>
+            <a:ext uri="{909E8E84-426E-40DD-AFC4-6F175D3DCCD1}">
+              <a14:hiddenFill xmlns:a14="http://schemas.microsoft.com/office/drawing/2010/main">
+                <a:solidFill>
+                  <a:srgbClr val="FFFFFF"/>
+                </a:solidFill>
+              </a14:hiddenFill>
+            </a:ext>
+          </a:extLst>
+        </p:spPr>
+      </p:pic>
+      <p:sp>
+        <p:nvSpPr>
+          <p:cNvPr id="18" name="正方形/長方形 17"/>
+          <p:cNvSpPr/>
+          <p:nvPr/>
+        </p:nvSpPr>
+        <p:spPr>
+          <a:xfrm>
+            <a:off x="4734644" y="4060428"/>
+            <a:ext cx="1629474" cy="1317843"/>
+          </a:xfrm>
+          <a:prstGeom prst="rect">
+            <a:avLst/>
+          </a:prstGeom>
+          <a:solidFill>
+            <a:schemeClr val="bg1">
+              <a:alpha val="75000"/>
+            </a:schemeClr>
+          </a:solidFill>
+          <a:ln>
+            <a:noFill/>
+          </a:ln>
+        </p:spPr>
+        <p:style>
+          <a:lnRef idx="2">
+            <a:schemeClr val="accent1">
+              <a:shade val="50000"/>
+            </a:schemeClr>
+          </a:lnRef>
+          <a:fillRef idx="1">
+            <a:schemeClr val="accent1"/>
+          </a:fillRef>
+          <a:effectRef idx="0">
+            <a:schemeClr val="accent1"/>
+          </a:effectRef>
+          <a:fontRef idx="minor">
+            <a:schemeClr val="lt1"/>
+          </a:fontRef>
+        </p:style>
+        <p:txBody>
+          <a:bodyPr rtlCol="0" anchor="ctr"/>
+          <a:lstStyle/>
+          <a:p>
+            <a:pPr algn="ctr"/>
+            <a:endParaRPr kumimoji="1" lang="ja-JP" altLang="en-US" dirty="0"/>
+          </a:p>
+        </p:txBody>
+      </p:sp>
+      <p:cxnSp>
+        <p:nvCxnSpPr>
+          <p:cNvPr id="25" name="直線矢印コネクタ 24"/>
+          <p:cNvCxnSpPr>
+            <a:cxnSpLocks/>
+            <a:stCxn id="15" idx="3"/>
+            <a:endCxn id="17" idx="1"/>
+          </p:cNvCxnSpPr>
+          <p:nvPr/>
+        </p:nvCxnSpPr>
+        <p:spPr>
+          <a:xfrm>
+            <a:off x="5355826" y="4529351"/>
+            <a:ext cx="1520430" cy="19413"/>
+          </a:xfrm>
+          <a:prstGeom prst="straightConnector1">
+            <a:avLst/>
+          </a:prstGeom>
+          <a:ln>
+            <a:tailEnd type="triangle"/>
+          </a:ln>
+        </p:spPr>
+        <p:style>
+          <a:lnRef idx="1">
+            <a:schemeClr val="accent1"/>
+          </a:lnRef>
+          <a:fillRef idx="0">
+            <a:schemeClr val="accent1"/>
+          </a:fillRef>
+          <a:effectRef idx="0">
+            <a:schemeClr val="accent1"/>
+          </a:effectRef>
+          <a:fontRef idx="minor">
+            <a:schemeClr val="tx1"/>
+          </a:fontRef>
+        </p:style>
+      </p:cxnSp>
+      <p:pic>
+        <p:nvPicPr>
+          <p:cNvPr id="36" name="図 35" descr="BIG IMAGE (PNG)"/>
+          <p:cNvPicPr>
+            <a:picLocks noChangeAspect="1"/>
+          </p:cNvPicPr>
+          <p:nvPr/>
+        </p:nvPicPr>
+        <p:blipFill>
+          <a:blip r:embed="rId7" cstate="print">
+            <a:extLst>
+              <a:ext uri="{28A0092B-C50C-407E-A947-70E740481C1C}">
+                <a14:useLocalDpi xmlns:a14="http://schemas.microsoft.com/office/drawing/2010/main" val="0"/>
+              </a:ext>
+            </a:extLst>
+          </a:blip>
+          <a:stretch>
+            <a:fillRect/>
+          </a:stretch>
+        </p:blipFill>
+        <p:spPr>
+          <a:xfrm>
+            <a:off x="1558306" y="4321708"/>
+            <a:ext cx="565422" cy="490869"/>
+          </a:xfrm>
+          <a:prstGeom prst="rect">
+            <a:avLst/>
+          </a:prstGeom>
+        </p:spPr>
+      </p:pic>
+      <p:pic>
+        <p:nvPicPr>
+          <p:cNvPr id="37" name="図 36" descr="BIG IMAGE (PNG)"/>
+          <p:cNvPicPr>
+            <a:picLocks noChangeAspect="1"/>
+          </p:cNvPicPr>
+          <p:nvPr/>
+        </p:nvPicPr>
+        <p:blipFill>
+          <a:blip r:embed="rId7" cstate="print">
+            <a:extLst>
+              <a:ext uri="{28A0092B-C50C-407E-A947-70E740481C1C}">
+                <a14:useLocalDpi xmlns:a14="http://schemas.microsoft.com/office/drawing/2010/main" val="0"/>
+              </a:ext>
+            </a:extLst>
+          </a:blip>
+          <a:stretch>
+            <a:fillRect/>
+          </a:stretch>
+        </p:blipFill>
+        <p:spPr>
+          <a:xfrm>
+            <a:off x="5868144" y="4348460"/>
+            <a:ext cx="565422" cy="490869"/>
+          </a:xfrm>
+          <a:prstGeom prst="rect">
+            <a:avLst/>
+          </a:prstGeom>
+        </p:spPr>
+      </p:pic>
+      <p:sp>
+        <p:nvSpPr>
+          <p:cNvPr id="4" name="スライド番号プレースホルダー 3"/>
+          <p:cNvSpPr>
+            <a:spLocks noGrp="1"/>
+          </p:cNvSpPr>
+          <p:nvPr>
+            <p:ph type="sldNum" sz="quarter" idx="12"/>
+          </p:nvPr>
+        </p:nvSpPr>
+        <p:spPr/>
+        <p:txBody>
+          <a:bodyPr/>
+          <a:lstStyle/>
+          <a:p>
+            <a:fld id="{BC410EEA-824F-4D46-AFE7-60426C8C06B0}" type="slidenum">
+              <a:rPr lang="en-US" altLang="ja-JP" smtClean="0"/>
+              <a:pPr/>
+              <a:t>25</a:t>
+            </a:fld>
+            <a:endParaRPr lang="en-US" altLang="en-US" dirty="0"/>
+          </a:p>
+        </p:txBody>
+      </p:sp>
+      <p:sp>
+        <p:nvSpPr>
+          <p:cNvPr id="5" name="テキスト ボックス 4">
+            <a:extLst>
+              <a:ext uri="{FF2B5EF4-FFF2-40B4-BE49-F238E27FC236}">
+                <a16:creationId xmlns:a16="http://schemas.microsoft.com/office/drawing/2014/main" id="{586B3EF4-B95D-408F-BF0A-204A06D9A4EC}"/>
+              </a:ext>
+            </a:extLst>
+          </p:cNvPr>
+          <p:cNvSpPr txBox="1"/>
+          <p:nvPr/>
+        </p:nvSpPr>
+        <p:spPr>
+          <a:xfrm>
+            <a:off x="2627784" y="2852936"/>
+            <a:ext cx="5688632" cy="1569660"/>
+          </a:xfrm>
+          <a:prstGeom prst="rect">
+            <a:avLst/>
+          </a:prstGeom>
+          <a:noFill/>
+        </p:spPr>
+        <p:txBody>
+          <a:bodyPr wrap="square" rtlCol="0">
+            <a:spAutoFit/>
+          </a:bodyPr>
+          <a:lstStyle/>
+          <a:p>
+            <a:r>
+              <a:rPr kumimoji="1" lang="ja-JP" altLang="en-US" sz="4800" dirty="0"/>
+              <a:t>確か前作ったやつに差し替え</a:t>
+            </a:r>
+          </a:p>
+        </p:txBody>
+      </p:sp>
+    </p:spTree>
+    <p:extLst>
+      <p:ext uri="{BB962C8B-B14F-4D97-AF65-F5344CB8AC3E}">
+        <p14:creationId xmlns:p14="http://schemas.microsoft.com/office/powerpoint/2010/main" val="48272177"/>
+      </p:ext>
+    </p:extLst>
+  </p:cSld>
+  <p:clrMapOvr>
+    <a:masterClrMapping/>
+  </p:clrMapOvr>
+</p:sld>
+</file>
+
+<file path=ppt/slides/slide26.xml><?xml version="1.0" encoding="utf-8"?>
+<p:sld xmlns:a="http://schemas.openxmlformats.org/drawingml/2006/main" xmlns:r="http://schemas.openxmlformats.org/officeDocument/2006/relationships" xmlns:p="http://schemas.openxmlformats.org/presentationml/2006/main">
+  <p:cSld>
+    <p:spTree>
+      <p:nvGrpSpPr>
+        <p:cNvPr id="1" name=""/>
+        <p:cNvGrpSpPr/>
+        <p:nvPr/>
+      </p:nvGrpSpPr>
+      <p:grpSpPr>
+        <a:xfrm>
+          <a:off x="0" y="0"/>
+          <a:ext cx="0" cy="0"/>
+          <a:chOff x="0" y="0"/>
+          <a:chExt cx="0" cy="0"/>
+        </a:xfrm>
+      </p:grpSpPr>
+      <p:pic>
+        <p:nvPicPr>
+          <p:cNvPr id="33" name="Picture 3" descr="C:\Users\tetsuya\AppData\Local\Microsoft\Windows\INetCache\IE\9PQUV042\sgi01a201409121600[1].jpg"/>
+          <p:cNvPicPr>
+            <a:picLocks noChangeAspect="1" noChangeArrowheads="1"/>
+          </p:cNvPicPr>
+          <p:nvPr/>
+        </p:nvPicPr>
+        <p:blipFill>
+          <a:blip r:embed="rId3" cstate="print">
+            <a:extLst>
+              <a:ext uri="{28A0092B-C50C-407E-A947-70E740481C1C}">
+                <a14:useLocalDpi xmlns:a14="http://schemas.microsoft.com/office/drawing/2010/main" val="0"/>
+              </a:ext>
+            </a:extLst>
+          </a:blip>
+          <a:srcRect/>
+          <a:stretch>
+            <a:fillRect/>
+          </a:stretch>
+        </p:blipFill>
+        <p:spPr bwMode="auto">
+          <a:xfrm>
+            <a:off x="6120291" y="3848968"/>
+            <a:ext cx="936104" cy="936104"/>
+          </a:xfrm>
+          <a:prstGeom prst="rect">
+            <a:avLst/>
+          </a:prstGeom>
+          <a:noFill/>
+          <a:extLst>
+            <a:ext uri="{909E8E84-426E-40DD-AFC4-6F175D3DCCD1}">
+              <a14:hiddenFill xmlns:a14="http://schemas.microsoft.com/office/drawing/2010/main">
+                <a:solidFill>
+                  <a:srgbClr val="FFFFFF"/>
+                </a:solidFill>
+              </a14:hiddenFill>
+            </a:ext>
+          </a:extLst>
+        </p:spPr>
+      </p:pic>
+      <p:pic>
+        <p:nvPicPr>
+          <p:cNvPr id="28" name="Picture 5" descr="C:\Users\tetsuya\AppData\Local\Microsoft\Windows\INetCache\IE\2BC5JMJI\sgi01a201310150600[1].jpg"/>
+          <p:cNvPicPr>
+            <a:picLocks noChangeAspect="1" noChangeArrowheads="1"/>
+          </p:cNvPicPr>
+          <p:nvPr/>
+        </p:nvPicPr>
+        <p:blipFill>
+          <a:blip r:embed="rId4" cstate="print">
+            <a:extLst>
+              <a:ext uri="{28A0092B-C50C-407E-A947-70E740481C1C}">
+                <a14:useLocalDpi xmlns:a14="http://schemas.microsoft.com/office/drawing/2010/main" val="0"/>
+              </a:ext>
+            </a:extLst>
+          </a:blip>
+          <a:srcRect/>
+          <a:stretch>
+            <a:fillRect/>
+          </a:stretch>
+        </p:blipFill>
+        <p:spPr bwMode="auto">
+          <a:xfrm>
+            <a:off x="5868144" y="3628380"/>
+            <a:ext cx="463488" cy="463488"/>
+          </a:xfrm>
+          <a:prstGeom prst="rect">
+            <a:avLst/>
+          </a:prstGeom>
+          <a:noFill/>
+          <a:extLst>
+            <a:ext uri="{909E8E84-426E-40DD-AFC4-6F175D3DCCD1}">
+              <a14:hiddenFill xmlns:a14="http://schemas.microsoft.com/office/drawing/2010/main">
+                <a:solidFill>
+                  <a:srgbClr val="FFFFFF"/>
+                </a:solidFill>
+              </a14:hiddenFill>
+            </a:ext>
+          </a:extLst>
+        </p:spPr>
+      </p:pic>
+      <p:pic>
+        <p:nvPicPr>
+          <p:cNvPr id="32" name="Picture 3" descr="C:\Users\tetsuya\AppData\Local\Microsoft\Windows\INetCache\IE\9PQUV042\sgi01a201409121600[1].jpg"/>
+          <p:cNvPicPr>
+            <a:picLocks noChangeAspect="1" noChangeArrowheads="1"/>
+          </p:cNvPicPr>
+          <p:nvPr/>
+        </p:nvPicPr>
+        <p:blipFill>
+          <a:blip r:embed="rId3" cstate="print">
+            <a:extLst>
+              <a:ext uri="{28A0092B-C50C-407E-A947-70E740481C1C}">
+                <a14:useLocalDpi xmlns:a14="http://schemas.microsoft.com/office/drawing/2010/main" val="0"/>
+              </a:ext>
+            </a:extLst>
+          </a:blip>
+          <a:srcRect/>
+          <a:stretch>
+            <a:fillRect/>
+          </a:stretch>
+        </p:blipFill>
+        <p:spPr bwMode="auto">
+          <a:xfrm>
+            <a:off x="5148064" y="4492476"/>
+            <a:ext cx="936104" cy="936104"/>
+          </a:xfrm>
+          <a:prstGeom prst="rect">
+            <a:avLst/>
+          </a:prstGeom>
+          <a:noFill/>
+          <a:extLst>
+            <a:ext uri="{909E8E84-426E-40DD-AFC4-6F175D3DCCD1}">
+              <a14:hiddenFill xmlns:a14="http://schemas.microsoft.com/office/drawing/2010/main">
+                <a:solidFill>
+                  <a:srgbClr val="FFFFFF"/>
+                </a:solidFill>
+              </a14:hiddenFill>
+            </a:ext>
+          </a:extLst>
+        </p:spPr>
+      </p:pic>
+      <p:sp>
+        <p:nvSpPr>
+          <p:cNvPr id="2" name="コンテンツ プレースホルダー 1"/>
+          <p:cNvSpPr>
+            <a:spLocks noGrp="1"/>
+          </p:cNvSpPr>
+          <p:nvPr>
+            <p:ph idx="1"/>
+          </p:nvPr>
+        </p:nvSpPr>
+        <p:spPr>
+          <a:xfrm>
+            <a:off x="158824" y="1196752"/>
+            <a:ext cx="8854208" cy="5210559"/>
+          </a:xfrm>
+        </p:spPr>
+        <p:txBody>
+          <a:bodyPr/>
+          <a:lstStyle/>
+          <a:p>
+            <a:r>
+              <a:rPr lang="en-US" altLang="ja-JP" dirty="0"/>
+              <a:t>If the sequences of states can be used for learning, the method can learn this task as the sequence of relationship. </a:t>
+            </a:r>
+          </a:p>
+          <a:p>
+            <a:r>
+              <a:rPr lang="en-US" altLang="ja-JP" dirty="0"/>
+              <a:t>But, it has to be considered which (i.e. when) states are need for learn.</a:t>
+            </a:r>
+          </a:p>
+        </p:txBody>
+      </p:sp>
+      <p:sp>
+        <p:nvSpPr>
+          <p:cNvPr id="3" name="タイトル 2"/>
+          <p:cNvSpPr>
+            <a:spLocks noGrp="1"/>
+          </p:cNvSpPr>
+          <p:nvPr>
+            <p:ph type="title"/>
+          </p:nvPr>
+        </p:nvSpPr>
+        <p:spPr/>
+        <p:txBody>
+          <a:bodyPr/>
+          <a:lstStyle/>
+          <a:p>
+            <a:r>
+              <a:rPr kumimoji="1" lang="en-US" altLang="ja-JP" dirty="0"/>
+              <a:t>Problem</a:t>
+            </a:r>
+            <a:r>
+              <a:rPr kumimoji="1" lang="ja-JP" altLang="en-US" dirty="0"/>
+              <a:t> </a:t>
+            </a:r>
+            <a:r>
+              <a:rPr kumimoji="1" lang="en-US" altLang="ja-JP" dirty="0"/>
+              <a:t>of</a:t>
+            </a:r>
+            <a:r>
+              <a:rPr kumimoji="1" lang="ja-JP" altLang="en-US" dirty="0"/>
+              <a:t> </a:t>
+            </a:r>
+            <a:r>
+              <a:rPr kumimoji="1" lang="en-US" altLang="ja-JP" dirty="0"/>
+              <a:t>previous</a:t>
+            </a:r>
+            <a:r>
+              <a:rPr kumimoji="1" lang="ja-JP" altLang="en-US" dirty="0"/>
+              <a:t> </a:t>
+            </a:r>
+            <a:r>
+              <a:rPr kumimoji="1" lang="en-US" altLang="ja-JP" dirty="0"/>
+              <a:t>work</a:t>
+            </a:r>
+            <a:endParaRPr kumimoji="1" lang="ja-JP" altLang="en-US" dirty="0"/>
+          </a:p>
+        </p:txBody>
+      </p:sp>
+      <p:pic>
+        <p:nvPicPr>
+          <p:cNvPr id="6" name="Picture 3" descr="C:\Users\tetsuya\AppData\Local\Microsoft\Windows\INetCache\IE\9PQUV042\sgi01a201409121600[1].jpg"/>
+          <p:cNvPicPr>
+            <a:picLocks noChangeAspect="1" noChangeArrowheads="1"/>
+          </p:cNvPicPr>
+          <p:nvPr/>
+        </p:nvPicPr>
+        <p:blipFill>
+          <a:blip r:embed="rId3" cstate="print">
+            <a:extLst>
+              <a:ext uri="{28A0092B-C50C-407E-A947-70E740481C1C}">
+                <a14:useLocalDpi xmlns:a14="http://schemas.microsoft.com/office/drawing/2010/main" val="0"/>
+              </a:ext>
+            </a:extLst>
+          </a:blip>
+          <a:srcRect/>
+          <a:stretch>
+            <a:fillRect/>
+          </a:stretch>
+        </p:blipFill>
+        <p:spPr bwMode="auto">
+          <a:xfrm>
+            <a:off x="539552" y="5589240"/>
+            <a:ext cx="936104" cy="936104"/>
+          </a:xfrm>
+          <a:prstGeom prst="rect">
+            <a:avLst/>
+          </a:prstGeom>
+          <a:noFill/>
+          <a:extLst>
+            <a:ext uri="{909E8E84-426E-40DD-AFC4-6F175D3DCCD1}">
+              <a14:hiddenFill xmlns:a14="http://schemas.microsoft.com/office/drawing/2010/main">
+                <a:solidFill>
+                  <a:srgbClr val="FFFFFF"/>
+                </a:solidFill>
+              </a14:hiddenFill>
+            </a:ext>
+          </a:extLst>
+        </p:spPr>
+      </p:pic>
+      <p:pic>
+        <p:nvPicPr>
+          <p:cNvPr id="7" name="Picture 5" descr="C:\Users\tetsuya\AppData\Local\Microsoft\Windows\INetCache\IE\2BC5JMJI\sgi01a201310150600[1].jpg"/>
+          <p:cNvPicPr>
+            <a:picLocks noChangeAspect="1" noChangeArrowheads="1"/>
+          </p:cNvPicPr>
+          <p:nvPr/>
+        </p:nvPicPr>
+        <p:blipFill>
+          <a:blip r:embed="rId5" cstate="print">
+            <a:extLst>
+              <a:ext uri="{28A0092B-C50C-407E-A947-70E740481C1C}">
+                <a14:useLocalDpi xmlns:a14="http://schemas.microsoft.com/office/drawing/2010/main" val="0"/>
+              </a:ext>
+            </a:extLst>
+          </a:blip>
+          <a:srcRect/>
+          <a:stretch>
+            <a:fillRect/>
+          </a:stretch>
+        </p:blipFill>
+        <p:spPr bwMode="auto">
+          <a:xfrm>
+            <a:off x="787882" y="4297607"/>
+            <a:ext cx="463488" cy="463488"/>
+          </a:xfrm>
+          <a:prstGeom prst="rect">
+            <a:avLst/>
+          </a:prstGeom>
+          <a:noFill/>
+          <a:extLst>
+            <a:ext uri="{909E8E84-426E-40DD-AFC4-6F175D3DCCD1}">
+              <a14:hiddenFill xmlns:a14="http://schemas.microsoft.com/office/drawing/2010/main">
+                <a:solidFill>
+                  <a:srgbClr val="FFFFFF"/>
+                </a:solidFill>
+              </a14:hiddenFill>
+            </a:ext>
+          </a:extLst>
+        </p:spPr>
+      </p:pic>
+      <p:pic>
+        <p:nvPicPr>
+          <p:cNvPr id="11" name="Picture 5" descr="C:\Users\tetsuya\AppData\Local\Microsoft\Windows\INetCache\IE\2BC5JMJI\sgi01a201310150600[1].jpg"/>
+          <p:cNvPicPr>
+            <a:picLocks noChangeAspect="1" noChangeArrowheads="1"/>
+          </p:cNvPicPr>
+          <p:nvPr/>
+        </p:nvPicPr>
+        <p:blipFill>
+          <a:blip r:embed="rId4" cstate="print">
+            <a:extLst>
+              <a:ext uri="{28A0092B-C50C-407E-A947-70E740481C1C}">
+                <a14:useLocalDpi xmlns:a14="http://schemas.microsoft.com/office/drawing/2010/main" val="0"/>
+              </a:ext>
+            </a:extLst>
+          </a:blip>
+          <a:srcRect/>
+          <a:stretch>
+            <a:fillRect/>
+          </a:stretch>
+        </p:blipFill>
+        <p:spPr bwMode="auto">
+          <a:xfrm>
+            <a:off x="2771800" y="4317020"/>
+            <a:ext cx="463488" cy="463488"/>
+          </a:xfrm>
+          <a:prstGeom prst="rect">
+            <a:avLst/>
+          </a:prstGeom>
+          <a:noFill/>
+          <a:extLst>
+            <a:ext uri="{909E8E84-426E-40DD-AFC4-6F175D3DCCD1}">
+              <a14:hiddenFill xmlns:a14="http://schemas.microsoft.com/office/drawing/2010/main">
+                <a:solidFill>
+                  <a:srgbClr val="FFFFFF"/>
+                </a:solidFill>
+              </a14:hiddenFill>
+            </a:ext>
+          </a:extLst>
+        </p:spPr>
+      </p:pic>
+      <p:sp>
+        <p:nvSpPr>
+          <p:cNvPr id="12" name="正方形/長方形 11"/>
+          <p:cNvSpPr/>
+          <p:nvPr/>
+        </p:nvSpPr>
+        <p:spPr>
+          <a:xfrm>
+            <a:off x="467544" y="4182745"/>
+            <a:ext cx="936104" cy="669771"/>
+          </a:xfrm>
+          <a:prstGeom prst="rect">
+            <a:avLst/>
+          </a:prstGeom>
+          <a:solidFill>
+            <a:schemeClr val="bg1">
+              <a:alpha val="75000"/>
+            </a:schemeClr>
+          </a:solidFill>
+          <a:ln>
+            <a:noFill/>
+          </a:ln>
+        </p:spPr>
+        <p:style>
+          <a:lnRef idx="2">
+            <a:schemeClr val="accent1">
+              <a:shade val="50000"/>
+            </a:schemeClr>
+          </a:lnRef>
+          <a:fillRef idx="1">
+            <a:schemeClr val="accent1"/>
+          </a:fillRef>
+          <a:effectRef idx="0">
+            <a:schemeClr val="accent1"/>
+          </a:effectRef>
+          <a:fontRef idx="minor">
+            <a:schemeClr val="lt1"/>
+          </a:fontRef>
+        </p:style>
+        <p:txBody>
+          <a:bodyPr rtlCol="0" anchor="ctr"/>
+          <a:lstStyle/>
+          <a:p>
+            <a:pPr algn="ctr"/>
+            <a:endParaRPr kumimoji="1" lang="ja-JP" altLang="en-US" dirty="0"/>
+          </a:p>
+        </p:txBody>
+      </p:sp>
+      <p:sp>
+        <p:nvSpPr>
+          <p:cNvPr id="14" name="矢印: 右 13"/>
+          <p:cNvSpPr/>
+          <p:nvPr/>
+        </p:nvSpPr>
+        <p:spPr>
+          <a:xfrm>
+            <a:off x="3923928" y="4351922"/>
+            <a:ext cx="576064" cy="504056"/>
+          </a:xfrm>
+          <a:prstGeom prst="rightArrow">
+            <a:avLst/>
+          </a:prstGeom>
+        </p:spPr>
+        <p:style>
+          <a:lnRef idx="2">
+            <a:schemeClr val="accent1">
+              <a:shade val="50000"/>
+            </a:schemeClr>
+          </a:lnRef>
+          <a:fillRef idx="1">
+            <a:schemeClr val="accent1"/>
+          </a:fillRef>
+          <a:effectRef idx="0">
+            <a:schemeClr val="accent1"/>
+          </a:effectRef>
+          <a:fontRef idx="minor">
+            <a:schemeClr val="lt1"/>
+          </a:fontRef>
+        </p:style>
+        <p:txBody>
+          <a:bodyPr rtlCol="0" anchor="ctr"/>
+          <a:lstStyle/>
+          <a:p>
+            <a:pPr algn="ctr"/>
+            <a:endParaRPr kumimoji="1" lang="ja-JP" altLang="en-US" dirty="0"/>
+          </a:p>
+        </p:txBody>
+      </p:sp>
+      <p:pic>
+        <p:nvPicPr>
+          <p:cNvPr id="19" name="Picture 5" descr="C:\Users\tetsuya\AppData\Local\Microsoft\Windows\INetCache\IE\2BC5JMJI\sgi01a201310150600[1].jpg"/>
+          <p:cNvPicPr>
+            <a:picLocks noChangeAspect="1" noChangeArrowheads="1"/>
+          </p:cNvPicPr>
+          <p:nvPr/>
+        </p:nvPicPr>
+        <p:blipFill>
+          <a:blip r:embed="rId4" cstate="print">
+            <a:extLst>
+              <a:ext uri="{28A0092B-C50C-407E-A947-70E740481C1C}">
+                <a14:useLocalDpi xmlns:a14="http://schemas.microsoft.com/office/drawing/2010/main" val="0"/>
+              </a:ext>
+            </a:extLst>
+          </a:blip>
+          <a:srcRect/>
+          <a:stretch>
+            <a:fillRect/>
+          </a:stretch>
+        </p:blipFill>
+        <p:spPr bwMode="auto">
+          <a:xfrm>
+            <a:off x="1763688" y="3628380"/>
+            <a:ext cx="463488" cy="463488"/>
+          </a:xfrm>
+          <a:prstGeom prst="rect">
+            <a:avLst/>
+          </a:prstGeom>
+          <a:noFill/>
+          <a:extLst>
+            <a:ext uri="{909E8E84-426E-40DD-AFC4-6F175D3DCCD1}">
+              <a14:hiddenFill xmlns:a14="http://schemas.microsoft.com/office/drawing/2010/main">
+                <a:solidFill>
+                  <a:srgbClr val="FFFFFF"/>
+                </a:solidFill>
+              </a14:hiddenFill>
+            </a:ext>
+          </a:extLst>
+        </p:spPr>
+      </p:pic>
+      <p:sp>
+        <p:nvSpPr>
+          <p:cNvPr id="22" name="正方形/長方形 21"/>
+          <p:cNvSpPr/>
+          <p:nvPr/>
+        </p:nvSpPr>
+        <p:spPr>
+          <a:xfrm>
+            <a:off x="1475656" y="3484364"/>
+            <a:ext cx="936104" cy="669771"/>
+          </a:xfrm>
+          <a:prstGeom prst="rect">
+            <a:avLst/>
+          </a:prstGeom>
+          <a:solidFill>
+            <a:schemeClr val="bg1">
+              <a:alpha val="75000"/>
+            </a:schemeClr>
+          </a:solidFill>
+          <a:ln>
+            <a:noFill/>
+          </a:ln>
+        </p:spPr>
+        <p:style>
+          <a:lnRef idx="2">
+            <a:schemeClr val="accent1">
+              <a:shade val="50000"/>
+            </a:schemeClr>
+          </a:lnRef>
+          <a:fillRef idx="1">
+            <a:schemeClr val="accent1"/>
+          </a:fillRef>
+          <a:effectRef idx="0">
+            <a:schemeClr val="accent1"/>
+          </a:effectRef>
+          <a:fontRef idx="minor">
+            <a:schemeClr val="lt1"/>
+          </a:fontRef>
+        </p:style>
+        <p:txBody>
+          <a:bodyPr rtlCol="0" anchor="ctr"/>
+          <a:lstStyle/>
+          <a:p>
+            <a:pPr algn="ctr"/>
+            <a:endParaRPr kumimoji="1" lang="ja-JP" altLang="en-US" dirty="0"/>
+          </a:p>
+        </p:txBody>
+      </p:sp>
+      <p:pic>
+        <p:nvPicPr>
+          <p:cNvPr id="13" name="Picture 6" descr="C:\Users\tetsuya\AppData\Local\Microsoft\Windows\INetCache\IE\9LV0U1RZ\arrow-curved-blue[1].png"/>
+          <p:cNvPicPr>
+            <a:picLocks noChangeAspect="1" noChangeArrowheads="1"/>
+          </p:cNvPicPr>
+          <p:nvPr/>
+        </p:nvPicPr>
+        <p:blipFill>
+          <a:blip r:embed="rId6" cstate="print">
+            <a:extLst>
+              <a:ext uri="{28A0092B-C50C-407E-A947-70E740481C1C}">
+                <a14:useLocalDpi xmlns:a14="http://schemas.microsoft.com/office/drawing/2010/main" val="0"/>
+              </a:ext>
+            </a:extLst>
+          </a:blip>
+          <a:srcRect/>
+          <a:stretch>
+            <a:fillRect/>
+          </a:stretch>
+        </p:blipFill>
+        <p:spPr bwMode="auto">
+          <a:xfrm rot="8354884" flipH="1" flipV="1">
+            <a:off x="1080516" y="3806328"/>
+            <a:ext cx="516508" cy="266878"/>
+          </a:xfrm>
+          <a:prstGeom prst="rect">
+            <a:avLst/>
+          </a:prstGeom>
+          <a:noFill/>
+          <a:extLst>
+            <a:ext uri="{909E8E84-426E-40DD-AFC4-6F175D3DCCD1}">
+              <a14:hiddenFill xmlns:a14="http://schemas.microsoft.com/office/drawing/2010/main">
+                <a:solidFill>
+                  <a:srgbClr val="FFFFFF"/>
+                </a:solidFill>
+              </a14:hiddenFill>
+            </a:ext>
+          </a:extLst>
+        </p:spPr>
+      </p:pic>
+      <p:pic>
+        <p:nvPicPr>
+          <p:cNvPr id="23" name="Picture 6" descr="C:\Users\tetsuya\AppData\Local\Microsoft\Windows\INetCache\IE\9LV0U1RZ\arrow-curved-blue[1].png"/>
+          <p:cNvPicPr>
+            <a:picLocks noChangeAspect="1" noChangeArrowheads="1"/>
+          </p:cNvPicPr>
+          <p:nvPr/>
+        </p:nvPicPr>
+        <p:blipFill>
+          <a:blip r:embed="rId6" cstate="print">
+            <a:extLst>
+              <a:ext uri="{28A0092B-C50C-407E-A947-70E740481C1C}">
+                <a14:useLocalDpi xmlns:a14="http://schemas.microsoft.com/office/drawing/2010/main" val="0"/>
+              </a:ext>
+            </a:extLst>
+          </a:blip>
+          <a:srcRect/>
+          <a:stretch>
+            <a:fillRect/>
+          </a:stretch>
+        </p:blipFill>
+        <p:spPr bwMode="auto">
+          <a:xfrm rot="13312511" flipH="1" flipV="1">
+            <a:off x="2415143" y="3777560"/>
+            <a:ext cx="516508" cy="266878"/>
+          </a:xfrm>
+          <a:prstGeom prst="rect">
+            <a:avLst/>
+          </a:prstGeom>
+          <a:noFill/>
+          <a:extLst>
+            <a:ext uri="{909E8E84-426E-40DD-AFC4-6F175D3DCCD1}">
+              <a14:hiddenFill xmlns:a14="http://schemas.microsoft.com/office/drawing/2010/main">
+                <a:solidFill>
+                  <a:srgbClr val="FFFFFF"/>
+                </a:solidFill>
+              </a14:hiddenFill>
+            </a:ext>
+          </a:extLst>
+        </p:spPr>
+      </p:pic>
+      <p:pic>
+        <p:nvPicPr>
+          <p:cNvPr id="24" name="Picture 5" descr="C:\Users\tetsuya\AppData\Local\Microsoft\Windows\INetCache\IE\2BC5JMJI\sgi01a201310150600[1].jpg"/>
+          <p:cNvPicPr>
+            <a:picLocks noChangeAspect="1" noChangeArrowheads="1"/>
+          </p:cNvPicPr>
+          <p:nvPr/>
+        </p:nvPicPr>
+        <p:blipFill>
+          <a:blip r:embed="rId5" cstate="print">
+            <a:extLst>
+              <a:ext uri="{28A0092B-C50C-407E-A947-70E740481C1C}">
+                <a14:useLocalDpi xmlns:a14="http://schemas.microsoft.com/office/drawing/2010/main" val="0"/>
+              </a:ext>
+            </a:extLst>
+          </a:blip>
+          <a:srcRect/>
+          <a:stretch>
+            <a:fillRect/>
+          </a:stretch>
+        </p:blipFill>
+        <p:spPr bwMode="auto">
+          <a:xfrm>
+            <a:off x="4892338" y="4297607"/>
+            <a:ext cx="463488" cy="463488"/>
+          </a:xfrm>
+          <a:prstGeom prst="rect">
+            <a:avLst/>
+          </a:prstGeom>
+          <a:noFill/>
+          <a:extLst>
+            <a:ext uri="{909E8E84-426E-40DD-AFC4-6F175D3DCCD1}">
+              <a14:hiddenFill xmlns:a14="http://schemas.microsoft.com/office/drawing/2010/main">
+                <a:solidFill>
+                  <a:srgbClr val="FFFFFF"/>
+                </a:solidFill>
+              </a14:hiddenFill>
+            </a:ext>
+          </a:extLst>
+        </p:spPr>
+      </p:pic>
+      <p:sp>
+        <p:nvSpPr>
+          <p:cNvPr id="27" name="正方形/長方形 26"/>
+          <p:cNvSpPr/>
+          <p:nvPr/>
+        </p:nvSpPr>
+        <p:spPr>
+          <a:xfrm>
+            <a:off x="4795152" y="3042644"/>
+            <a:ext cx="2441143" cy="2457944"/>
+          </a:xfrm>
+          <a:prstGeom prst="rect">
+            <a:avLst/>
+          </a:prstGeom>
+          <a:solidFill>
+            <a:schemeClr val="bg1">
+              <a:alpha val="75000"/>
+            </a:schemeClr>
+          </a:solidFill>
+          <a:ln>
+            <a:noFill/>
+          </a:ln>
+        </p:spPr>
+        <p:style>
+          <a:lnRef idx="2">
+            <a:schemeClr val="accent1">
+              <a:shade val="50000"/>
+            </a:schemeClr>
+          </a:lnRef>
+          <a:fillRef idx="1">
+            <a:schemeClr val="accent1"/>
+          </a:fillRef>
+          <a:effectRef idx="0">
+            <a:schemeClr val="accent1"/>
+          </a:effectRef>
+          <a:fontRef idx="minor">
+            <a:schemeClr val="lt1"/>
+          </a:fontRef>
+        </p:style>
+        <p:txBody>
+          <a:bodyPr rtlCol="0" anchor="ctr"/>
+          <a:lstStyle/>
+          <a:p>
+            <a:pPr algn="ctr"/>
+            <a:endParaRPr kumimoji="1" lang="ja-JP" altLang="en-US" dirty="0"/>
+          </a:p>
+        </p:txBody>
+      </p:sp>
+      <p:pic>
+        <p:nvPicPr>
+          <p:cNvPr id="30" name="Picture 6" descr="C:\Users\tetsuya\AppData\Local\Microsoft\Windows\INetCache\IE\9LV0U1RZ\arrow-curved-blue[1].png"/>
+          <p:cNvPicPr>
+            <a:picLocks noChangeAspect="1" noChangeArrowheads="1"/>
+          </p:cNvPicPr>
+          <p:nvPr/>
+        </p:nvPicPr>
+        <p:blipFill>
+          <a:blip r:embed="rId6" cstate="print">
+            <a:extLst>
+              <a:ext uri="{28A0092B-C50C-407E-A947-70E740481C1C}">
+                <a14:useLocalDpi xmlns:a14="http://schemas.microsoft.com/office/drawing/2010/main" val="0"/>
+              </a:ext>
+            </a:extLst>
+          </a:blip>
+          <a:srcRect/>
+          <a:stretch>
+            <a:fillRect/>
+          </a:stretch>
+        </p:blipFill>
+        <p:spPr bwMode="auto">
+          <a:xfrm rot="8354884" flipH="1" flipV="1">
+            <a:off x="5184972" y="3806328"/>
+            <a:ext cx="516508" cy="266878"/>
+          </a:xfrm>
+          <a:prstGeom prst="rect">
+            <a:avLst/>
+          </a:prstGeom>
+          <a:noFill/>
+          <a:extLst>
+            <a:ext uri="{909E8E84-426E-40DD-AFC4-6F175D3DCCD1}">
+              <a14:hiddenFill xmlns:a14="http://schemas.microsoft.com/office/drawing/2010/main">
+                <a:solidFill>
+                  <a:srgbClr val="FFFFFF"/>
+                </a:solidFill>
+              </a14:hiddenFill>
+            </a:ext>
+          </a:extLst>
+        </p:spPr>
+      </p:pic>
+      <p:pic>
+        <p:nvPicPr>
+          <p:cNvPr id="31" name="Picture 6" descr="C:\Users\tetsuya\AppData\Local\Microsoft\Windows\INetCache\IE\9LV0U1RZ\arrow-curved-blue[1].png"/>
+          <p:cNvPicPr>
+            <a:picLocks noChangeAspect="1" noChangeArrowheads="1"/>
+          </p:cNvPicPr>
+          <p:nvPr/>
+        </p:nvPicPr>
+        <p:blipFill>
+          <a:blip r:embed="rId6" cstate="print">
+            <a:extLst>
+              <a:ext uri="{28A0092B-C50C-407E-A947-70E740481C1C}">
+                <a14:useLocalDpi xmlns:a14="http://schemas.microsoft.com/office/drawing/2010/main" val="0"/>
+              </a:ext>
+            </a:extLst>
+          </a:blip>
+          <a:srcRect/>
+          <a:stretch>
+            <a:fillRect/>
+          </a:stretch>
+        </p:blipFill>
+        <p:spPr bwMode="auto">
+          <a:xfrm rot="13312511" flipH="1" flipV="1">
+            <a:off x="6519599" y="3777560"/>
+            <a:ext cx="516508" cy="266878"/>
+          </a:xfrm>
+          <a:prstGeom prst="rect">
+            <a:avLst/>
+          </a:prstGeom>
+          <a:noFill/>
+          <a:extLst>
+            <a:ext uri="{909E8E84-426E-40DD-AFC4-6F175D3DCCD1}">
+              <a14:hiddenFill xmlns:a14="http://schemas.microsoft.com/office/drawing/2010/main">
+                <a:solidFill>
+                  <a:srgbClr val="FFFFFF"/>
+                </a:solidFill>
+              </a14:hiddenFill>
+            </a:ext>
+          </a:extLst>
+        </p:spPr>
+      </p:pic>
+      <p:pic>
+        <p:nvPicPr>
+          <p:cNvPr id="34" name="Picture 3" descr="C:\Users\tetsuya\AppData\Local\Microsoft\Windows\INetCache\IE\9PQUV042\sgi01a201409121600[1].jpg"/>
+          <p:cNvPicPr>
+            <a:picLocks noChangeAspect="1" noChangeArrowheads="1"/>
+          </p:cNvPicPr>
+          <p:nvPr/>
+        </p:nvPicPr>
+        <p:blipFill>
+          <a:blip r:embed="rId3" cstate="print">
+            <a:extLst>
+              <a:ext uri="{28A0092B-C50C-407E-A947-70E740481C1C}">
+                <a14:useLocalDpi xmlns:a14="http://schemas.microsoft.com/office/drawing/2010/main" val="0"/>
+              </a:ext>
+            </a:extLst>
+          </a:blip>
+          <a:srcRect/>
+          <a:stretch>
+            <a:fillRect/>
+          </a:stretch>
+        </p:blipFill>
+        <p:spPr bwMode="auto">
+          <a:xfrm>
+            <a:off x="7092280" y="4492476"/>
+            <a:ext cx="936104" cy="936104"/>
+          </a:xfrm>
+          <a:prstGeom prst="rect">
+            <a:avLst/>
+          </a:prstGeom>
+          <a:noFill/>
+          <a:extLst>
+            <a:ext uri="{909E8E84-426E-40DD-AFC4-6F175D3DCCD1}">
+              <a14:hiddenFill xmlns:a14="http://schemas.microsoft.com/office/drawing/2010/main">
+                <a:solidFill>
+                  <a:srgbClr val="FFFFFF"/>
+                </a:solidFill>
+              </a14:hiddenFill>
+            </a:ext>
+          </a:extLst>
+        </p:spPr>
+      </p:pic>
+      <p:pic>
+        <p:nvPicPr>
+          <p:cNvPr id="26" name="Picture 5" descr="C:\Users\tetsuya\AppData\Local\Microsoft\Windows\INetCache\IE\2BC5JMJI\sgi01a201310150600[1].jpg"/>
+          <p:cNvPicPr>
+            <a:picLocks noChangeAspect="1" noChangeArrowheads="1"/>
+          </p:cNvPicPr>
+          <p:nvPr/>
+        </p:nvPicPr>
+        <p:blipFill>
+          <a:blip r:embed="rId4" cstate="print">
+            <a:extLst>
+              <a:ext uri="{28A0092B-C50C-407E-A947-70E740481C1C}">
+                <a14:useLocalDpi xmlns:a14="http://schemas.microsoft.com/office/drawing/2010/main" val="0"/>
+              </a:ext>
+            </a:extLst>
+          </a:blip>
+          <a:srcRect/>
+          <a:stretch>
+            <a:fillRect/>
+          </a:stretch>
+        </p:blipFill>
+        <p:spPr bwMode="auto">
+          <a:xfrm>
+            <a:off x="6876256" y="4317020"/>
+            <a:ext cx="463488" cy="463488"/>
+          </a:xfrm>
+          <a:prstGeom prst="rect">
+            <a:avLst/>
+          </a:prstGeom>
+          <a:noFill/>
+          <a:extLst>
+            <a:ext uri="{909E8E84-426E-40DD-AFC4-6F175D3DCCD1}">
+              <a14:hiddenFill xmlns:a14="http://schemas.microsoft.com/office/drawing/2010/main">
+                <a:solidFill>
+                  <a:srgbClr val="FFFFFF"/>
+                </a:solidFill>
+              </a14:hiddenFill>
+            </a:ext>
+          </a:extLst>
+        </p:spPr>
+      </p:pic>
+      <p:pic>
+        <p:nvPicPr>
+          <p:cNvPr id="35" name="図 34" descr="BIG IMAGE (PNG)"/>
+          <p:cNvPicPr>
+            <a:picLocks noChangeAspect="1"/>
+          </p:cNvPicPr>
+          <p:nvPr/>
+        </p:nvPicPr>
+        <p:blipFill>
+          <a:blip r:embed="rId7" cstate="print">
+            <a:extLst>
+              <a:ext uri="{28A0092B-C50C-407E-A947-70E740481C1C}">
+                <a14:useLocalDpi xmlns:a14="http://schemas.microsoft.com/office/drawing/2010/main" val="0"/>
+              </a:ext>
+            </a:extLst>
+          </a:blip>
+          <a:stretch>
+            <a:fillRect/>
+          </a:stretch>
+        </p:blipFill>
+        <p:spPr>
+          <a:xfrm>
+            <a:off x="5796136" y="4348460"/>
+            <a:ext cx="565422" cy="490869"/>
+          </a:xfrm>
+          <a:prstGeom prst="rect">
+            <a:avLst/>
+          </a:prstGeom>
+        </p:spPr>
+      </p:pic>
+      <p:pic>
+        <p:nvPicPr>
+          <p:cNvPr id="36" name="図 35" descr="BIG IMAGE (PNG)"/>
+          <p:cNvPicPr>
+            <a:picLocks noChangeAspect="1"/>
+          </p:cNvPicPr>
+          <p:nvPr/>
+        </p:nvPicPr>
+        <p:blipFill>
+          <a:blip r:embed="rId7" cstate="print">
+            <a:extLst>
+              <a:ext uri="{28A0092B-C50C-407E-A947-70E740481C1C}">
+                <a14:useLocalDpi xmlns:a14="http://schemas.microsoft.com/office/drawing/2010/main" val="0"/>
+              </a:ext>
+            </a:extLst>
+          </a:blip>
+          <a:stretch>
+            <a:fillRect/>
+          </a:stretch>
+        </p:blipFill>
+        <p:spPr>
+          <a:xfrm>
+            <a:off x="1558306" y="4321708"/>
+            <a:ext cx="565422" cy="490869"/>
+          </a:xfrm>
+          <a:prstGeom prst="rect">
+            <a:avLst/>
+          </a:prstGeom>
+        </p:spPr>
+      </p:pic>
+      <p:sp>
+        <p:nvSpPr>
+          <p:cNvPr id="4" name="スライド番号プレースホルダー 3"/>
+          <p:cNvSpPr>
+            <a:spLocks noGrp="1"/>
+          </p:cNvSpPr>
+          <p:nvPr>
+            <p:ph type="sldNum" sz="quarter" idx="12"/>
+          </p:nvPr>
+        </p:nvSpPr>
+        <p:spPr/>
+        <p:txBody>
+          <a:bodyPr/>
+          <a:lstStyle/>
+          <a:p>
+            <a:fld id="{BC410EEA-824F-4D46-AFE7-60426C8C06B0}" type="slidenum">
+              <a:rPr lang="en-US" altLang="ja-JP" smtClean="0"/>
+              <a:pPr/>
+              <a:t>26</a:t>
+            </a:fld>
+            <a:endParaRPr lang="en-US" altLang="en-US" dirty="0"/>
+          </a:p>
+        </p:txBody>
+      </p:sp>
+      <p:sp>
+        <p:nvSpPr>
+          <p:cNvPr id="25" name="テキスト ボックス 24">
+            <a:extLst>
+              <a:ext uri="{FF2B5EF4-FFF2-40B4-BE49-F238E27FC236}">
+                <a16:creationId xmlns:a16="http://schemas.microsoft.com/office/drawing/2014/main" id="{20350656-72E6-456D-BE7C-484A918C9BC5}"/>
+              </a:ext>
+            </a:extLst>
+          </p:cNvPr>
+          <p:cNvSpPr txBox="1"/>
+          <p:nvPr/>
+        </p:nvSpPr>
+        <p:spPr>
+          <a:xfrm>
+            <a:off x="2627784" y="2852936"/>
+            <a:ext cx="5688632" cy="1569660"/>
+          </a:xfrm>
+          <a:prstGeom prst="rect">
+            <a:avLst/>
+          </a:prstGeom>
+          <a:noFill/>
+        </p:spPr>
+        <p:txBody>
+          <a:bodyPr wrap="square" rtlCol="0">
+            <a:spAutoFit/>
+          </a:bodyPr>
+          <a:lstStyle/>
+          <a:p>
+            <a:r>
+              <a:rPr kumimoji="1" lang="ja-JP" altLang="en-US" sz="4800" dirty="0"/>
+              <a:t>確か前作ったやつに差し替え</a:t>
+            </a:r>
+          </a:p>
+        </p:txBody>
+      </p:sp>
+    </p:spTree>
+    <p:extLst>
+      <p:ext uri="{BB962C8B-B14F-4D97-AF65-F5344CB8AC3E}">
+        <p14:creationId xmlns:p14="http://schemas.microsoft.com/office/powerpoint/2010/main" val="63276728"/>
       </p:ext>
     </p:extLst>
   </p:cSld>
@@ -13979,7 +15720,7 @@
 </file>
 
 <file path=ppt/slides/slide4.xml><?xml version="1.0" encoding="utf-8"?>
-<p:sld xmlns:a="http://schemas.openxmlformats.org/drawingml/2006/main" xmlns:r="http://schemas.openxmlformats.org/officeDocument/2006/relationships" xmlns:p="http://schemas.openxmlformats.org/presentationml/2006/main" showMasterSp="0">
+<p:sld xmlns:a="http://schemas.openxmlformats.org/drawingml/2006/main" xmlns:r="http://schemas.openxmlformats.org/officeDocument/2006/relationships" xmlns:p="http://schemas.openxmlformats.org/presentationml/2006/main">
   <p:cSld>
     <p:spTree>
       <p:nvGrpSpPr>
@@ -13997,7 +15738,36 @@
       </p:grpSpPr>
       <p:pic>
         <p:nvPicPr>
-          <p:cNvPr id="21" name="Picture 3" descr="C:\Users\tetsuya\AppData\Local\Microsoft\Windows\INetCache\IE\9PQUV042\sgi01a201409121600[1].jpg"/>
+          <p:cNvPr id="13" name="コンテンツ プレースホルダー 12"/>
+          <p:cNvPicPr>
+            <a:picLocks noGrp="1" noChangeAspect="1"/>
+          </p:cNvPicPr>
+          <p:nvPr>
+            <p:ph idx="1"/>
+          </p:nvPr>
+        </p:nvPicPr>
+        <p:blipFill>
+          <a:blip r:embed="rId2" cstate="print">
+            <a:extLst>
+              <a:ext uri="{28A0092B-C50C-407E-A947-70E740481C1C}">
+                <a14:useLocalDpi xmlns:a14="http://schemas.microsoft.com/office/drawing/2010/main" val="0"/>
+              </a:ext>
+            </a:extLst>
+          </a:blip>
+          <a:stretch>
+            <a:fillRect/>
+          </a:stretch>
+        </p:blipFill>
+        <p:spPr>
+          <a:xfrm>
+            <a:off x="5436096" y="3068960"/>
+            <a:ext cx="1584176" cy="1584176"/>
+          </a:xfrm>
+        </p:spPr>
+      </p:pic>
+      <p:pic>
+        <p:nvPicPr>
+          <p:cNvPr id="4" name="Picture 3" descr="C:\Users\tetsuya\AppData\Local\Microsoft\Windows\INetCache\IE\9PQUV042\sgi01a201409121600[1].jpg"/>
           <p:cNvPicPr>
             <a:picLocks noChangeAspect="1" noChangeArrowheads="1"/>
           </p:cNvPicPr>
@@ -14018,7 +15788,7 @@
         </p:blipFill>
         <p:spPr bwMode="auto">
           <a:xfrm>
-            <a:off x="7092280" y="4517630"/>
+            <a:off x="251520" y="3340215"/>
             <a:ext cx="936104" cy="936104"/>
           </a:xfrm>
           <a:prstGeom prst="rect">
@@ -14038,202 +15808,9 @@
       </p:pic>
       <p:pic>
         <p:nvPicPr>
-          <p:cNvPr id="20" name="Picture 3" descr="C:\Users\tetsuya\AppData\Local\Microsoft\Windows\INetCache\IE\9PQUV042\sgi01a201409121600[1].jpg"/>
+          <p:cNvPr id="15" name="図 14"/>
           <p:cNvPicPr>
-            <a:picLocks noChangeAspect="1" noChangeArrowheads="1"/>
-          </p:cNvPicPr>
-          <p:nvPr/>
-        </p:nvPicPr>
-        <p:blipFill>
-          <a:blip r:embed="rId3" cstate="print">
-            <a:extLst>
-              <a:ext uri="{28A0092B-C50C-407E-A947-70E740481C1C}">
-                <a14:useLocalDpi xmlns:a14="http://schemas.microsoft.com/office/drawing/2010/main" val="0"/>
-              </a:ext>
-            </a:extLst>
-          </a:blip>
-          <a:srcRect/>
-          <a:stretch>
-            <a:fillRect/>
-          </a:stretch>
-        </p:blipFill>
-        <p:spPr bwMode="auto">
-          <a:xfrm>
-            <a:off x="5106787" y="4509435"/>
-            <a:ext cx="936104" cy="936104"/>
-          </a:xfrm>
-          <a:prstGeom prst="rect">
-            <a:avLst/>
-          </a:prstGeom>
-          <a:noFill/>
-          <a:extLst>
-            <a:ext uri="{909E8E84-426E-40DD-AFC4-6F175D3DCCD1}">
-              <a14:hiddenFill xmlns:a14="http://schemas.microsoft.com/office/drawing/2010/main">
-                <a:solidFill>
-                  <a:srgbClr val="FFFFFF"/>
-                </a:solidFill>
-              </a14:hiddenFill>
-            </a:ext>
-          </a:extLst>
-        </p:spPr>
-      </p:pic>
-      <p:sp>
-        <p:nvSpPr>
-          <p:cNvPr id="2" name="コンテンツ プレースホルダー 1"/>
-          <p:cNvSpPr>
-            <a:spLocks noGrp="1"/>
-          </p:cNvSpPr>
-          <p:nvPr>
-            <p:ph idx="1"/>
-          </p:nvPr>
-        </p:nvSpPr>
-        <p:spPr>
-          <a:xfrm>
-            <a:off x="158824" y="1196752"/>
-            <a:ext cx="8854208" cy="5210559"/>
-          </a:xfrm>
-        </p:spPr>
-        <p:txBody>
-          <a:bodyPr/>
-          <a:lstStyle/>
-          <a:p>
-            <a:r>
-              <a:rPr lang="en-US" altLang="ja-JP" dirty="0"/>
-              <a:t>Previous method learn only the relationship between initial states and goal states.</a:t>
-            </a:r>
-          </a:p>
-          <a:p>
-            <a:r>
-              <a:rPr lang="en-US" altLang="ja-JP" dirty="0"/>
-              <a:t>So, it</a:t>
-            </a:r>
-            <a:r>
-              <a:rPr lang="ja-JP" altLang="en-US" dirty="0"/>
-              <a:t> </a:t>
-            </a:r>
-            <a:r>
-              <a:rPr lang="en-US" altLang="ja-JP" dirty="0"/>
-              <a:t>could</a:t>
-            </a:r>
-            <a:r>
-              <a:rPr lang="ja-JP" altLang="en-US" dirty="0"/>
-              <a:t> </a:t>
-            </a:r>
-            <a:r>
-              <a:rPr lang="en-US" altLang="ja-JP" dirty="0"/>
-              <a:t>not</a:t>
-            </a:r>
-            <a:r>
-              <a:rPr lang="ja-JP" altLang="en-US" dirty="0"/>
-              <a:t> </a:t>
-            </a:r>
-            <a:r>
-              <a:rPr lang="en-US" altLang="ja-JP" dirty="0"/>
-              <a:t>take</a:t>
-            </a:r>
-            <a:r>
-              <a:rPr lang="ja-JP" altLang="en-US" dirty="0"/>
-              <a:t> </a:t>
-            </a:r>
-            <a:r>
-              <a:rPr lang="en-US" altLang="ja-JP" dirty="0"/>
-              <a:t>account</a:t>
-            </a:r>
-            <a:r>
-              <a:rPr lang="ja-JP" altLang="en-US" dirty="0"/>
-              <a:t> </a:t>
-            </a:r>
-            <a:r>
-              <a:rPr lang="en-US" altLang="ja-JP" dirty="0"/>
-              <a:t>for</a:t>
-            </a:r>
-            <a:r>
-              <a:rPr lang="ja-JP" altLang="en-US" dirty="0"/>
-              <a:t> </a:t>
-            </a:r>
-            <a:r>
-              <a:rPr lang="en-US" altLang="ja-JP" dirty="0"/>
-              <a:t>intermediate states.</a:t>
-            </a:r>
-          </a:p>
-          <a:p>
-            <a:endParaRPr lang="en-US" altLang="ja-JP" dirty="0"/>
-          </a:p>
-        </p:txBody>
-      </p:sp>
-      <p:sp>
-        <p:nvSpPr>
-          <p:cNvPr id="3" name="タイトル 2"/>
-          <p:cNvSpPr>
-            <a:spLocks noGrp="1"/>
-          </p:cNvSpPr>
-          <p:nvPr>
-            <p:ph type="title"/>
-          </p:nvPr>
-        </p:nvSpPr>
-        <p:spPr/>
-        <p:txBody>
-          <a:bodyPr/>
-          <a:lstStyle/>
-          <a:p>
-            <a:r>
-              <a:rPr kumimoji="1" lang="en-US" altLang="ja-JP" dirty="0"/>
-              <a:t>Problem</a:t>
-            </a:r>
-            <a:r>
-              <a:rPr lang="en-US" altLang="ja-JP" dirty="0"/>
-              <a:t> of previous work</a:t>
-            </a:r>
-            <a:endParaRPr kumimoji="1" lang="ja-JP" altLang="en-US" dirty="0"/>
-          </a:p>
-        </p:txBody>
-      </p:sp>
-      <p:pic>
-        <p:nvPicPr>
-          <p:cNvPr id="6" name="Picture 3" descr="C:\Users\tetsuya\AppData\Local\Microsoft\Windows\INetCache\IE\9PQUV042\sgi01a201409121600[1].jpg"/>
-          <p:cNvPicPr>
-            <a:picLocks noChangeAspect="1" noChangeArrowheads="1"/>
-          </p:cNvPicPr>
-          <p:nvPr/>
-        </p:nvPicPr>
-        <p:blipFill>
-          <a:blip r:embed="rId3" cstate="print">
-            <a:extLst>
-              <a:ext uri="{28A0092B-C50C-407E-A947-70E740481C1C}">
-                <a14:useLocalDpi xmlns:a14="http://schemas.microsoft.com/office/drawing/2010/main" val="0"/>
-              </a:ext>
-            </a:extLst>
-          </a:blip>
-          <a:srcRect/>
-          <a:stretch>
-            <a:fillRect/>
-          </a:stretch>
-        </p:blipFill>
-        <p:spPr bwMode="auto">
-          <a:xfrm>
-            <a:off x="539552" y="5589240"/>
-            <a:ext cx="936104" cy="936104"/>
-          </a:xfrm>
-          <a:prstGeom prst="rect">
-            <a:avLst/>
-          </a:prstGeom>
-          <a:noFill/>
-          <a:extLst>
-            <a:ext uri="{909E8E84-426E-40DD-AFC4-6F175D3DCCD1}">
-              <a14:hiddenFill xmlns:a14="http://schemas.microsoft.com/office/drawing/2010/main">
-                <a:solidFill>
-                  <a:srgbClr val="FFFFFF"/>
-                </a:solidFill>
-              </a14:hiddenFill>
-            </a:ext>
-          </a:extLst>
-        </p:spPr>
-      </p:pic>
-      <p:pic>
-        <p:nvPicPr>
-          <p:cNvPr id="7" name="Picture 5" descr="C:\Users\tetsuya\AppData\Local\Microsoft\Windows\INetCache\IE\2BC5JMJI\sgi01a201310150600[1].jpg"/>
-          <p:cNvPicPr>
-            <a:picLocks noChangeAspect="1" noChangeArrowheads="1"/>
+            <a:picLocks noChangeAspect="1"/>
           </p:cNvPicPr>
           <p:nvPr/>
         </p:nvPicPr>
@@ -14245,34 +15822,23 @@
               </a:ext>
             </a:extLst>
           </a:blip>
-          <a:srcRect/>
           <a:stretch>
             <a:fillRect/>
           </a:stretch>
         </p:blipFill>
-        <p:spPr bwMode="auto">
-          <a:xfrm>
-            <a:off x="787882" y="4297607"/>
-            <a:ext cx="463488" cy="463488"/>
+        <p:spPr>
+          <a:xfrm>
+            <a:off x="3509169" y="3816639"/>
+            <a:ext cx="1062831" cy="655438"/>
           </a:xfrm>
           <a:prstGeom prst="rect">
             <a:avLst/>
           </a:prstGeom>
-          <a:noFill/>
-          <a:extLst>
-            <a:ext uri="{909E8E84-426E-40DD-AFC4-6F175D3DCCD1}">
-              <a14:hiddenFill xmlns:a14="http://schemas.microsoft.com/office/drawing/2010/main">
-                <a:solidFill>
-                  <a:srgbClr val="FFFFFF"/>
-                </a:solidFill>
-              </a14:hiddenFill>
-            </a:ext>
-          </a:extLst>
         </p:spPr>
       </p:pic>
       <p:pic>
         <p:nvPicPr>
-          <p:cNvPr id="8" name="Picture 6" descr="C:\Users\tetsuya\AppData\Local\Microsoft\Windows\INetCache\IE\9LV0U1RZ\arrow-curved-blue[1].png"/>
+          <p:cNvPr id="6" name="Picture 5" descr="C:\Users\tetsuya\AppData\Local\Microsoft\Windows\INetCache\IE\2BC5JMJI\sgi01a201310150600[1].jpg"/>
           <p:cNvPicPr>
             <a:picLocks noChangeAspect="1" noChangeArrowheads="1"/>
           </p:cNvPicPr>
@@ -14292,9 +15858,9 @@
           </a:stretch>
         </p:blipFill>
         <p:spPr bwMode="auto">
-          <a:xfrm rot="10800000" flipH="1">
-            <a:off x="1403648" y="4780508"/>
-            <a:ext cx="1098792" cy="552143"/>
+          <a:xfrm>
+            <a:off x="1738277" y="3524799"/>
+            <a:ext cx="751520" cy="751520"/>
           </a:xfrm>
           <a:prstGeom prst="rect">
             <a:avLst/>
@@ -14311,411 +15877,20 @@
           </a:extLst>
         </p:spPr>
       </p:pic>
-      <p:pic>
-        <p:nvPicPr>
-          <p:cNvPr id="11" name="Picture 5" descr="C:\Users\tetsuya\AppData\Local\Microsoft\Windows\INetCache\IE\2BC5JMJI\sgi01a201310150600[1].jpg"/>
-          <p:cNvPicPr>
-            <a:picLocks noChangeAspect="1" noChangeArrowheads="1"/>
-          </p:cNvPicPr>
-          <p:nvPr/>
-        </p:nvPicPr>
-        <p:blipFill>
-          <a:blip r:embed="rId6" cstate="print">
+      <p:sp>
+        <p:nvSpPr>
+          <p:cNvPr id="8" name="タイトル 2">
             <a:extLst>
-              <a:ext uri="{28A0092B-C50C-407E-A947-70E740481C1C}">
-                <a14:useLocalDpi xmlns:a14="http://schemas.microsoft.com/office/drawing/2010/main" val="0"/>
+              <a:ext uri="{FF2B5EF4-FFF2-40B4-BE49-F238E27FC236}">
+                <a16:creationId xmlns:a16="http://schemas.microsoft.com/office/drawing/2014/main" id="{6502DF82-7B5A-4F78-867A-F96F571AA931}"/>
               </a:ext>
             </a:extLst>
-          </a:blip>
-          <a:srcRect/>
-          <a:stretch>
-            <a:fillRect/>
-          </a:stretch>
-        </p:blipFill>
-        <p:spPr bwMode="auto">
-          <a:xfrm>
-            <a:off x="2771800" y="4317020"/>
-            <a:ext cx="463488" cy="463488"/>
-          </a:xfrm>
-          <a:prstGeom prst="rect">
-            <a:avLst/>
-          </a:prstGeom>
-          <a:noFill/>
-          <a:extLst>
-            <a:ext uri="{909E8E84-426E-40DD-AFC4-6F175D3DCCD1}">
-              <a14:hiddenFill xmlns:a14="http://schemas.microsoft.com/office/drawing/2010/main">
-                <a:solidFill>
-                  <a:srgbClr val="FFFFFF"/>
-                </a:solidFill>
-              </a14:hiddenFill>
-            </a:ext>
-          </a:extLst>
-        </p:spPr>
-      </p:pic>
-      <p:sp>
-        <p:nvSpPr>
-          <p:cNvPr id="12" name="正方形/長方形 11"/>
-          <p:cNvSpPr/>
-          <p:nvPr/>
-        </p:nvSpPr>
-        <p:spPr>
-          <a:xfrm>
-            <a:off x="467544" y="4182745"/>
-            <a:ext cx="936104" cy="669771"/>
-          </a:xfrm>
-          <a:prstGeom prst="rect">
-            <a:avLst/>
-          </a:prstGeom>
-          <a:solidFill>
-            <a:schemeClr val="bg1">
-              <a:alpha val="75000"/>
-            </a:schemeClr>
-          </a:solidFill>
-          <a:ln>
-            <a:noFill/>
-          </a:ln>
-        </p:spPr>
-        <p:style>
-          <a:lnRef idx="2">
-            <a:schemeClr val="accent1">
-              <a:shade val="50000"/>
-            </a:schemeClr>
-          </a:lnRef>
-          <a:fillRef idx="1">
-            <a:schemeClr val="accent1"/>
-          </a:fillRef>
-          <a:effectRef idx="0">
-            <a:schemeClr val="accent1"/>
-          </a:effectRef>
-          <a:fontRef idx="minor">
-            <a:schemeClr val="lt1"/>
-          </a:fontRef>
-        </p:style>
-        <p:txBody>
-          <a:bodyPr rtlCol="0" anchor="ctr"/>
-          <a:lstStyle/>
-          <a:p>
-            <a:pPr algn="ctr"/>
-            <a:endParaRPr kumimoji="1" lang="ja-JP" altLang="en-US" dirty="0"/>
-          </a:p>
-        </p:txBody>
-      </p:sp>
-      <p:pic>
-        <p:nvPicPr>
-          <p:cNvPr id="13" name="Picture 6" descr="C:\Users\tetsuya\AppData\Local\Microsoft\Windows\INetCache\IE\9LV0U1RZ\arrow-curved-blue[1].png"/>
-          <p:cNvPicPr>
-            <a:picLocks noChangeAspect="1" noChangeArrowheads="1"/>
-          </p:cNvPicPr>
-          <p:nvPr/>
-        </p:nvPicPr>
-        <p:blipFill>
-          <a:blip r:embed="rId5" cstate="print">
-            <a:extLst>
-              <a:ext uri="{28A0092B-C50C-407E-A947-70E740481C1C}">
-                <a14:useLocalDpi xmlns:a14="http://schemas.microsoft.com/office/drawing/2010/main" val="0"/>
-              </a:ext>
-            </a:extLst>
-          </a:blip>
-          <a:srcRect/>
-          <a:stretch>
-            <a:fillRect/>
-          </a:stretch>
-        </p:blipFill>
-        <p:spPr bwMode="auto">
-          <a:xfrm rot="10800000" flipH="1" flipV="1">
-            <a:off x="1403649" y="3844404"/>
-            <a:ext cx="1098792" cy="567742"/>
-          </a:xfrm>
-          <a:prstGeom prst="rect">
-            <a:avLst/>
-          </a:prstGeom>
-          <a:noFill/>
-          <a:extLst>
-            <a:ext uri="{909E8E84-426E-40DD-AFC4-6F175D3DCCD1}">
-              <a14:hiddenFill xmlns:a14="http://schemas.microsoft.com/office/drawing/2010/main">
-                <a:solidFill>
-                  <a:srgbClr val="FFFFFF"/>
-                </a:solidFill>
-              </a14:hiddenFill>
-            </a:ext>
-          </a:extLst>
-        </p:spPr>
-      </p:pic>
-      <p:sp>
-        <p:nvSpPr>
-          <p:cNvPr id="14" name="矢印: 右 13"/>
-          <p:cNvSpPr/>
-          <p:nvPr/>
-        </p:nvSpPr>
-        <p:spPr>
-          <a:xfrm>
-            <a:off x="3923928" y="4351922"/>
-            <a:ext cx="576064" cy="504056"/>
-          </a:xfrm>
-          <a:prstGeom prst="rightArrow">
-            <a:avLst/>
-          </a:prstGeom>
-        </p:spPr>
-        <p:style>
-          <a:lnRef idx="2">
-            <a:schemeClr val="accent1">
-              <a:shade val="50000"/>
-            </a:schemeClr>
-          </a:lnRef>
-          <a:fillRef idx="1">
-            <a:schemeClr val="accent1"/>
-          </a:fillRef>
-          <a:effectRef idx="0">
-            <a:schemeClr val="accent1"/>
-          </a:effectRef>
-          <a:fontRef idx="minor">
-            <a:schemeClr val="lt1"/>
-          </a:fontRef>
-        </p:style>
-        <p:txBody>
-          <a:bodyPr rtlCol="0" anchor="ctr"/>
-          <a:lstStyle/>
-          <a:p>
-            <a:pPr algn="ctr"/>
-            <a:endParaRPr kumimoji="1" lang="ja-JP" altLang="en-US" dirty="0"/>
-          </a:p>
-        </p:txBody>
-      </p:sp>
-      <p:pic>
-        <p:nvPicPr>
-          <p:cNvPr id="15" name="Picture 5" descr="C:\Users\tetsuya\AppData\Local\Microsoft\Windows\INetCache\IE\2BC5JMJI\sgi01a201310150600[1].jpg"/>
-          <p:cNvPicPr>
-            <a:picLocks noChangeAspect="1" noChangeArrowheads="1"/>
-          </p:cNvPicPr>
-          <p:nvPr/>
-        </p:nvPicPr>
-        <p:blipFill>
-          <a:blip r:embed="rId4" cstate="print">
-            <a:extLst>
-              <a:ext uri="{28A0092B-C50C-407E-A947-70E740481C1C}">
-                <a14:useLocalDpi xmlns:a14="http://schemas.microsoft.com/office/drawing/2010/main" val="0"/>
-              </a:ext>
-            </a:extLst>
-          </a:blip>
-          <a:srcRect/>
-          <a:stretch>
-            <a:fillRect/>
-          </a:stretch>
-        </p:blipFill>
-        <p:spPr bwMode="auto">
-          <a:xfrm>
-            <a:off x="4892338" y="4297607"/>
-            <a:ext cx="463488" cy="463488"/>
-          </a:xfrm>
-          <a:prstGeom prst="rect">
-            <a:avLst/>
-          </a:prstGeom>
-          <a:noFill/>
-          <a:extLst>
-            <a:ext uri="{909E8E84-426E-40DD-AFC4-6F175D3DCCD1}">
-              <a14:hiddenFill xmlns:a14="http://schemas.microsoft.com/office/drawing/2010/main">
-                <a:solidFill>
-                  <a:srgbClr val="FFFFFF"/>
-                </a:solidFill>
-              </a14:hiddenFill>
-            </a:ext>
-          </a:extLst>
-        </p:spPr>
-      </p:pic>
-      <p:pic>
-        <p:nvPicPr>
-          <p:cNvPr id="17" name="Picture 5" descr="C:\Users\tetsuya\AppData\Local\Microsoft\Windows\INetCache\IE\2BC5JMJI\sgi01a201310150600[1].jpg"/>
-          <p:cNvPicPr>
-            <a:picLocks noChangeAspect="1" noChangeArrowheads="1"/>
-          </p:cNvPicPr>
-          <p:nvPr/>
-        </p:nvPicPr>
-        <p:blipFill>
-          <a:blip r:embed="rId6" cstate="print">
-            <a:extLst>
-              <a:ext uri="{28A0092B-C50C-407E-A947-70E740481C1C}">
-                <a14:useLocalDpi xmlns:a14="http://schemas.microsoft.com/office/drawing/2010/main" val="0"/>
-              </a:ext>
-            </a:extLst>
-          </a:blip>
-          <a:srcRect/>
-          <a:stretch>
-            <a:fillRect/>
-          </a:stretch>
-        </p:blipFill>
-        <p:spPr bwMode="auto">
-          <a:xfrm>
-            <a:off x="6876256" y="4317020"/>
-            <a:ext cx="463488" cy="463488"/>
-          </a:xfrm>
-          <a:prstGeom prst="rect">
-            <a:avLst/>
-          </a:prstGeom>
-          <a:noFill/>
-          <a:extLst>
-            <a:ext uri="{909E8E84-426E-40DD-AFC4-6F175D3DCCD1}">
-              <a14:hiddenFill xmlns:a14="http://schemas.microsoft.com/office/drawing/2010/main">
-                <a:solidFill>
-                  <a:srgbClr val="FFFFFF"/>
-                </a:solidFill>
-              </a14:hiddenFill>
-            </a:ext>
-          </a:extLst>
-        </p:spPr>
-      </p:pic>
-      <p:sp>
-        <p:nvSpPr>
-          <p:cNvPr id="18" name="正方形/長方形 17"/>
-          <p:cNvSpPr/>
-          <p:nvPr/>
-        </p:nvSpPr>
-        <p:spPr>
-          <a:xfrm>
-            <a:off x="4734644" y="4060428"/>
-            <a:ext cx="1629474" cy="1317843"/>
-          </a:xfrm>
-          <a:prstGeom prst="rect">
-            <a:avLst/>
-          </a:prstGeom>
-          <a:solidFill>
-            <a:schemeClr val="bg1">
-              <a:alpha val="75000"/>
-            </a:schemeClr>
-          </a:solidFill>
-          <a:ln>
-            <a:noFill/>
-          </a:ln>
-        </p:spPr>
-        <p:style>
-          <a:lnRef idx="2">
-            <a:schemeClr val="accent1">
-              <a:shade val="50000"/>
-            </a:schemeClr>
-          </a:lnRef>
-          <a:fillRef idx="1">
-            <a:schemeClr val="accent1"/>
-          </a:fillRef>
-          <a:effectRef idx="0">
-            <a:schemeClr val="accent1"/>
-          </a:effectRef>
-          <a:fontRef idx="minor">
-            <a:schemeClr val="lt1"/>
-          </a:fontRef>
-        </p:style>
-        <p:txBody>
-          <a:bodyPr rtlCol="0" anchor="ctr"/>
-          <a:lstStyle/>
-          <a:p>
-            <a:pPr algn="ctr"/>
-            <a:endParaRPr kumimoji="1" lang="ja-JP" altLang="en-US" dirty="0"/>
-          </a:p>
-        </p:txBody>
-      </p:sp>
-      <p:cxnSp>
-        <p:nvCxnSpPr>
-          <p:cNvPr id="25" name="直線矢印コネクタ 24"/>
-          <p:cNvCxnSpPr>
-            <a:cxnSpLocks/>
-            <a:stCxn id="15" idx="3"/>
-            <a:endCxn id="17" idx="1"/>
-          </p:cNvCxnSpPr>
-          <p:nvPr/>
-        </p:nvCxnSpPr>
-        <p:spPr>
-          <a:xfrm>
-            <a:off x="5355826" y="4529351"/>
-            <a:ext cx="1520430" cy="19413"/>
-          </a:xfrm>
-          <a:prstGeom prst="straightConnector1">
-            <a:avLst/>
-          </a:prstGeom>
-          <a:ln>
-            <a:tailEnd type="triangle"/>
-          </a:ln>
-        </p:spPr>
-        <p:style>
-          <a:lnRef idx="1">
-            <a:schemeClr val="accent1"/>
-          </a:lnRef>
-          <a:fillRef idx="0">
-            <a:schemeClr val="accent1"/>
-          </a:fillRef>
-          <a:effectRef idx="0">
-            <a:schemeClr val="accent1"/>
-          </a:effectRef>
-          <a:fontRef idx="minor">
-            <a:schemeClr val="tx1"/>
-          </a:fontRef>
-        </p:style>
-      </p:cxnSp>
-      <p:pic>
-        <p:nvPicPr>
-          <p:cNvPr id="36" name="図 35" descr="BIG IMAGE (PNG)"/>
-          <p:cNvPicPr>
-            <a:picLocks noChangeAspect="1"/>
-          </p:cNvPicPr>
-          <p:nvPr/>
-        </p:nvPicPr>
-        <p:blipFill>
-          <a:blip r:embed="rId7" cstate="print">
-            <a:extLst>
-              <a:ext uri="{28A0092B-C50C-407E-A947-70E740481C1C}">
-                <a14:useLocalDpi xmlns:a14="http://schemas.microsoft.com/office/drawing/2010/main" val="0"/>
-              </a:ext>
-            </a:extLst>
-          </a:blip>
-          <a:stretch>
-            <a:fillRect/>
-          </a:stretch>
-        </p:blipFill>
-        <p:spPr>
-          <a:xfrm>
-            <a:off x="1558306" y="4321708"/>
-            <a:ext cx="565422" cy="490869"/>
-          </a:xfrm>
-          <a:prstGeom prst="rect">
-            <a:avLst/>
-          </a:prstGeom>
-        </p:spPr>
-      </p:pic>
-      <p:pic>
-        <p:nvPicPr>
-          <p:cNvPr id="37" name="図 36" descr="BIG IMAGE (PNG)"/>
-          <p:cNvPicPr>
-            <a:picLocks noChangeAspect="1"/>
-          </p:cNvPicPr>
-          <p:nvPr/>
-        </p:nvPicPr>
-        <p:blipFill>
-          <a:blip r:embed="rId7" cstate="print">
-            <a:extLst>
-              <a:ext uri="{28A0092B-C50C-407E-A947-70E740481C1C}">
-                <a14:useLocalDpi xmlns:a14="http://schemas.microsoft.com/office/drawing/2010/main" val="0"/>
-              </a:ext>
-            </a:extLst>
-          </a:blip>
-          <a:stretch>
-            <a:fillRect/>
-          </a:stretch>
-        </p:blipFill>
-        <p:spPr>
-          <a:xfrm>
-            <a:off x="5868144" y="4348460"/>
-            <a:ext cx="565422" cy="490869"/>
-          </a:xfrm>
-          <a:prstGeom prst="rect">
-            <a:avLst/>
-          </a:prstGeom>
-        </p:spPr>
-      </p:pic>
-      <p:sp>
-        <p:nvSpPr>
-          <p:cNvPr id="4" name="スライド番号プレースホルダー 3"/>
+          </p:cNvPr>
           <p:cNvSpPr>
             <a:spLocks noGrp="1"/>
           </p:cNvSpPr>
           <p:nvPr>
-            <p:ph type="sldNum" sz="quarter" idx="12"/>
+            <p:ph type="title"/>
           </p:nvPr>
         </p:nvSpPr>
         <p:spPr/>
@@ -14723,65 +15898,139 @@
           <a:bodyPr/>
           <a:lstStyle/>
           <a:p>
-            <a:fld id="{BC410EEA-824F-4D46-AFE7-60426C8C06B0}" type="slidenum">
-              <a:rPr lang="en-US" altLang="ja-JP" smtClean="0"/>
-              <a:pPr/>
-              <a:t>4</a:t>
-            </a:fld>
-            <a:endParaRPr lang="en-US" altLang="en-US" dirty="0"/>
-          </a:p>
-        </p:txBody>
-      </p:sp>
-      <p:sp>
-        <p:nvSpPr>
-          <p:cNvPr id="5" name="テキスト ボックス 4">
-            <a:extLst>
-              <a:ext uri="{FF2B5EF4-FFF2-40B4-BE49-F238E27FC236}">
-                <a16:creationId xmlns:a16="http://schemas.microsoft.com/office/drawing/2014/main" id="{586B3EF4-B95D-408F-BF0A-204A06D9A4EC}"/>
-              </a:ext>
-            </a:extLst>
-          </p:cNvPr>
-          <p:cNvSpPr txBox="1"/>
-          <p:nvPr/>
-        </p:nvSpPr>
-        <p:spPr>
-          <a:xfrm>
-            <a:off x="2627784" y="2852936"/>
-            <a:ext cx="5688632" cy="1569660"/>
-          </a:xfrm>
-          <a:prstGeom prst="rect">
-            <a:avLst/>
-          </a:prstGeom>
-          <a:noFill/>
-        </p:spPr>
-        <p:txBody>
-          <a:bodyPr wrap="square" rtlCol="0">
-            <a:spAutoFit/>
-          </a:bodyPr>
-          <a:lstStyle/>
-          <a:p>
-            <a:r>
-              <a:rPr kumimoji="1" lang="ja-JP" altLang="en-US" sz="4800" dirty="0"/>
-              <a:t>確か前作ったやつに差し替え</a:t>
-            </a:r>
+            <a:r>
+              <a:rPr lang="en-US" altLang="ja-JP" dirty="0"/>
+              <a:t>Problem of previous work</a:t>
+            </a:r>
+            <a:endParaRPr kumimoji="1" lang="ja-JP" altLang="en-US" dirty="0"/>
           </a:p>
         </p:txBody>
       </p:sp>
     </p:spTree>
     <p:extLst>
       <p:ext uri="{BB962C8B-B14F-4D97-AF65-F5344CB8AC3E}">
-        <p14:creationId xmlns:p14="http://schemas.microsoft.com/office/powerpoint/2010/main" val="3114489414"/>
+        <p14:creationId xmlns:p14="http://schemas.microsoft.com/office/powerpoint/2010/main" val="3479555010"/>
       </p:ext>
     </p:extLst>
   </p:cSld>
   <p:clrMapOvr>
     <a:masterClrMapping/>
   </p:clrMapOvr>
+  <p:timing>
+    <p:tnLst>
+      <p:par>
+        <p:cTn id="1" dur="indefinite" restart="never" nodeType="tmRoot">
+          <p:childTnLst>
+            <p:seq concurrent="1" nextAc="seek">
+              <p:cTn id="2" dur="indefinite" nodeType="mainSeq">
+                <p:childTnLst>
+                  <p:par>
+                    <p:cTn id="3" fill="hold">
+                      <p:stCondLst>
+                        <p:cond delay="indefinite"/>
+                      </p:stCondLst>
+                      <p:childTnLst>
+                        <p:par>
+                          <p:cTn id="4" fill="hold">
+                            <p:stCondLst>
+                              <p:cond delay="0"/>
+                            </p:stCondLst>
+                            <p:childTnLst>
+                              <p:par>
+                                <p:cTn id="5" presetID="37" presetClass="path" presetSubtype="0" accel="50000" decel="50000" fill="hold" nodeType="clickEffect">
+                                  <p:stCondLst>
+                                    <p:cond delay="0"/>
+                                  </p:stCondLst>
+                                  <p:childTnLst>
+                                    <p:animMotion origin="layout" path="M -4.44444E-6 -3.33333E-6 L 0.04028 -0.11921 C 0.04775 -0.14652 0.06563 -0.16666 0.08612 -0.17546 C 0.10903 -0.18657 0.1316 -0.18379 0.14983 -0.1699 L 0.23698 -0.10833 " pathEditMode="relative" rAng="20460000" ptsTypes="AAAAA">
+                                      <p:cBhvr>
+                                        <p:cTn id="6" dur="2000" fill="hold"/>
+                                        <p:tgtEl>
+                                          <p:spTgt spid="15"/>
+                                        </p:tgtEl>
+                                        <p:attrNameLst>
+                                          <p:attrName>ppt_x</p:attrName>
+                                          <p:attrName>ppt_y</p:attrName>
+                                        </p:attrNameLst>
+                                      </p:cBhvr>
+                                      <p:rCtr x="10278" y="-11505"/>
+                                    </p:animMotion>
+                                  </p:childTnLst>
+                                </p:cTn>
+                              </p:par>
+                            </p:childTnLst>
+                          </p:cTn>
+                        </p:par>
+                      </p:childTnLst>
+                    </p:cTn>
+                  </p:par>
+                  <p:par>
+                    <p:cTn id="7" fill="hold">
+                      <p:stCondLst>
+                        <p:cond delay="indefinite"/>
+                      </p:stCondLst>
+                      <p:childTnLst>
+                        <p:par>
+                          <p:cTn id="8" fill="hold">
+                            <p:stCondLst>
+                              <p:cond delay="0"/>
+                            </p:stCondLst>
+                            <p:childTnLst>
+                              <p:par>
+                                <p:cTn id="9" presetID="37" presetClass="path" presetSubtype="0" accel="50000" decel="50000" fill="hold" nodeType="clickEffect">
+                                  <p:stCondLst>
+                                    <p:cond delay="0"/>
+                                  </p:stCondLst>
+                                  <p:childTnLst>
+                                    <p:animMotion origin="layout" path="M -5.55556E-7 -3.33333E-6 L 0.11337 -0.08935 C 0.13663 -0.10949 0.17396 -0.12592 0.21372 -0.13518 C 0.25816 -0.14861 0.29688 -0.15092 0.32413 -0.14421 L 0.45504 -0.11805 " pathEditMode="relative" rAng="20940000" ptsTypes="AAAAA">
+                                      <p:cBhvr>
+                                        <p:cTn id="10" dur="2000" fill="hold"/>
+                                        <p:tgtEl>
+                                          <p:spTgt spid="6"/>
+                                        </p:tgtEl>
+                                        <p:attrNameLst>
+                                          <p:attrName>ppt_x</p:attrName>
+                                          <p:attrName>ppt_y</p:attrName>
+                                        </p:attrNameLst>
+                                      </p:cBhvr>
+                                      <p:rCtr x="22187" y="-9769"/>
+                                    </p:animMotion>
+                                  </p:childTnLst>
+                                </p:cTn>
+                              </p:par>
+                            </p:childTnLst>
+                          </p:cTn>
+                        </p:par>
+                      </p:childTnLst>
+                    </p:cTn>
+                  </p:par>
+                </p:childTnLst>
+              </p:cTn>
+              <p:prevCondLst>
+                <p:cond evt="onPrev" delay="0">
+                  <p:tgtEl>
+                    <p:sldTgt/>
+                  </p:tgtEl>
+                </p:cond>
+              </p:prevCondLst>
+              <p:nextCondLst>
+                <p:cond evt="onNext" delay="0">
+                  <p:tgtEl>
+                    <p:sldTgt/>
+                  </p:tgtEl>
+                </p:cond>
+              </p:nextCondLst>
+            </p:seq>
+          </p:childTnLst>
+        </p:cTn>
+      </p:par>
+    </p:tnLst>
+  </p:timing>
 </p:sld>
 </file>
 
 <file path=ppt/slides/slide5.xml><?xml version="1.0" encoding="utf-8"?>
-<p:sld xmlns:a="http://schemas.openxmlformats.org/drawingml/2006/main" xmlns:r="http://schemas.openxmlformats.org/officeDocument/2006/relationships" xmlns:p="http://schemas.openxmlformats.org/presentationml/2006/main" showMasterSp="0">
+<p:sld xmlns:a="http://schemas.openxmlformats.org/drawingml/2006/main" xmlns:r="http://schemas.openxmlformats.org/officeDocument/2006/relationships" xmlns:p="http://schemas.openxmlformats.org/presentationml/2006/main">
   <p:cSld>
     <p:spTree>
       <p:nvGrpSpPr>
@@ -14799,352 +16048,47 @@
       </p:grpSpPr>
       <p:pic>
         <p:nvPicPr>
-          <p:cNvPr id="33" name="Picture 3" descr="C:\Users\tetsuya\AppData\Local\Microsoft\Windows\INetCache\IE\9PQUV042\sgi01a201409121600[1].jpg"/>
+          <p:cNvPr id="5" name="コンテンツ プレースホルダー 4"/>
           <p:cNvPicPr>
-            <a:picLocks noChangeAspect="1" noChangeArrowheads="1"/>
+            <a:picLocks noGrp="1" noChangeAspect="1"/>
           </p:cNvPicPr>
-          <p:nvPr/>
+          <p:nvPr>
+            <p:ph idx="1"/>
+          </p:nvPr>
         </p:nvPicPr>
         <p:blipFill>
-          <a:blip r:embed="rId3" cstate="print">
+          <a:blip r:embed="rId2">
             <a:extLst>
               <a:ext uri="{28A0092B-C50C-407E-A947-70E740481C1C}">
                 <a14:useLocalDpi xmlns:a14="http://schemas.microsoft.com/office/drawing/2010/main" val="0"/>
               </a:ext>
             </a:extLst>
           </a:blip>
-          <a:srcRect/>
           <a:stretch>
             <a:fillRect/>
           </a:stretch>
         </p:blipFill>
-        <p:spPr bwMode="auto">
-          <a:xfrm>
-            <a:off x="6120291" y="3848968"/>
-            <a:ext cx="936104" cy="936104"/>
-          </a:xfrm>
-          <a:prstGeom prst="rect">
+        <p:spPr>
+          <a:xfrm>
+            <a:off x="179512" y="2127889"/>
+            <a:ext cx="8085584" cy="2669263"/>
+          </a:xfrm>
+        </p:spPr>
+      </p:pic>
+      <p:sp>
+        <p:nvSpPr>
+          <p:cNvPr id="6" name="矢印: 下 5"/>
+          <p:cNvSpPr/>
+          <p:nvPr/>
+        </p:nvSpPr>
+        <p:spPr>
+          <a:xfrm>
+            <a:off x="3851920" y="3356992"/>
+            <a:ext cx="720080" cy="288032"/>
+          </a:xfrm>
+          <a:prstGeom prst="downArrow">
             <a:avLst/>
           </a:prstGeom>
-          <a:noFill/>
-          <a:extLst>
-            <a:ext uri="{909E8E84-426E-40DD-AFC4-6F175D3DCCD1}">
-              <a14:hiddenFill xmlns:a14="http://schemas.microsoft.com/office/drawing/2010/main">
-                <a:solidFill>
-                  <a:srgbClr val="FFFFFF"/>
-                </a:solidFill>
-              </a14:hiddenFill>
-            </a:ext>
-          </a:extLst>
-        </p:spPr>
-      </p:pic>
-      <p:pic>
-        <p:nvPicPr>
-          <p:cNvPr id="28" name="Picture 5" descr="C:\Users\tetsuya\AppData\Local\Microsoft\Windows\INetCache\IE\2BC5JMJI\sgi01a201310150600[1].jpg"/>
-          <p:cNvPicPr>
-            <a:picLocks noChangeAspect="1" noChangeArrowheads="1"/>
-          </p:cNvPicPr>
-          <p:nvPr/>
-        </p:nvPicPr>
-        <p:blipFill>
-          <a:blip r:embed="rId4" cstate="print">
-            <a:extLst>
-              <a:ext uri="{28A0092B-C50C-407E-A947-70E740481C1C}">
-                <a14:useLocalDpi xmlns:a14="http://schemas.microsoft.com/office/drawing/2010/main" val="0"/>
-              </a:ext>
-            </a:extLst>
-          </a:blip>
-          <a:srcRect/>
-          <a:stretch>
-            <a:fillRect/>
-          </a:stretch>
-        </p:blipFill>
-        <p:spPr bwMode="auto">
-          <a:xfrm>
-            <a:off x="5868144" y="3628380"/>
-            <a:ext cx="463488" cy="463488"/>
-          </a:xfrm>
-          <a:prstGeom prst="rect">
-            <a:avLst/>
-          </a:prstGeom>
-          <a:noFill/>
-          <a:extLst>
-            <a:ext uri="{909E8E84-426E-40DD-AFC4-6F175D3DCCD1}">
-              <a14:hiddenFill xmlns:a14="http://schemas.microsoft.com/office/drawing/2010/main">
-                <a:solidFill>
-                  <a:srgbClr val="FFFFFF"/>
-                </a:solidFill>
-              </a14:hiddenFill>
-            </a:ext>
-          </a:extLst>
-        </p:spPr>
-      </p:pic>
-      <p:pic>
-        <p:nvPicPr>
-          <p:cNvPr id="32" name="Picture 3" descr="C:\Users\tetsuya\AppData\Local\Microsoft\Windows\INetCache\IE\9PQUV042\sgi01a201409121600[1].jpg"/>
-          <p:cNvPicPr>
-            <a:picLocks noChangeAspect="1" noChangeArrowheads="1"/>
-          </p:cNvPicPr>
-          <p:nvPr/>
-        </p:nvPicPr>
-        <p:blipFill>
-          <a:blip r:embed="rId3" cstate="print">
-            <a:extLst>
-              <a:ext uri="{28A0092B-C50C-407E-A947-70E740481C1C}">
-                <a14:useLocalDpi xmlns:a14="http://schemas.microsoft.com/office/drawing/2010/main" val="0"/>
-              </a:ext>
-            </a:extLst>
-          </a:blip>
-          <a:srcRect/>
-          <a:stretch>
-            <a:fillRect/>
-          </a:stretch>
-        </p:blipFill>
-        <p:spPr bwMode="auto">
-          <a:xfrm>
-            <a:off x="5148064" y="4492476"/>
-            <a:ext cx="936104" cy="936104"/>
-          </a:xfrm>
-          <a:prstGeom prst="rect">
-            <a:avLst/>
-          </a:prstGeom>
-          <a:noFill/>
-          <a:extLst>
-            <a:ext uri="{909E8E84-426E-40DD-AFC4-6F175D3DCCD1}">
-              <a14:hiddenFill xmlns:a14="http://schemas.microsoft.com/office/drawing/2010/main">
-                <a:solidFill>
-                  <a:srgbClr val="FFFFFF"/>
-                </a:solidFill>
-              </a14:hiddenFill>
-            </a:ext>
-          </a:extLst>
-        </p:spPr>
-      </p:pic>
-      <p:sp>
-        <p:nvSpPr>
-          <p:cNvPr id="2" name="コンテンツ プレースホルダー 1"/>
-          <p:cNvSpPr>
-            <a:spLocks noGrp="1"/>
-          </p:cNvSpPr>
-          <p:nvPr>
-            <p:ph idx="1"/>
-          </p:nvPr>
-        </p:nvSpPr>
-        <p:spPr>
-          <a:xfrm>
-            <a:off x="158824" y="1196752"/>
-            <a:ext cx="8854208" cy="5210559"/>
-          </a:xfrm>
-        </p:spPr>
-        <p:txBody>
-          <a:bodyPr/>
-          <a:lstStyle/>
-          <a:p>
-            <a:r>
-              <a:rPr lang="en-US" altLang="ja-JP" dirty="0"/>
-              <a:t>If the sequences of states can be used for learning, the method can learn this task as the sequence of relationship. </a:t>
-            </a:r>
-          </a:p>
-          <a:p>
-            <a:r>
-              <a:rPr lang="en-US" altLang="ja-JP" dirty="0"/>
-              <a:t>But, it has to be considered which (i.e. when) states are need for learn.</a:t>
-            </a:r>
-          </a:p>
-        </p:txBody>
-      </p:sp>
-      <p:sp>
-        <p:nvSpPr>
-          <p:cNvPr id="3" name="タイトル 2"/>
-          <p:cNvSpPr>
-            <a:spLocks noGrp="1"/>
-          </p:cNvSpPr>
-          <p:nvPr>
-            <p:ph type="title"/>
-          </p:nvPr>
-        </p:nvSpPr>
-        <p:spPr/>
-        <p:txBody>
-          <a:bodyPr/>
-          <a:lstStyle/>
-          <a:p>
-            <a:r>
-              <a:rPr kumimoji="1" lang="en-US" altLang="ja-JP" dirty="0"/>
-              <a:t>Problem</a:t>
-            </a:r>
-            <a:r>
-              <a:rPr kumimoji="1" lang="ja-JP" altLang="en-US" dirty="0"/>
-              <a:t> </a:t>
-            </a:r>
-            <a:r>
-              <a:rPr kumimoji="1" lang="en-US" altLang="ja-JP" dirty="0"/>
-              <a:t>of</a:t>
-            </a:r>
-            <a:r>
-              <a:rPr kumimoji="1" lang="ja-JP" altLang="en-US" dirty="0"/>
-              <a:t> </a:t>
-            </a:r>
-            <a:r>
-              <a:rPr kumimoji="1" lang="en-US" altLang="ja-JP" dirty="0"/>
-              <a:t>previous</a:t>
-            </a:r>
-            <a:r>
-              <a:rPr kumimoji="1" lang="ja-JP" altLang="en-US" dirty="0"/>
-              <a:t> </a:t>
-            </a:r>
-            <a:r>
-              <a:rPr kumimoji="1" lang="en-US" altLang="ja-JP" dirty="0"/>
-              <a:t>work</a:t>
-            </a:r>
-            <a:endParaRPr kumimoji="1" lang="ja-JP" altLang="en-US" dirty="0"/>
-          </a:p>
-        </p:txBody>
-      </p:sp>
-      <p:pic>
-        <p:nvPicPr>
-          <p:cNvPr id="6" name="Picture 3" descr="C:\Users\tetsuya\AppData\Local\Microsoft\Windows\INetCache\IE\9PQUV042\sgi01a201409121600[1].jpg"/>
-          <p:cNvPicPr>
-            <a:picLocks noChangeAspect="1" noChangeArrowheads="1"/>
-          </p:cNvPicPr>
-          <p:nvPr/>
-        </p:nvPicPr>
-        <p:blipFill>
-          <a:blip r:embed="rId3" cstate="print">
-            <a:extLst>
-              <a:ext uri="{28A0092B-C50C-407E-A947-70E740481C1C}">
-                <a14:useLocalDpi xmlns:a14="http://schemas.microsoft.com/office/drawing/2010/main" val="0"/>
-              </a:ext>
-            </a:extLst>
-          </a:blip>
-          <a:srcRect/>
-          <a:stretch>
-            <a:fillRect/>
-          </a:stretch>
-        </p:blipFill>
-        <p:spPr bwMode="auto">
-          <a:xfrm>
-            <a:off x="539552" y="5589240"/>
-            <a:ext cx="936104" cy="936104"/>
-          </a:xfrm>
-          <a:prstGeom prst="rect">
-            <a:avLst/>
-          </a:prstGeom>
-          <a:noFill/>
-          <a:extLst>
-            <a:ext uri="{909E8E84-426E-40DD-AFC4-6F175D3DCCD1}">
-              <a14:hiddenFill xmlns:a14="http://schemas.microsoft.com/office/drawing/2010/main">
-                <a:solidFill>
-                  <a:srgbClr val="FFFFFF"/>
-                </a:solidFill>
-              </a14:hiddenFill>
-            </a:ext>
-          </a:extLst>
-        </p:spPr>
-      </p:pic>
-      <p:pic>
-        <p:nvPicPr>
-          <p:cNvPr id="7" name="Picture 5" descr="C:\Users\tetsuya\AppData\Local\Microsoft\Windows\INetCache\IE\2BC5JMJI\sgi01a201310150600[1].jpg"/>
-          <p:cNvPicPr>
-            <a:picLocks noChangeAspect="1" noChangeArrowheads="1"/>
-          </p:cNvPicPr>
-          <p:nvPr/>
-        </p:nvPicPr>
-        <p:blipFill>
-          <a:blip r:embed="rId5" cstate="print">
-            <a:extLst>
-              <a:ext uri="{28A0092B-C50C-407E-A947-70E740481C1C}">
-                <a14:useLocalDpi xmlns:a14="http://schemas.microsoft.com/office/drawing/2010/main" val="0"/>
-              </a:ext>
-            </a:extLst>
-          </a:blip>
-          <a:srcRect/>
-          <a:stretch>
-            <a:fillRect/>
-          </a:stretch>
-        </p:blipFill>
-        <p:spPr bwMode="auto">
-          <a:xfrm>
-            <a:off x="787882" y="4297607"/>
-            <a:ext cx="463488" cy="463488"/>
-          </a:xfrm>
-          <a:prstGeom prst="rect">
-            <a:avLst/>
-          </a:prstGeom>
-          <a:noFill/>
-          <a:extLst>
-            <a:ext uri="{909E8E84-426E-40DD-AFC4-6F175D3DCCD1}">
-              <a14:hiddenFill xmlns:a14="http://schemas.microsoft.com/office/drawing/2010/main">
-                <a:solidFill>
-                  <a:srgbClr val="FFFFFF"/>
-                </a:solidFill>
-              </a14:hiddenFill>
-            </a:ext>
-          </a:extLst>
-        </p:spPr>
-      </p:pic>
-      <p:pic>
-        <p:nvPicPr>
-          <p:cNvPr id="11" name="Picture 5" descr="C:\Users\tetsuya\AppData\Local\Microsoft\Windows\INetCache\IE\2BC5JMJI\sgi01a201310150600[1].jpg"/>
-          <p:cNvPicPr>
-            <a:picLocks noChangeAspect="1" noChangeArrowheads="1"/>
-          </p:cNvPicPr>
-          <p:nvPr/>
-        </p:nvPicPr>
-        <p:blipFill>
-          <a:blip r:embed="rId4" cstate="print">
-            <a:extLst>
-              <a:ext uri="{28A0092B-C50C-407E-A947-70E740481C1C}">
-                <a14:useLocalDpi xmlns:a14="http://schemas.microsoft.com/office/drawing/2010/main" val="0"/>
-              </a:ext>
-            </a:extLst>
-          </a:blip>
-          <a:srcRect/>
-          <a:stretch>
-            <a:fillRect/>
-          </a:stretch>
-        </p:blipFill>
-        <p:spPr bwMode="auto">
-          <a:xfrm>
-            <a:off x="2771800" y="4317020"/>
-            <a:ext cx="463488" cy="463488"/>
-          </a:xfrm>
-          <a:prstGeom prst="rect">
-            <a:avLst/>
-          </a:prstGeom>
-          <a:noFill/>
-          <a:extLst>
-            <a:ext uri="{909E8E84-426E-40DD-AFC4-6F175D3DCCD1}">
-              <a14:hiddenFill xmlns:a14="http://schemas.microsoft.com/office/drawing/2010/main">
-                <a:solidFill>
-                  <a:srgbClr val="FFFFFF"/>
-                </a:solidFill>
-              </a14:hiddenFill>
-            </a:ext>
-          </a:extLst>
-        </p:spPr>
-      </p:pic>
-      <p:sp>
-        <p:nvSpPr>
-          <p:cNvPr id="12" name="正方形/長方形 11"/>
-          <p:cNvSpPr/>
-          <p:nvPr/>
-        </p:nvSpPr>
-        <p:spPr>
-          <a:xfrm>
-            <a:off x="467544" y="4182745"/>
-            <a:ext cx="936104" cy="669771"/>
-          </a:xfrm>
-          <a:prstGeom prst="rect">
-            <a:avLst/>
-          </a:prstGeom>
-          <a:solidFill>
-            <a:schemeClr val="bg1">
-              <a:alpha val="75000"/>
-            </a:schemeClr>
-          </a:solidFill>
-          <a:ln>
-            <a:noFill/>
-          </a:ln>
         </p:spPr>
         <p:style>
           <a:lnRef idx="2">
@@ -15167,24 +16111,92 @@
           <a:lstStyle/>
           <a:p>
             <a:pPr algn="ctr"/>
-            <a:endParaRPr kumimoji="1" lang="ja-JP" altLang="en-US" dirty="0"/>
-          </a:p>
-        </p:txBody>
-      </p:sp>
-      <p:sp>
-        <p:nvSpPr>
-          <p:cNvPr id="14" name="矢印: 右 13"/>
+            <a:endParaRPr kumimoji="1" lang="ja-JP" altLang="en-US"/>
+          </a:p>
+        </p:txBody>
+      </p:sp>
+      <p:pic>
+        <p:nvPicPr>
+          <p:cNvPr id="8" name="図 7"/>
+          <p:cNvPicPr>
+            <a:picLocks noChangeAspect="1"/>
+          </p:cNvPicPr>
+          <p:nvPr/>
+        </p:nvPicPr>
+        <p:blipFill>
+          <a:blip r:embed="rId3" cstate="print">
+            <a:extLst>
+              <a:ext uri="{28A0092B-C50C-407E-A947-70E740481C1C}">
+                <a14:useLocalDpi xmlns:a14="http://schemas.microsoft.com/office/drawing/2010/main" val="0"/>
+              </a:ext>
+            </a:extLst>
+          </a:blip>
+          <a:stretch>
+            <a:fillRect/>
+          </a:stretch>
+        </p:blipFill>
+        <p:spPr>
+          <a:xfrm>
+            <a:off x="326512" y="3645024"/>
+            <a:ext cx="3525408" cy="945571"/>
+          </a:xfrm>
+          <a:prstGeom prst="rect">
+            <a:avLst/>
+          </a:prstGeom>
+        </p:spPr>
+      </p:pic>
+      <p:pic>
+        <p:nvPicPr>
+          <p:cNvPr id="12" name="図 11"/>
+          <p:cNvPicPr>
+            <a:picLocks noChangeAspect="1"/>
+          </p:cNvPicPr>
+          <p:nvPr/>
+        </p:nvPicPr>
+        <p:blipFill>
+          <a:blip r:embed="rId4" cstate="print">
+            <a:extLst>
+              <a:ext uri="{28A0092B-C50C-407E-A947-70E740481C1C}">
+                <a14:useLocalDpi xmlns:a14="http://schemas.microsoft.com/office/drawing/2010/main" val="0"/>
+              </a:ext>
+            </a:extLst>
+          </a:blip>
+          <a:stretch>
+            <a:fillRect/>
+          </a:stretch>
+        </p:blipFill>
+        <p:spPr>
+          <a:xfrm>
+            <a:off x="5086539" y="5461155"/>
+            <a:ext cx="3877949" cy="1280213"/>
+          </a:xfrm>
+          <a:prstGeom prst="rect">
+            <a:avLst/>
+          </a:prstGeom>
+        </p:spPr>
+      </p:pic>
+      <p:sp>
+        <p:nvSpPr>
+          <p:cNvPr id="14" name="正方形/長方形 13"/>
           <p:cNvSpPr/>
           <p:nvPr/>
         </p:nvSpPr>
         <p:spPr>
           <a:xfrm>
-            <a:off x="3923928" y="4351922"/>
-            <a:ext cx="576064" cy="504056"/>
-          </a:xfrm>
-          <a:prstGeom prst="rightArrow">
+            <a:off x="-108520" y="44624"/>
+            <a:ext cx="9361040" cy="6984776"/>
+          </a:xfrm>
+          <a:prstGeom prst="rect">
             <a:avLst/>
           </a:prstGeom>
+          <a:solidFill>
+            <a:schemeClr val="bg1">
+              <a:alpha val="95000"/>
+            </a:schemeClr>
+          </a:solidFill>
+          <a:ln>
+            <a:noFill/>
+          </a:ln>
         </p:spPr>
         <p:style>
           <a:lnRef idx="2">
@@ -15207,73 +16219,67 @@
           <a:lstStyle/>
           <a:p>
             <a:pPr algn="ctr"/>
-            <a:endParaRPr kumimoji="1" lang="ja-JP" altLang="en-US" dirty="0"/>
+            <a:endParaRPr kumimoji="1" lang="ja-JP" altLang="en-US"/>
           </a:p>
         </p:txBody>
       </p:sp>
       <p:pic>
         <p:nvPicPr>
-          <p:cNvPr id="19" name="Picture 5" descr="C:\Users\tetsuya\AppData\Local\Microsoft\Windows\INetCache\IE\2BC5JMJI\sgi01a201310150600[1].jpg"/>
+          <p:cNvPr id="10" name="図 9"/>
           <p:cNvPicPr>
-            <a:picLocks noChangeAspect="1" noChangeArrowheads="1"/>
+            <a:picLocks noChangeAspect="1"/>
           </p:cNvPicPr>
           <p:nvPr/>
         </p:nvPicPr>
         <p:blipFill>
-          <a:blip r:embed="rId4" cstate="print">
+          <a:blip r:embed="rId5" cstate="print">
             <a:extLst>
               <a:ext uri="{28A0092B-C50C-407E-A947-70E740481C1C}">
                 <a14:useLocalDpi xmlns:a14="http://schemas.microsoft.com/office/drawing/2010/main" val="0"/>
               </a:ext>
             </a:extLst>
           </a:blip>
-          <a:srcRect/>
           <a:stretch>
             <a:fillRect/>
           </a:stretch>
         </p:blipFill>
-        <p:spPr bwMode="auto">
-          <a:xfrm>
-            <a:off x="1763688" y="3628380"/>
-            <a:ext cx="463488" cy="463488"/>
+        <p:spPr>
+          <a:xfrm>
+            <a:off x="2486752" y="4766210"/>
+            <a:ext cx="3525408" cy="967046"/>
+          </a:xfrm>
+          <a:prstGeom prst="rect">
+            <a:avLst/>
+          </a:prstGeom>
+        </p:spPr>
+      </p:pic>
+      <p:sp>
+        <p:nvSpPr>
+          <p:cNvPr id="13" name="正方形/長方形 12"/>
+          <p:cNvSpPr/>
+          <p:nvPr/>
+        </p:nvSpPr>
+        <p:spPr>
+          <a:xfrm>
+            <a:off x="2051720" y="4590595"/>
+            <a:ext cx="4176464" cy="1286677"/>
           </a:xfrm>
           <a:prstGeom prst="rect">
             <a:avLst/>
           </a:prstGeom>
           <a:noFill/>
-          <a:extLst>
-            <a:ext uri="{909E8E84-426E-40DD-AFC4-6F175D3DCCD1}">
-              <a14:hiddenFill xmlns:a14="http://schemas.microsoft.com/office/drawing/2010/main">
-                <a:solidFill>
-                  <a:srgbClr val="FFFFFF"/>
-                </a:solidFill>
-              </a14:hiddenFill>
-            </a:ext>
-          </a:extLst>
-        </p:spPr>
-      </p:pic>
-      <p:sp>
-        <p:nvSpPr>
-          <p:cNvPr id="22" name="正方形/長方形 21"/>
-          <p:cNvSpPr/>
-          <p:nvPr/>
-        </p:nvSpPr>
-        <p:spPr>
-          <a:xfrm>
-            <a:off x="1475656" y="3484364"/>
-            <a:ext cx="936104" cy="669771"/>
-          </a:xfrm>
-          <a:prstGeom prst="rect">
-            <a:avLst/>
-          </a:prstGeom>
-          <a:solidFill>
-            <a:schemeClr val="bg1">
-              <a:alpha val="75000"/>
-            </a:schemeClr>
-          </a:solidFill>
-          <a:ln>
-            <a:noFill/>
+          <a:ln w="44450" cmpd="sng">
+            <a:solidFill>
+              <a:srgbClr val="FF0000"/>
+            </a:solidFill>
           </a:ln>
+          <a:effectLst>
+            <a:outerShdw blurRad="50800" dist="38100" dir="2700000" algn="tl" rotWithShape="0">
+              <a:prstClr val="black">
+                <a:alpha val="40000"/>
+              </a:prstClr>
+            </a:outerShdw>
+          </a:effectLst>
         </p:spPr>
         <p:style>
           <a:lnRef idx="2">
@@ -15296,450 +16302,48 @@
           <a:lstStyle/>
           <a:p>
             <a:pPr algn="ctr"/>
+            <a:endParaRPr kumimoji="1" lang="ja-JP" altLang="en-US"/>
+          </a:p>
+        </p:txBody>
+      </p:sp>
+      <p:sp>
+        <p:nvSpPr>
+          <p:cNvPr id="3" name="タイトル 2"/>
+          <p:cNvSpPr>
+            <a:spLocks noGrp="1"/>
+          </p:cNvSpPr>
+          <p:nvPr>
+            <p:ph type="title"/>
+          </p:nvPr>
+        </p:nvSpPr>
+        <p:spPr/>
+        <p:txBody>
+          <a:bodyPr/>
+          <a:lstStyle/>
+          <a:p>
+            <a:r>
+              <a:rPr lang="en-US" altLang="ja-JP" dirty="0"/>
+              <a:t>Problem of previous work</a:t>
+            </a:r>
             <a:endParaRPr kumimoji="1" lang="ja-JP" altLang="en-US" dirty="0"/>
           </a:p>
         </p:txBody>
       </p:sp>
-      <p:pic>
-        <p:nvPicPr>
-          <p:cNvPr id="13" name="Picture 6" descr="C:\Users\tetsuya\AppData\Local\Microsoft\Windows\INetCache\IE\9LV0U1RZ\arrow-curved-blue[1].png"/>
-          <p:cNvPicPr>
-            <a:picLocks noChangeAspect="1" noChangeArrowheads="1"/>
-          </p:cNvPicPr>
+      <p:sp>
+        <p:nvSpPr>
+          <p:cNvPr id="15" name="テキスト ボックス 14"/>
+          <p:cNvSpPr txBox="1"/>
           <p:nvPr/>
-        </p:nvPicPr>
-        <p:blipFill>
-          <a:blip r:embed="rId6" cstate="print">
-            <a:extLst>
-              <a:ext uri="{28A0092B-C50C-407E-A947-70E740481C1C}">
-                <a14:useLocalDpi xmlns:a14="http://schemas.microsoft.com/office/drawing/2010/main" val="0"/>
-              </a:ext>
-            </a:extLst>
-          </a:blip>
-          <a:srcRect/>
-          <a:stretch>
-            <a:fillRect/>
-          </a:stretch>
-        </p:blipFill>
-        <p:spPr bwMode="auto">
-          <a:xfrm rot="8354884" flipH="1" flipV="1">
-            <a:off x="1080516" y="3806328"/>
-            <a:ext cx="516508" cy="266878"/>
+        </p:nvSpPr>
+        <p:spPr>
+          <a:xfrm>
+            <a:off x="326512" y="1556792"/>
+            <a:ext cx="8360288" cy="1261884"/>
           </a:xfrm>
           <a:prstGeom prst="rect">
             <a:avLst/>
           </a:prstGeom>
           <a:noFill/>
-          <a:extLst>
-            <a:ext uri="{909E8E84-426E-40DD-AFC4-6F175D3DCCD1}">
-              <a14:hiddenFill xmlns:a14="http://schemas.microsoft.com/office/drawing/2010/main">
-                <a:solidFill>
-                  <a:srgbClr val="FFFFFF"/>
-                </a:solidFill>
-              </a14:hiddenFill>
-            </a:ext>
-          </a:extLst>
-        </p:spPr>
-      </p:pic>
-      <p:pic>
-        <p:nvPicPr>
-          <p:cNvPr id="23" name="Picture 6" descr="C:\Users\tetsuya\AppData\Local\Microsoft\Windows\INetCache\IE\9LV0U1RZ\arrow-curved-blue[1].png"/>
-          <p:cNvPicPr>
-            <a:picLocks noChangeAspect="1" noChangeArrowheads="1"/>
-          </p:cNvPicPr>
-          <p:nvPr/>
-        </p:nvPicPr>
-        <p:blipFill>
-          <a:blip r:embed="rId6" cstate="print">
-            <a:extLst>
-              <a:ext uri="{28A0092B-C50C-407E-A947-70E740481C1C}">
-                <a14:useLocalDpi xmlns:a14="http://schemas.microsoft.com/office/drawing/2010/main" val="0"/>
-              </a:ext>
-            </a:extLst>
-          </a:blip>
-          <a:srcRect/>
-          <a:stretch>
-            <a:fillRect/>
-          </a:stretch>
-        </p:blipFill>
-        <p:spPr bwMode="auto">
-          <a:xfrm rot="13312511" flipH="1" flipV="1">
-            <a:off x="2415143" y="3777560"/>
-            <a:ext cx="516508" cy="266878"/>
-          </a:xfrm>
-          <a:prstGeom prst="rect">
-            <a:avLst/>
-          </a:prstGeom>
-          <a:noFill/>
-          <a:extLst>
-            <a:ext uri="{909E8E84-426E-40DD-AFC4-6F175D3DCCD1}">
-              <a14:hiddenFill xmlns:a14="http://schemas.microsoft.com/office/drawing/2010/main">
-                <a:solidFill>
-                  <a:srgbClr val="FFFFFF"/>
-                </a:solidFill>
-              </a14:hiddenFill>
-            </a:ext>
-          </a:extLst>
-        </p:spPr>
-      </p:pic>
-      <p:pic>
-        <p:nvPicPr>
-          <p:cNvPr id="24" name="Picture 5" descr="C:\Users\tetsuya\AppData\Local\Microsoft\Windows\INetCache\IE\2BC5JMJI\sgi01a201310150600[1].jpg"/>
-          <p:cNvPicPr>
-            <a:picLocks noChangeAspect="1" noChangeArrowheads="1"/>
-          </p:cNvPicPr>
-          <p:nvPr/>
-        </p:nvPicPr>
-        <p:blipFill>
-          <a:blip r:embed="rId5" cstate="print">
-            <a:extLst>
-              <a:ext uri="{28A0092B-C50C-407E-A947-70E740481C1C}">
-                <a14:useLocalDpi xmlns:a14="http://schemas.microsoft.com/office/drawing/2010/main" val="0"/>
-              </a:ext>
-            </a:extLst>
-          </a:blip>
-          <a:srcRect/>
-          <a:stretch>
-            <a:fillRect/>
-          </a:stretch>
-        </p:blipFill>
-        <p:spPr bwMode="auto">
-          <a:xfrm>
-            <a:off x="4892338" y="4297607"/>
-            <a:ext cx="463488" cy="463488"/>
-          </a:xfrm>
-          <a:prstGeom prst="rect">
-            <a:avLst/>
-          </a:prstGeom>
-          <a:noFill/>
-          <a:extLst>
-            <a:ext uri="{909E8E84-426E-40DD-AFC4-6F175D3DCCD1}">
-              <a14:hiddenFill xmlns:a14="http://schemas.microsoft.com/office/drawing/2010/main">
-                <a:solidFill>
-                  <a:srgbClr val="FFFFFF"/>
-                </a:solidFill>
-              </a14:hiddenFill>
-            </a:ext>
-          </a:extLst>
-        </p:spPr>
-      </p:pic>
-      <p:sp>
-        <p:nvSpPr>
-          <p:cNvPr id="27" name="正方形/長方形 26"/>
-          <p:cNvSpPr/>
-          <p:nvPr/>
-        </p:nvSpPr>
-        <p:spPr>
-          <a:xfrm>
-            <a:off x="4795152" y="3042644"/>
-            <a:ext cx="2441143" cy="2457944"/>
-          </a:xfrm>
-          <a:prstGeom prst="rect">
-            <a:avLst/>
-          </a:prstGeom>
-          <a:solidFill>
-            <a:schemeClr val="bg1">
-              <a:alpha val="75000"/>
-            </a:schemeClr>
-          </a:solidFill>
-          <a:ln>
-            <a:noFill/>
-          </a:ln>
-        </p:spPr>
-        <p:style>
-          <a:lnRef idx="2">
-            <a:schemeClr val="accent1">
-              <a:shade val="50000"/>
-            </a:schemeClr>
-          </a:lnRef>
-          <a:fillRef idx="1">
-            <a:schemeClr val="accent1"/>
-          </a:fillRef>
-          <a:effectRef idx="0">
-            <a:schemeClr val="accent1"/>
-          </a:effectRef>
-          <a:fontRef idx="minor">
-            <a:schemeClr val="lt1"/>
-          </a:fontRef>
-        </p:style>
-        <p:txBody>
-          <a:bodyPr rtlCol="0" anchor="ctr"/>
-          <a:lstStyle/>
-          <a:p>
-            <a:pPr algn="ctr"/>
-            <a:endParaRPr kumimoji="1" lang="ja-JP" altLang="en-US" dirty="0"/>
-          </a:p>
-        </p:txBody>
-      </p:sp>
-      <p:pic>
-        <p:nvPicPr>
-          <p:cNvPr id="30" name="Picture 6" descr="C:\Users\tetsuya\AppData\Local\Microsoft\Windows\INetCache\IE\9LV0U1RZ\arrow-curved-blue[1].png"/>
-          <p:cNvPicPr>
-            <a:picLocks noChangeAspect="1" noChangeArrowheads="1"/>
-          </p:cNvPicPr>
-          <p:nvPr/>
-        </p:nvPicPr>
-        <p:blipFill>
-          <a:blip r:embed="rId6" cstate="print">
-            <a:extLst>
-              <a:ext uri="{28A0092B-C50C-407E-A947-70E740481C1C}">
-                <a14:useLocalDpi xmlns:a14="http://schemas.microsoft.com/office/drawing/2010/main" val="0"/>
-              </a:ext>
-            </a:extLst>
-          </a:blip>
-          <a:srcRect/>
-          <a:stretch>
-            <a:fillRect/>
-          </a:stretch>
-        </p:blipFill>
-        <p:spPr bwMode="auto">
-          <a:xfrm rot="8354884" flipH="1" flipV="1">
-            <a:off x="5184972" y="3806328"/>
-            <a:ext cx="516508" cy="266878"/>
-          </a:xfrm>
-          <a:prstGeom prst="rect">
-            <a:avLst/>
-          </a:prstGeom>
-          <a:noFill/>
-          <a:extLst>
-            <a:ext uri="{909E8E84-426E-40DD-AFC4-6F175D3DCCD1}">
-              <a14:hiddenFill xmlns:a14="http://schemas.microsoft.com/office/drawing/2010/main">
-                <a:solidFill>
-                  <a:srgbClr val="FFFFFF"/>
-                </a:solidFill>
-              </a14:hiddenFill>
-            </a:ext>
-          </a:extLst>
-        </p:spPr>
-      </p:pic>
-      <p:pic>
-        <p:nvPicPr>
-          <p:cNvPr id="31" name="Picture 6" descr="C:\Users\tetsuya\AppData\Local\Microsoft\Windows\INetCache\IE\9LV0U1RZ\arrow-curved-blue[1].png"/>
-          <p:cNvPicPr>
-            <a:picLocks noChangeAspect="1" noChangeArrowheads="1"/>
-          </p:cNvPicPr>
-          <p:nvPr/>
-        </p:nvPicPr>
-        <p:blipFill>
-          <a:blip r:embed="rId6" cstate="print">
-            <a:extLst>
-              <a:ext uri="{28A0092B-C50C-407E-A947-70E740481C1C}">
-                <a14:useLocalDpi xmlns:a14="http://schemas.microsoft.com/office/drawing/2010/main" val="0"/>
-              </a:ext>
-            </a:extLst>
-          </a:blip>
-          <a:srcRect/>
-          <a:stretch>
-            <a:fillRect/>
-          </a:stretch>
-        </p:blipFill>
-        <p:spPr bwMode="auto">
-          <a:xfrm rot="13312511" flipH="1" flipV="1">
-            <a:off x="6519599" y="3777560"/>
-            <a:ext cx="516508" cy="266878"/>
-          </a:xfrm>
-          <a:prstGeom prst="rect">
-            <a:avLst/>
-          </a:prstGeom>
-          <a:noFill/>
-          <a:extLst>
-            <a:ext uri="{909E8E84-426E-40DD-AFC4-6F175D3DCCD1}">
-              <a14:hiddenFill xmlns:a14="http://schemas.microsoft.com/office/drawing/2010/main">
-                <a:solidFill>
-                  <a:srgbClr val="FFFFFF"/>
-                </a:solidFill>
-              </a14:hiddenFill>
-            </a:ext>
-          </a:extLst>
-        </p:spPr>
-      </p:pic>
-      <p:pic>
-        <p:nvPicPr>
-          <p:cNvPr id="34" name="Picture 3" descr="C:\Users\tetsuya\AppData\Local\Microsoft\Windows\INetCache\IE\9PQUV042\sgi01a201409121600[1].jpg"/>
-          <p:cNvPicPr>
-            <a:picLocks noChangeAspect="1" noChangeArrowheads="1"/>
-          </p:cNvPicPr>
-          <p:nvPr/>
-        </p:nvPicPr>
-        <p:blipFill>
-          <a:blip r:embed="rId3" cstate="print">
-            <a:extLst>
-              <a:ext uri="{28A0092B-C50C-407E-A947-70E740481C1C}">
-                <a14:useLocalDpi xmlns:a14="http://schemas.microsoft.com/office/drawing/2010/main" val="0"/>
-              </a:ext>
-            </a:extLst>
-          </a:blip>
-          <a:srcRect/>
-          <a:stretch>
-            <a:fillRect/>
-          </a:stretch>
-        </p:blipFill>
-        <p:spPr bwMode="auto">
-          <a:xfrm>
-            <a:off x="7092280" y="4492476"/>
-            <a:ext cx="936104" cy="936104"/>
-          </a:xfrm>
-          <a:prstGeom prst="rect">
-            <a:avLst/>
-          </a:prstGeom>
-          <a:noFill/>
-          <a:extLst>
-            <a:ext uri="{909E8E84-426E-40DD-AFC4-6F175D3DCCD1}">
-              <a14:hiddenFill xmlns:a14="http://schemas.microsoft.com/office/drawing/2010/main">
-                <a:solidFill>
-                  <a:srgbClr val="FFFFFF"/>
-                </a:solidFill>
-              </a14:hiddenFill>
-            </a:ext>
-          </a:extLst>
-        </p:spPr>
-      </p:pic>
-      <p:pic>
-        <p:nvPicPr>
-          <p:cNvPr id="26" name="Picture 5" descr="C:\Users\tetsuya\AppData\Local\Microsoft\Windows\INetCache\IE\2BC5JMJI\sgi01a201310150600[1].jpg"/>
-          <p:cNvPicPr>
-            <a:picLocks noChangeAspect="1" noChangeArrowheads="1"/>
-          </p:cNvPicPr>
-          <p:nvPr/>
-        </p:nvPicPr>
-        <p:blipFill>
-          <a:blip r:embed="rId4" cstate="print">
-            <a:extLst>
-              <a:ext uri="{28A0092B-C50C-407E-A947-70E740481C1C}">
-                <a14:useLocalDpi xmlns:a14="http://schemas.microsoft.com/office/drawing/2010/main" val="0"/>
-              </a:ext>
-            </a:extLst>
-          </a:blip>
-          <a:srcRect/>
-          <a:stretch>
-            <a:fillRect/>
-          </a:stretch>
-        </p:blipFill>
-        <p:spPr bwMode="auto">
-          <a:xfrm>
-            <a:off x="6876256" y="4317020"/>
-            <a:ext cx="463488" cy="463488"/>
-          </a:xfrm>
-          <a:prstGeom prst="rect">
-            <a:avLst/>
-          </a:prstGeom>
-          <a:noFill/>
-          <a:extLst>
-            <a:ext uri="{909E8E84-426E-40DD-AFC4-6F175D3DCCD1}">
-              <a14:hiddenFill xmlns:a14="http://schemas.microsoft.com/office/drawing/2010/main">
-                <a:solidFill>
-                  <a:srgbClr val="FFFFFF"/>
-                </a:solidFill>
-              </a14:hiddenFill>
-            </a:ext>
-          </a:extLst>
-        </p:spPr>
-      </p:pic>
-      <p:pic>
-        <p:nvPicPr>
-          <p:cNvPr id="35" name="図 34" descr="BIG IMAGE (PNG)"/>
-          <p:cNvPicPr>
-            <a:picLocks noChangeAspect="1"/>
-          </p:cNvPicPr>
-          <p:nvPr/>
-        </p:nvPicPr>
-        <p:blipFill>
-          <a:blip r:embed="rId7" cstate="print">
-            <a:extLst>
-              <a:ext uri="{28A0092B-C50C-407E-A947-70E740481C1C}">
-                <a14:useLocalDpi xmlns:a14="http://schemas.microsoft.com/office/drawing/2010/main" val="0"/>
-              </a:ext>
-            </a:extLst>
-          </a:blip>
-          <a:stretch>
-            <a:fillRect/>
-          </a:stretch>
-        </p:blipFill>
-        <p:spPr>
-          <a:xfrm>
-            <a:off x="5796136" y="4348460"/>
-            <a:ext cx="565422" cy="490869"/>
-          </a:xfrm>
-          <a:prstGeom prst="rect">
-            <a:avLst/>
-          </a:prstGeom>
-        </p:spPr>
-      </p:pic>
-      <p:pic>
-        <p:nvPicPr>
-          <p:cNvPr id="36" name="図 35" descr="BIG IMAGE (PNG)"/>
-          <p:cNvPicPr>
-            <a:picLocks noChangeAspect="1"/>
-          </p:cNvPicPr>
-          <p:nvPr/>
-        </p:nvPicPr>
-        <p:blipFill>
-          <a:blip r:embed="rId7" cstate="print">
-            <a:extLst>
-              <a:ext uri="{28A0092B-C50C-407E-A947-70E740481C1C}">
-                <a14:useLocalDpi xmlns:a14="http://schemas.microsoft.com/office/drawing/2010/main" val="0"/>
-              </a:ext>
-            </a:extLst>
-          </a:blip>
-          <a:stretch>
-            <a:fillRect/>
-          </a:stretch>
-        </p:blipFill>
-        <p:spPr>
-          <a:xfrm>
-            <a:off x="1558306" y="4321708"/>
-            <a:ext cx="565422" cy="490869"/>
-          </a:xfrm>
-          <a:prstGeom prst="rect">
-            <a:avLst/>
-          </a:prstGeom>
-        </p:spPr>
-      </p:pic>
-      <p:sp>
-        <p:nvSpPr>
-          <p:cNvPr id="4" name="スライド番号プレースホルダー 3"/>
-          <p:cNvSpPr>
-            <a:spLocks noGrp="1"/>
-          </p:cNvSpPr>
-          <p:nvPr>
-            <p:ph type="sldNum" sz="quarter" idx="12"/>
-          </p:nvPr>
-        </p:nvSpPr>
-        <p:spPr/>
-        <p:txBody>
-          <a:bodyPr/>
-          <a:lstStyle/>
-          <a:p>
-            <a:fld id="{BC410EEA-824F-4D46-AFE7-60426C8C06B0}" type="slidenum">
-              <a:rPr lang="en-US" altLang="ja-JP" smtClean="0"/>
-              <a:pPr/>
-              <a:t>5</a:t>
-            </a:fld>
-            <a:endParaRPr lang="en-US" altLang="en-US" dirty="0"/>
-          </a:p>
-        </p:txBody>
-      </p:sp>
-      <p:sp>
-        <p:nvSpPr>
-          <p:cNvPr id="25" name="テキスト ボックス 24">
-            <a:extLst>
-              <a:ext uri="{FF2B5EF4-FFF2-40B4-BE49-F238E27FC236}">
-                <a16:creationId xmlns:a16="http://schemas.microsoft.com/office/drawing/2014/main" id="{20350656-72E6-456D-BE7C-484A918C9BC5}"/>
-              </a:ext>
-            </a:extLst>
-          </p:cNvPr>
-          <p:cNvSpPr txBox="1"/>
-          <p:nvPr/>
-        </p:nvSpPr>
-        <p:spPr>
-          <a:xfrm>
-            <a:off x="2627784" y="2852936"/>
-            <a:ext cx="5688632" cy="1569660"/>
-          </a:xfrm>
-          <a:prstGeom prst="rect">
-            <a:avLst/>
-          </a:prstGeom>
-          <a:noFill/>
         </p:spPr>
         <p:txBody>
           <a:bodyPr wrap="square" rtlCol="0">
@@ -15748,22 +16352,524 @@
           <a:lstStyle/>
           <a:p>
             <a:r>
-              <a:rPr kumimoji="1" lang="ja-JP" altLang="en-US" sz="4800" dirty="0"/>
-              <a:t>確か前作ったやつに差し替え</a:t>
-            </a:r>
+              <a:rPr kumimoji="1" lang="en-US" altLang="ja-JP" sz="2800" dirty="0"/>
+              <a:t>Getting the “</a:t>
+            </a:r>
+            <a:r>
+              <a:rPr kumimoji="1" lang="en-US" altLang="ja-JP" sz="2800" b="1" dirty="0">
+                <a:solidFill>
+                  <a:srgbClr val="FF0000"/>
+                </a:solidFill>
+              </a:rPr>
+              <a:t>intermediate state</a:t>
+            </a:r>
+            <a:r>
+              <a:rPr kumimoji="1" lang="en-US" altLang="ja-JP" sz="2800" dirty="0"/>
+              <a:t>” of motion sequence.</a:t>
+            </a:r>
+          </a:p>
+          <a:p>
+            <a:r>
+              <a:rPr kumimoji="1" lang="en-US" altLang="ja-JP" sz="2400" dirty="0"/>
+              <a:t>    </a:t>
+            </a:r>
+            <a:r>
+              <a:rPr kumimoji="1" lang="ja-JP" altLang="en-US" sz="2400" dirty="0"/>
+              <a:t>・</a:t>
+            </a:r>
+            <a:r>
+              <a:rPr kumimoji="1" lang="en-US" altLang="ja-JP" sz="2400" dirty="0"/>
+              <a:t>HMM(Encoding) + </a:t>
+            </a:r>
+            <a:r>
+              <a:rPr kumimoji="1" lang="en-US" altLang="ja-JP" sz="2400" dirty="0" err="1"/>
+              <a:t>Ngram</a:t>
+            </a:r>
+            <a:r>
+              <a:rPr kumimoji="1" lang="en-US" altLang="ja-JP" sz="2400" dirty="0"/>
+              <a:t>(Parsing)</a:t>
+            </a:r>
+          </a:p>
+          <a:p>
+            <a:r>
+              <a:rPr kumimoji="1" lang="en-US" altLang="ja-JP" sz="2400" dirty="0"/>
+              <a:t>    </a:t>
+            </a:r>
+            <a:r>
+              <a:rPr kumimoji="1" lang="ja-JP" altLang="en-US" sz="2400" dirty="0"/>
+              <a:t>・</a:t>
+            </a:r>
+            <a:r>
+              <a:rPr kumimoji="1" lang="en-US" altLang="ja-JP" sz="2400" dirty="0"/>
+              <a:t>with DP (HMM </a:t>
+            </a:r>
+            <a:r>
+              <a:rPr kumimoji="1" lang="ja-JP" altLang="en-US" sz="2400" dirty="0"/>
+              <a:t>→ </a:t>
+            </a:r>
+            <a:r>
+              <a:rPr kumimoji="1" lang="en-US" altLang="ja-JP" sz="2400" dirty="0"/>
+              <a:t>HDP-HMM, </a:t>
+            </a:r>
+            <a:r>
+              <a:rPr kumimoji="1" lang="en-US" altLang="ja-JP" sz="2400" dirty="0" err="1"/>
+              <a:t>Ngram</a:t>
+            </a:r>
+            <a:r>
+              <a:rPr kumimoji="1" lang="en-US" altLang="ja-JP" sz="2400" dirty="0"/>
+              <a:t> </a:t>
+            </a:r>
+            <a:r>
+              <a:rPr kumimoji="1" lang="ja-JP" altLang="en-US" sz="2400" dirty="0"/>
+              <a:t>→ </a:t>
+            </a:r>
+            <a:r>
+              <a:rPr kumimoji="1" lang="en-US" altLang="ja-JP" sz="2400" dirty="0"/>
+              <a:t>NPYLM)</a:t>
+            </a:r>
+            <a:endParaRPr kumimoji="1" lang="ja-JP" altLang="en-US" sz="2000" dirty="0"/>
           </a:p>
         </p:txBody>
       </p:sp>
     </p:spTree>
     <p:extLst>
       <p:ext uri="{BB962C8B-B14F-4D97-AF65-F5344CB8AC3E}">
-        <p14:creationId xmlns:p14="http://schemas.microsoft.com/office/powerpoint/2010/main" val="1271315801"/>
+        <p14:creationId xmlns:p14="http://schemas.microsoft.com/office/powerpoint/2010/main" val="364219855"/>
       </p:ext>
     </p:extLst>
   </p:cSld>
   <p:clrMapOvr>
     <a:masterClrMapping/>
   </p:clrMapOvr>
+  <p:timing>
+    <p:tnLst>
+      <p:par>
+        <p:cTn id="1" dur="indefinite" restart="never" nodeType="tmRoot">
+          <p:childTnLst>
+            <p:seq concurrent="1" nextAc="seek">
+              <p:cTn id="2" dur="indefinite" nodeType="mainSeq">
+                <p:childTnLst>
+                  <p:par>
+                    <p:cTn id="3" fill="hold">
+                      <p:stCondLst>
+                        <p:cond delay="indefinite"/>
+                      </p:stCondLst>
+                      <p:childTnLst>
+                        <p:par>
+                          <p:cTn id="4" fill="hold">
+                            <p:stCondLst>
+                              <p:cond delay="0"/>
+                            </p:stCondLst>
+                            <p:childTnLst>
+                              <p:par>
+                                <p:cTn id="5" presetID="42" presetClass="path" presetSubtype="0" accel="50000" decel="50000" fill="hold" nodeType="clickEffect">
+                                  <p:stCondLst>
+                                    <p:cond delay="0"/>
+                                  </p:stCondLst>
+                                  <p:childTnLst>
+                                    <p:animMotion origin="layout" path="M -1.94444E-6 -1.11111E-6 L -0.00104 -0.30926 " pathEditMode="relative" rAng="0" ptsTypes="AA">
+                                      <p:cBhvr>
+                                        <p:cTn id="6" dur="2000" fill="hold"/>
+                                        <p:tgtEl>
+                                          <p:spTgt spid="5"/>
+                                        </p:tgtEl>
+                                        <p:attrNameLst>
+                                          <p:attrName>ppt_x</p:attrName>
+                                          <p:attrName>ppt_y</p:attrName>
+                                        </p:attrNameLst>
+                                      </p:cBhvr>
+                                      <p:rCtr x="-52" y="-15463"/>
+                                    </p:animMotion>
+                                  </p:childTnLst>
+                                </p:cTn>
+                              </p:par>
+                            </p:childTnLst>
+                          </p:cTn>
+                        </p:par>
+                      </p:childTnLst>
+                    </p:cTn>
+                  </p:par>
+                  <p:par>
+                    <p:cTn id="7" fill="hold">
+                      <p:stCondLst>
+                        <p:cond delay="indefinite"/>
+                      </p:stCondLst>
+                      <p:childTnLst>
+                        <p:par>
+                          <p:cTn id="8" fill="hold">
+                            <p:stCondLst>
+                              <p:cond delay="0"/>
+                            </p:stCondLst>
+                            <p:childTnLst>
+                              <p:par>
+                                <p:cTn id="9" presetID="10" presetClass="entr" presetSubtype="0" fill="hold" grpId="0" nodeType="clickEffect">
+                                  <p:stCondLst>
+                                    <p:cond delay="0"/>
+                                  </p:stCondLst>
+                                  <p:childTnLst>
+                                    <p:set>
+                                      <p:cBhvr>
+                                        <p:cTn id="10" dur="1" fill="hold">
+                                          <p:stCondLst>
+                                            <p:cond delay="0"/>
+                                          </p:stCondLst>
+                                        </p:cTn>
+                                        <p:tgtEl>
+                                          <p:spTgt spid="6"/>
+                                        </p:tgtEl>
+                                        <p:attrNameLst>
+                                          <p:attrName>style.visibility</p:attrName>
+                                        </p:attrNameLst>
+                                      </p:cBhvr>
+                                      <p:to>
+                                        <p:strVal val="visible"/>
+                                      </p:to>
+                                    </p:set>
+                                    <p:animEffect transition="in" filter="fade">
+                                      <p:cBhvr>
+                                        <p:cTn id="11" dur="500"/>
+                                        <p:tgtEl>
+                                          <p:spTgt spid="6"/>
+                                        </p:tgtEl>
+                                      </p:cBhvr>
+                                    </p:animEffect>
+                                  </p:childTnLst>
+                                </p:cTn>
+                              </p:par>
+                            </p:childTnLst>
+                          </p:cTn>
+                        </p:par>
+                      </p:childTnLst>
+                    </p:cTn>
+                  </p:par>
+                  <p:par>
+                    <p:cTn id="12" fill="hold">
+                      <p:stCondLst>
+                        <p:cond delay="indefinite"/>
+                      </p:stCondLst>
+                      <p:childTnLst>
+                        <p:par>
+                          <p:cTn id="13" fill="hold">
+                            <p:stCondLst>
+                              <p:cond delay="0"/>
+                            </p:stCondLst>
+                            <p:childTnLst>
+                              <p:par>
+                                <p:cTn id="14" presetID="10" presetClass="entr" presetSubtype="0" fill="hold" nodeType="clickEffect">
+                                  <p:stCondLst>
+                                    <p:cond delay="0"/>
+                                  </p:stCondLst>
+                                  <p:childTnLst>
+                                    <p:set>
+                                      <p:cBhvr>
+                                        <p:cTn id="15" dur="1" fill="hold">
+                                          <p:stCondLst>
+                                            <p:cond delay="0"/>
+                                          </p:stCondLst>
+                                        </p:cTn>
+                                        <p:tgtEl>
+                                          <p:spTgt spid="8"/>
+                                        </p:tgtEl>
+                                        <p:attrNameLst>
+                                          <p:attrName>style.visibility</p:attrName>
+                                        </p:attrNameLst>
+                                      </p:cBhvr>
+                                      <p:to>
+                                        <p:strVal val="visible"/>
+                                      </p:to>
+                                    </p:set>
+                                    <p:animEffect transition="in" filter="fade">
+                                      <p:cBhvr>
+                                        <p:cTn id="16" dur="500"/>
+                                        <p:tgtEl>
+                                          <p:spTgt spid="8"/>
+                                        </p:tgtEl>
+                                      </p:cBhvr>
+                                    </p:animEffect>
+                                  </p:childTnLst>
+                                </p:cTn>
+                              </p:par>
+                            </p:childTnLst>
+                          </p:cTn>
+                        </p:par>
+                        <p:par>
+                          <p:cTn id="17" fill="hold">
+                            <p:stCondLst>
+                              <p:cond delay="500"/>
+                            </p:stCondLst>
+                            <p:childTnLst>
+                              <p:par>
+                                <p:cTn id="18" presetID="10" presetClass="entr" presetSubtype="0" fill="hold" nodeType="afterEffect">
+                                  <p:stCondLst>
+                                    <p:cond delay="0"/>
+                                  </p:stCondLst>
+                                  <p:childTnLst>
+                                    <p:set>
+                                      <p:cBhvr>
+                                        <p:cTn id="19" dur="1" fill="hold">
+                                          <p:stCondLst>
+                                            <p:cond delay="0"/>
+                                          </p:stCondLst>
+                                        </p:cTn>
+                                        <p:tgtEl>
+                                          <p:spTgt spid="10"/>
+                                        </p:tgtEl>
+                                        <p:attrNameLst>
+                                          <p:attrName>style.visibility</p:attrName>
+                                        </p:attrNameLst>
+                                      </p:cBhvr>
+                                      <p:to>
+                                        <p:strVal val="visible"/>
+                                      </p:to>
+                                    </p:set>
+                                    <p:animEffect transition="in" filter="fade">
+                                      <p:cBhvr>
+                                        <p:cTn id="20" dur="500"/>
+                                        <p:tgtEl>
+                                          <p:spTgt spid="10"/>
+                                        </p:tgtEl>
+                                      </p:cBhvr>
+                                    </p:animEffect>
+                                  </p:childTnLst>
+                                </p:cTn>
+                              </p:par>
+                            </p:childTnLst>
+                          </p:cTn>
+                        </p:par>
+                        <p:par>
+                          <p:cTn id="21" fill="hold">
+                            <p:stCondLst>
+                              <p:cond delay="1000"/>
+                            </p:stCondLst>
+                            <p:childTnLst>
+                              <p:par>
+                                <p:cTn id="22" presetID="10" presetClass="entr" presetSubtype="0" fill="hold" nodeType="afterEffect">
+                                  <p:stCondLst>
+                                    <p:cond delay="0"/>
+                                  </p:stCondLst>
+                                  <p:childTnLst>
+                                    <p:set>
+                                      <p:cBhvr>
+                                        <p:cTn id="23" dur="1" fill="hold">
+                                          <p:stCondLst>
+                                            <p:cond delay="0"/>
+                                          </p:stCondLst>
+                                        </p:cTn>
+                                        <p:tgtEl>
+                                          <p:spTgt spid="12"/>
+                                        </p:tgtEl>
+                                        <p:attrNameLst>
+                                          <p:attrName>style.visibility</p:attrName>
+                                        </p:attrNameLst>
+                                      </p:cBhvr>
+                                      <p:to>
+                                        <p:strVal val="visible"/>
+                                      </p:to>
+                                    </p:set>
+                                    <p:animEffect transition="in" filter="fade">
+                                      <p:cBhvr>
+                                        <p:cTn id="24" dur="500"/>
+                                        <p:tgtEl>
+                                          <p:spTgt spid="12"/>
+                                        </p:tgtEl>
+                                      </p:cBhvr>
+                                    </p:animEffect>
+                                  </p:childTnLst>
+                                </p:cTn>
+                              </p:par>
+                            </p:childTnLst>
+                          </p:cTn>
+                        </p:par>
+                      </p:childTnLst>
+                    </p:cTn>
+                  </p:par>
+                  <p:par>
+                    <p:cTn id="25" fill="hold">
+                      <p:stCondLst>
+                        <p:cond delay="indefinite"/>
+                      </p:stCondLst>
+                      <p:childTnLst>
+                        <p:par>
+                          <p:cTn id="26" fill="hold">
+                            <p:stCondLst>
+                              <p:cond delay="0"/>
+                            </p:stCondLst>
+                            <p:childTnLst>
+                              <p:par>
+                                <p:cTn id="27" presetID="10" presetClass="entr" presetSubtype="0" fill="hold" grpId="0" nodeType="clickEffect">
+                                  <p:stCondLst>
+                                    <p:cond delay="0"/>
+                                  </p:stCondLst>
+                                  <p:childTnLst>
+                                    <p:set>
+                                      <p:cBhvr>
+                                        <p:cTn id="28" dur="1" fill="hold">
+                                          <p:stCondLst>
+                                            <p:cond delay="0"/>
+                                          </p:stCondLst>
+                                        </p:cTn>
+                                        <p:tgtEl>
+                                          <p:spTgt spid="13"/>
+                                        </p:tgtEl>
+                                        <p:attrNameLst>
+                                          <p:attrName>style.visibility</p:attrName>
+                                        </p:attrNameLst>
+                                      </p:cBhvr>
+                                      <p:to>
+                                        <p:strVal val="visible"/>
+                                      </p:to>
+                                    </p:set>
+                                    <p:animEffect transition="in" filter="fade">
+                                      <p:cBhvr>
+                                        <p:cTn id="29" dur="500"/>
+                                        <p:tgtEl>
+                                          <p:spTgt spid="13"/>
+                                        </p:tgtEl>
+                                      </p:cBhvr>
+                                    </p:animEffect>
+                                  </p:childTnLst>
+                                </p:cTn>
+                              </p:par>
+                            </p:childTnLst>
+                          </p:cTn>
+                        </p:par>
+                      </p:childTnLst>
+                    </p:cTn>
+                  </p:par>
+                  <p:par>
+                    <p:cTn id="30" fill="hold">
+                      <p:stCondLst>
+                        <p:cond delay="indefinite"/>
+                      </p:stCondLst>
+                      <p:childTnLst>
+                        <p:par>
+                          <p:cTn id="31" fill="hold">
+                            <p:stCondLst>
+                              <p:cond delay="0"/>
+                            </p:stCondLst>
+                            <p:childTnLst>
+                              <p:par>
+                                <p:cTn id="32" presetID="10" presetClass="entr" presetSubtype="0" fill="hold" grpId="0" nodeType="clickEffect">
+                                  <p:stCondLst>
+                                    <p:cond delay="0"/>
+                                  </p:stCondLst>
+                                  <p:childTnLst>
+                                    <p:set>
+                                      <p:cBhvr>
+                                        <p:cTn id="33" dur="1" fill="hold">
+                                          <p:stCondLst>
+                                            <p:cond delay="0"/>
+                                          </p:stCondLst>
+                                        </p:cTn>
+                                        <p:tgtEl>
+                                          <p:spTgt spid="14"/>
+                                        </p:tgtEl>
+                                        <p:attrNameLst>
+                                          <p:attrName>style.visibility</p:attrName>
+                                        </p:attrNameLst>
+                                      </p:cBhvr>
+                                      <p:to>
+                                        <p:strVal val="visible"/>
+                                      </p:to>
+                                    </p:set>
+                                    <p:animEffect transition="in" filter="fade">
+                                      <p:cBhvr>
+                                        <p:cTn id="34" dur="500"/>
+                                        <p:tgtEl>
+                                          <p:spTgt spid="14"/>
+                                        </p:tgtEl>
+                                      </p:cBhvr>
+                                    </p:animEffect>
+                                  </p:childTnLst>
+                                </p:cTn>
+                              </p:par>
+                            </p:childTnLst>
+                          </p:cTn>
+                        </p:par>
+                      </p:childTnLst>
+                    </p:cTn>
+                  </p:par>
+                  <p:par>
+                    <p:cTn id="35" fill="hold">
+                      <p:stCondLst>
+                        <p:cond delay="indefinite"/>
+                      </p:stCondLst>
+                      <p:childTnLst>
+                        <p:par>
+                          <p:cTn id="36" fill="hold">
+                            <p:stCondLst>
+                              <p:cond delay="0"/>
+                            </p:stCondLst>
+                            <p:childTnLst>
+                              <p:par>
+                                <p:cTn id="37" presetID="10" presetClass="entr" presetSubtype="0" fill="hold" grpId="0" nodeType="clickEffect">
+                                  <p:stCondLst>
+                                    <p:cond delay="0"/>
+                                  </p:stCondLst>
+                                  <p:childTnLst>
+                                    <p:set>
+                                      <p:cBhvr>
+                                        <p:cTn id="38" dur="1" fill="hold">
+                                          <p:stCondLst>
+                                            <p:cond delay="0"/>
+                                          </p:stCondLst>
+                                        </p:cTn>
+                                        <p:tgtEl>
+                                          <p:spTgt spid="15"/>
+                                        </p:tgtEl>
+                                        <p:attrNameLst>
+                                          <p:attrName>style.visibility</p:attrName>
+                                        </p:attrNameLst>
+                                      </p:cBhvr>
+                                      <p:to>
+                                        <p:strVal val="visible"/>
+                                      </p:to>
+                                    </p:set>
+                                    <p:animEffect transition="in" filter="fade">
+                                      <p:cBhvr>
+                                        <p:cTn id="39" dur="500"/>
+                                        <p:tgtEl>
+                                          <p:spTgt spid="15"/>
+                                        </p:tgtEl>
+                                      </p:cBhvr>
+                                    </p:animEffect>
+                                  </p:childTnLst>
+                                </p:cTn>
+                              </p:par>
+                            </p:childTnLst>
+                          </p:cTn>
+                        </p:par>
+                      </p:childTnLst>
+                    </p:cTn>
+                  </p:par>
+                </p:childTnLst>
+              </p:cTn>
+              <p:prevCondLst>
+                <p:cond evt="onPrev" delay="0">
+                  <p:tgtEl>
+                    <p:sldTgt/>
+                  </p:tgtEl>
+                </p:cond>
+              </p:prevCondLst>
+              <p:nextCondLst>
+                <p:cond evt="onNext" delay="0">
+                  <p:tgtEl>
+                    <p:sldTgt/>
+                  </p:tgtEl>
+                </p:cond>
+              </p:nextCondLst>
+            </p:seq>
+          </p:childTnLst>
+        </p:cTn>
+      </p:par>
+    </p:tnLst>
+    <p:bldLst>
+      <p:bldP spid="6" grpId="0" animBg="1"/>
+      <p:bldP spid="14" grpId="0" animBg="1"/>
+      <p:bldP spid="13" grpId="0" animBg="1"/>
+      <p:bldP spid="15" grpId="0"/>
+    </p:bldLst>
+  </p:timing>
 </p:sld>
 </file>
 
